--- a/RHCP_MatLab_Code/RHCP algorithm.pptx
+++ b/RHCP_MatLab_Code/RHCP algorithm.pptx
@@ -5,19 +5,8 @@
     <p:sldMasterId id="2147483648" r:id="rId1"/>
   </p:sldMasterIdLst>
   <p:sldIdLst>
-    <p:sldId id="256" r:id="rId2"/>
-    <p:sldId id="257" r:id="rId3"/>
-    <p:sldId id="271" r:id="rId4"/>
-    <p:sldId id="269" r:id="rId5"/>
-    <p:sldId id="272" r:id="rId6"/>
-    <p:sldId id="268" r:id="rId7"/>
-    <p:sldId id="262" r:id="rId8"/>
-    <p:sldId id="264" r:id="rId9"/>
-    <p:sldId id="266" r:id="rId10"/>
-    <p:sldId id="260" r:id="rId11"/>
-    <p:sldId id="258" r:id="rId12"/>
-    <p:sldId id="259" r:id="rId13"/>
-    <p:sldId id="267" r:id="rId14"/>
+    <p:sldId id="273" r:id="rId2"/>
+    <p:sldId id="277" r:id="rId3"/>
   </p:sldIdLst>
   <p:sldSz cx="12192000" cy="6858000"/>
   <p:notesSz cx="6858000" cy="9144000"/>
@@ -271,9 +260,9 @@
           <a:p>
             <a:fld id="{A144501B-CC21-487D-9C1E-9F7351C20956}" type="datetimeFigureOut">
               <a:rPr lang="en-US" smtClean="0"/>
-              <a:t>4/26/20</a:t>
+              <a:t>9/3/20</a:t>
             </a:fld>
-            <a:endParaRPr lang="en-US"/>
+            <a:endParaRPr lang="en-US" dirty="0"/>
           </a:p>
         </p:txBody>
       </p:sp>
@@ -298,7 +287,7 @@
           <a:bodyPr/>
           <a:lstStyle/>
           <a:p>
-            <a:endParaRPr lang="en-US"/>
+            <a:endParaRPr lang="en-US" dirty="0"/>
           </a:p>
         </p:txBody>
       </p:sp>
@@ -327,7 +316,7 @@
               <a:rPr lang="en-US" smtClean="0"/>
               <a:t>‹#›</a:t>
             </a:fld>
-            <a:endParaRPr lang="en-US"/>
+            <a:endParaRPr lang="en-US" dirty="0"/>
           </a:p>
         </p:txBody>
       </p:sp>
@@ -469,9 +458,9 @@
           <a:p>
             <a:fld id="{A144501B-CC21-487D-9C1E-9F7351C20956}" type="datetimeFigureOut">
               <a:rPr lang="en-US" smtClean="0"/>
-              <a:t>4/26/20</a:t>
+              <a:t>9/3/20</a:t>
             </a:fld>
-            <a:endParaRPr lang="en-US"/>
+            <a:endParaRPr lang="en-US" dirty="0"/>
           </a:p>
         </p:txBody>
       </p:sp>
@@ -496,7 +485,7 @@
           <a:bodyPr/>
           <a:lstStyle/>
           <a:p>
-            <a:endParaRPr lang="en-US"/>
+            <a:endParaRPr lang="en-US" dirty="0"/>
           </a:p>
         </p:txBody>
       </p:sp>
@@ -525,7 +514,7 @@
               <a:rPr lang="en-US" smtClean="0"/>
               <a:t>‹#›</a:t>
             </a:fld>
-            <a:endParaRPr lang="en-US"/>
+            <a:endParaRPr lang="en-US" dirty="0"/>
           </a:p>
         </p:txBody>
       </p:sp>
@@ -677,9 +666,9 @@
           <a:p>
             <a:fld id="{A144501B-CC21-487D-9C1E-9F7351C20956}" type="datetimeFigureOut">
               <a:rPr lang="en-US" smtClean="0"/>
-              <a:t>4/26/20</a:t>
+              <a:t>9/3/20</a:t>
             </a:fld>
-            <a:endParaRPr lang="en-US"/>
+            <a:endParaRPr lang="en-US" dirty="0"/>
           </a:p>
         </p:txBody>
       </p:sp>
@@ -704,7 +693,7 @@
           <a:bodyPr/>
           <a:lstStyle/>
           <a:p>
-            <a:endParaRPr lang="en-US"/>
+            <a:endParaRPr lang="en-US" dirty="0"/>
           </a:p>
         </p:txBody>
       </p:sp>
@@ -733,7 +722,7 @@
               <a:rPr lang="en-US" smtClean="0"/>
               <a:t>‹#›</a:t>
             </a:fld>
-            <a:endParaRPr lang="en-US"/>
+            <a:endParaRPr lang="en-US" dirty="0"/>
           </a:p>
         </p:txBody>
       </p:sp>
@@ -875,9 +864,9 @@
           <a:p>
             <a:fld id="{A144501B-CC21-487D-9C1E-9F7351C20956}" type="datetimeFigureOut">
               <a:rPr lang="en-US" smtClean="0"/>
-              <a:t>4/26/20</a:t>
+              <a:t>9/3/20</a:t>
             </a:fld>
-            <a:endParaRPr lang="en-US"/>
+            <a:endParaRPr lang="en-US" dirty="0"/>
           </a:p>
         </p:txBody>
       </p:sp>
@@ -902,7 +891,7 @@
           <a:bodyPr/>
           <a:lstStyle/>
           <a:p>
-            <a:endParaRPr lang="en-US"/>
+            <a:endParaRPr lang="en-US" dirty="0"/>
           </a:p>
         </p:txBody>
       </p:sp>
@@ -931,7 +920,7 @@
               <a:rPr lang="en-US" smtClean="0"/>
               <a:t>‹#›</a:t>
             </a:fld>
-            <a:endParaRPr lang="en-US"/>
+            <a:endParaRPr lang="en-US" dirty="0"/>
           </a:p>
         </p:txBody>
       </p:sp>
@@ -1150,9 +1139,9 @@
           <a:p>
             <a:fld id="{A144501B-CC21-487D-9C1E-9F7351C20956}" type="datetimeFigureOut">
               <a:rPr lang="en-US" smtClean="0"/>
-              <a:t>4/26/20</a:t>
+              <a:t>9/3/20</a:t>
             </a:fld>
-            <a:endParaRPr lang="en-US"/>
+            <a:endParaRPr lang="en-US" dirty="0"/>
           </a:p>
         </p:txBody>
       </p:sp>
@@ -1177,7 +1166,7 @@
           <a:bodyPr/>
           <a:lstStyle/>
           <a:p>
-            <a:endParaRPr lang="en-US"/>
+            <a:endParaRPr lang="en-US" dirty="0"/>
           </a:p>
         </p:txBody>
       </p:sp>
@@ -1206,7 +1195,7 @@
               <a:rPr lang="en-US" smtClean="0"/>
               <a:t>‹#›</a:t>
             </a:fld>
-            <a:endParaRPr lang="en-US"/>
+            <a:endParaRPr lang="en-US" dirty="0"/>
           </a:p>
         </p:txBody>
       </p:sp>
@@ -1415,9 +1404,9 @@
           <a:p>
             <a:fld id="{A144501B-CC21-487D-9C1E-9F7351C20956}" type="datetimeFigureOut">
               <a:rPr lang="en-US" smtClean="0"/>
-              <a:t>4/26/20</a:t>
+              <a:t>9/3/20</a:t>
             </a:fld>
-            <a:endParaRPr lang="en-US"/>
+            <a:endParaRPr lang="en-US" dirty="0"/>
           </a:p>
         </p:txBody>
       </p:sp>
@@ -1442,7 +1431,7 @@
           <a:bodyPr/>
           <a:lstStyle/>
           <a:p>
-            <a:endParaRPr lang="en-US"/>
+            <a:endParaRPr lang="en-US" dirty="0"/>
           </a:p>
         </p:txBody>
       </p:sp>
@@ -1471,7 +1460,7 @@
               <a:rPr lang="en-US" smtClean="0"/>
               <a:t>‹#›</a:t>
             </a:fld>
-            <a:endParaRPr lang="en-US"/>
+            <a:endParaRPr lang="en-US" dirty="0"/>
           </a:p>
         </p:txBody>
       </p:sp>
@@ -1827,9 +1816,9 @@
           <a:p>
             <a:fld id="{A144501B-CC21-487D-9C1E-9F7351C20956}" type="datetimeFigureOut">
               <a:rPr lang="en-US" smtClean="0"/>
-              <a:t>4/26/20</a:t>
+              <a:t>9/3/20</a:t>
             </a:fld>
-            <a:endParaRPr lang="en-US"/>
+            <a:endParaRPr lang="en-US" dirty="0"/>
           </a:p>
         </p:txBody>
       </p:sp>
@@ -1854,7 +1843,7 @@
           <a:bodyPr/>
           <a:lstStyle/>
           <a:p>
-            <a:endParaRPr lang="en-US"/>
+            <a:endParaRPr lang="en-US" dirty="0"/>
           </a:p>
         </p:txBody>
       </p:sp>
@@ -1883,7 +1872,7 @@
               <a:rPr lang="en-US" smtClean="0"/>
               <a:t>‹#›</a:t>
             </a:fld>
-            <a:endParaRPr lang="en-US"/>
+            <a:endParaRPr lang="en-US" dirty="0"/>
           </a:p>
         </p:txBody>
       </p:sp>
@@ -1968,9 +1957,9 @@
           <a:p>
             <a:fld id="{A144501B-CC21-487D-9C1E-9F7351C20956}" type="datetimeFigureOut">
               <a:rPr lang="en-US" smtClean="0"/>
-              <a:t>4/26/20</a:t>
+              <a:t>9/3/20</a:t>
             </a:fld>
-            <a:endParaRPr lang="en-US"/>
+            <a:endParaRPr lang="en-US" dirty="0"/>
           </a:p>
         </p:txBody>
       </p:sp>
@@ -1995,7 +1984,7 @@
           <a:bodyPr/>
           <a:lstStyle/>
           <a:p>
-            <a:endParaRPr lang="en-US"/>
+            <a:endParaRPr lang="en-US" dirty="0"/>
           </a:p>
         </p:txBody>
       </p:sp>
@@ -2024,7 +2013,7 @@
               <a:rPr lang="en-US" smtClean="0"/>
               <a:t>‹#›</a:t>
             </a:fld>
-            <a:endParaRPr lang="en-US"/>
+            <a:endParaRPr lang="en-US" dirty="0"/>
           </a:p>
         </p:txBody>
       </p:sp>
@@ -2081,9 +2070,9 @@
           <a:p>
             <a:fld id="{A144501B-CC21-487D-9C1E-9F7351C20956}" type="datetimeFigureOut">
               <a:rPr lang="en-US" smtClean="0"/>
-              <a:t>4/26/20</a:t>
+              <a:t>9/3/20</a:t>
             </a:fld>
-            <a:endParaRPr lang="en-US"/>
+            <a:endParaRPr lang="en-US" dirty="0"/>
           </a:p>
         </p:txBody>
       </p:sp>
@@ -2108,7 +2097,7 @@
           <a:bodyPr/>
           <a:lstStyle/>
           <a:p>
-            <a:endParaRPr lang="en-US"/>
+            <a:endParaRPr lang="en-US" dirty="0"/>
           </a:p>
         </p:txBody>
       </p:sp>
@@ -2137,7 +2126,7 @@
               <a:rPr lang="en-US" smtClean="0"/>
               <a:t>‹#›</a:t>
             </a:fld>
-            <a:endParaRPr lang="en-US"/>
+            <a:endParaRPr lang="en-US" dirty="0"/>
           </a:p>
         </p:txBody>
       </p:sp>
@@ -2392,9 +2381,9 @@
           <a:p>
             <a:fld id="{A144501B-CC21-487D-9C1E-9F7351C20956}" type="datetimeFigureOut">
               <a:rPr lang="en-US" smtClean="0"/>
-              <a:t>4/26/20</a:t>
+              <a:t>9/3/20</a:t>
             </a:fld>
-            <a:endParaRPr lang="en-US"/>
+            <a:endParaRPr lang="en-US" dirty="0"/>
           </a:p>
         </p:txBody>
       </p:sp>
@@ -2419,7 +2408,7 @@
           <a:bodyPr/>
           <a:lstStyle/>
           <a:p>
-            <a:endParaRPr lang="en-US"/>
+            <a:endParaRPr lang="en-US" dirty="0"/>
           </a:p>
         </p:txBody>
       </p:sp>
@@ -2448,7 +2437,7 @@
               <a:rPr lang="en-US" smtClean="0"/>
               <a:t>‹#›</a:t>
             </a:fld>
-            <a:endParaRPr lang="en-US"/>
+            <a:endParaRPr lang="en-US" dirty="0"/>
           </a:p>
         </p:txBody>
       </p:sp>
@@ -2582,7 +2571,7 @@
             </a:lvl9pPr>
           </a:lstStyle>
           <a:p>
-            <a:endParaRPr lang="en-US"/>
+            <a:endParaRPr lang="en-US" dirty="0"/>
           </a:p>
         </p:txBody>
       </p:sp>
@@ -2680,9 +2669,9 @@
           <a:p>
             <a:fld id="{A144501B-CC21-487D-9C1E-9F7351C20956}" type="datetimeFigureOut">
               <a:rPr lang="en-US" smtClean="0"/>
-              <a:t>4/26/20</a:t>
+              <a:t>9/3/20</a:t>
             </a:fld>
-            <a:endParaRPr lang="en-US"/>
+            <a:endParaRPr lang="en-US" dirty="0"/>
           </a:p>
         </p:txBody>
       </p:sp>
@@ -2707,7 +2696,7 @@
           <a:bodyPr/>
           <a:lstStyle/>
           <a:p>
-            <a:endParaRPr lang="en-US"/>
+            <a:endParaRPr lang="en-US" dirty="0"/>
           </a:p>
         </p:txBody>
       </p:sp>
@@ -2736,7 +2725,7 @@
               <a:rPr lang="en-US" smtClean="0"/>
               <a:t>‹#›</a:t>
             </a:fld>
-            <a:endParaRPr lang="en-US"/>
+            <a:endParaRPr lang="en-US" dirty="0"/>
           </a:p>
         </p:txBody>
       </p:sp>
@@ -2921,9 +2910,9 @@
           <a:p>
             <a:fld id="{A144501B-CC21-487D-9C1E-9F7351C20956}" type="datetimeFigureOut">
               <a:rPr lang="en-US" smtClean="0"/>
-              <a:t>4/26/20</a:t>
+              <a:t>9/3/20</a:t>
             </a:fld>
-            <a:endParaRPr lang="en-US"/>
+            <a:endParaRPr lang="en-US" dirty="0"/>
           </a:p>
         </p:txBody>
       </p:sp>
@@ -2966,7 +2955,7 @@
             </a:lvl1pPr>
           </a:lstStyle>
           <a:p>
-            <a:endParaRPr lang="en-US"/>
+            <a:endParaRPr lang="en-US" dirty="0"/>
           </a:p>
         </p:txBody>
       </p:sp>
@@ -3013,7 +3002,7 @@
               <a:rPr lang="en-US" smtClean="0"/>
               <a:t>‹#›</a:t>
             </a:fld>
-            <a:endParaRPr lang="en-US"/>
+            <a:endParaRPr lang="en-US" dirty="0"/>
           </a:p>
         </p:txBody>
       </p:sp>
@@ -3360,44 +3349,8 @@
           <a:lstStyle/>
           <a:p>
             <a:r>
-              <a:rPr lang="en-US"/>
-              <a:t>RHCP Code </a:t>
-            </a:r>
-            <a:r>
               <a:rPr lang="en-US" dirty="0"/>
-              <a:t>Breakdown</a:t>
-            </a:r>
-          </a:p>
-        </p:txBody>
-      </p:sp>
-      <p:sp>
-        <p:nvSpPr>
-          <p:cNvPr id="3" name="Subtitle 2">
-            <a:extLst>
-              <a:ext uri="{FF2B5EF4-FFF2-40B4-BE49-F238E27FC236}">
-                <a16:creationId xmlns:a16="http://schemas.microsoft.com/office/drawing/2014/main" id="{55A7EF23-00FA-4CFE-B625-00AB6CCD0996}"/>
-              </a:ext>
-            </a:extLst>
-          </p:cNvPr>
-          <p:cNvSpPr>
-            <a:spLocks noGrp="1"/>
-          </p:cNvSpPr>
-          <p:nvPr>
-            <p:ph type="subTitle" idx="1"/>
-          </p:nvPr>
-        </p:nvSpPr>
-        <p:spPr/>
-        <p:txBody>
-          <a:bodyPr/>
-          <a:lstStyle/>
-          <a:p>
-            <a:r>
-              <a:rPr lang="en-US"/>
-              <a:t>Pierre Clement Simon </a:t>
-            </a:r>
-            <a:r>
-              <a:rPr lang="en-US" dirty="0"/>
-              <a:t>and Cailon Frank</a:t>
+              <a:t>RHCP Code Architecture</a:t>
             </a:r>
           </a:p>
         </p:txBody>
@@ -3405,886 +3358,7 @@
     </p:spTree>
     <p:extLst>
       <p:ext uri="{BB962C8B-B14F-4D97-AF65-F5344CB8AC3E}">
-        <p14:creationId xmlns:p14="http://schemas.microsoft.com/office/powerpoint/2010/main" val="642002764"/>
-      </p:ext>
-    </p:extLst>
-  </p:cSld>
-  <p:clrMapOvr>
-    <a:masterClrMapping/>
-  </p:clrMapOvr>
-</p:sld>
-</file>
-
-<file path=ppt/slides/slide10.xml><?xml version="1.0" encoding="utf-8"?>
-<p:sld xmlns:a="http://schemas.openxmlformats.org/drawingml/2006/main" xmlns:r="http://schemas.openxmlformats.org/officeDocument/2006/relationships" xmlns:p="http://schemas.openxmlformats.org/presentationml/2006/main">
-  <p:cSld>
-    <p:spTree>
-      <p:nvGrpSpPr>
-        <p:cNvPr id="1" name=""/>
-        <p:cNvGrpSpPr/>
-        <p:nvPr/>
-      </p:nvGrpSpPr>
-      <p:grpSpPr>
-        <a:xfrm>
-          <a:off x="0" y="0"/>
-          <a:ext cx="0" cy="0"/>
-          <a:chOff x="0" y="0"/>
-          <a:chExt cx="0" cy="0"/>
-        </a:xfrm>
-      </p:grpSpPr>
-      <p:sp>
-        <p:nvSpPr>
-          <p:cNvPr id="2" name="Title 1">
-            <a:extLst>
-              <a:ext uri="{FF2B5EF4-FFF2-40B4-BE49-F238E27FC236}">
-                <a16:creationId xmlns:a16="http://schemas.microsoft.com/office/drawing/2014/main" id="{294753D2-C07B-47B8-B977-3076E51CA046}"/>
-              </a:ext>
-            </a:extLst>
-          </p:cNvPr>
-          <p:cNvSpPr>
-            <a:spLocks noGrp="1"/>
-          </p:cNvSpPr>
-          <p:nvPr>
-            <p:ph type="title"/>
-          </p:nvPr>
-        </p:nvSpPr>
-        <p:spPr/>
-        <p:txBody>
-          <a:bodyPr/>
-          <a:lstStyle/>
-          <a:p>
-            <a:r>
-              <a:rPr lang="en-US" dirty="0" err="1"/>
-              <a:t>Connectivity_RHCP_file</a:t>
-            </a:r>
-            <a:endParaRPr lang="en-US" dirty="0"/>
-          </a:p>
-        </p:txBody>
-      </p:sp>
-      <p:sp>
-        <p:nvSpPr>
-          <p:cNvPr id="3" name="Content Placeholder 2">
-            <a:extLst>
-              <a:ext uri="{FF2B5EF4-FFF2-40B4-BE49-F238E27FC236}">
-                <a16:creationId xmlns:a16="http://schemas.microsoft.com/office/drawing/2014/main" id="{A75C8F1D-89BF-47E3-BEE2-956E116F724E}"/>
-              </a:ext>
-            </a:extLst>
-          </p:cNvPr>
-          <p:cNvSpPr>
-            <a:spLocks noGrp="1"/>
-          </p:cNvSpPr>
-          <p:nvPr>
-            <p:ph idx="1"/>
-          </p:nvPr>
-        </p:nvSpPr>
-        <p:spPr/>
-        <p:txBody>
-          <a:bodyPr/>
-          <a:lstStyle/>
-          <a:p>
-            <a:r>
-              <a:rPr lang="en-US" dirty="0"/>
-              <a:t>[RHCP] = </a:t>
-            </a:r>
-            <a:r>
-              <a:rPr lang="en-US" dirty="0" err="1"/>
-              <a:t>Connectivity_RHCP_file</a:t>
-            </a:r>
-            <a:r>
-              <a:rPr lang="en-US" dirty="0"/>
-              <a:t>(</a:t>
-            </a:r>
-            <a:r>
-              <a:rPr lang="en-US" dirty="0" err="1"/>
-              <a:t>codeFolderName,imageFolderName</a:t>
-            </a:r>
-            <a:r>
-              <a:rPr lang="en-US" dirty="0"/>
-              <a:t>, filename, </a:t>
-            </a:r>
-            <a:r>
-              <a:rPr lang="en-US" dirty="0" err="1"/>
-              <a:t>resultsFolderName</a:t>
-            </a:r>
-            <a:r>
-              <a:rPr lang="en-US" dirty="0"/>
-              <a:t>, resolution, </a:t>
-            </a:r>
-            <a:r>
-              <a:rPr lang="en-US" dirty="0" err="1"/>
-              <a:t>PerCut</a:t>
-            </a:r>
-            <a:r>
-              <a:rPr lang="en-US" dirty="0"/>
-              <a:t>, </a:t>
-            </a:r>
-            <a:r>
-              <a:rPr lang="en-US" dirty="0" err="1"/>
-              <a:t>numPaths</a:t>
-            </a:r>
-            <a:r>
-              <a:rPr lang="en-US" dirty="0"/>
-              <a:t>, Mutation, </a:t>
-            </a:r>
-            <a:r>
-              <a:rPr lang="en-US" dirty="0" err="1"/>
-              <a:t>primary_nodes_dist</a:t>
-            </a:r>
-            <a:r>
-              <a:rPr lang="en-US" dirty="0"/>
-              <a:t>, </a:t>
-            </a:r>
-            <a:r>
-              <a:rPr lang="en-US" dirty="0" err="1"/>
-              <a:t>disp_num</a:t>
-            </a:r>
-            <a:r>
-              <a:rPr lang="en-US" dirty="0"/>
-              <a:t>, </a:t>
-            </a:r>
-            <a:r>
-              <a:rPr lang="en-US" dirty="0" err="1"/>
-              <a:t>annealingTime</a:t>
-            </a:r>
-            <a:r>
-              <a:rPr lang="en-US" dirty="0"/>
-              <a:t>, </a:t>
-            </a:r>
-            <a:r>
-              <a:rPr lang="en-US" dirty="0" err="1"/>
-              <a:t>numRun</a:t>
-            </a:r>
-            <a:r>
-              <a:rPr lang="en-US" dirty="0"/>
-              <a:t>, </a:t>
-            </a:r>
-            <a:r>
-              <a:rPr lang="en-US" dirty="0" err="1"/>
-              <a:t>smCut</a:t>
-            </a:r>
-            <a:r>
-              <a:rPr lang="en-US" dirty="0"/>
-              <a:t>, </a:t>
-            </a:r>
-            <a:r>
-              <a:rPr lang="en-US" dirty="0" err="1"/>
-              <a:t>CPMax</a:t>
-            </a:r>
-            <a:r>
-              <a:rPr lang="en-US" dirty="0"/>
-              <a:t>)</a:t>
-            </a:r>
-          </a:p>
-          <a:p>
-            <a:r>
-              <a:rPr lang="en-US" dirty="0"/>
-              <a:t>Purpose: Finds binary image, generates random paths using </a:t>
-            </a:r>
-            <a:r>
-              <a:rPr lang="en-US" dirty="0" err="1"/>
-              <a:t>RandomPathsGenerator</a:t>
-            </a:r>
-            <a:r>
-              <a:rPr lang="en-US" dirty="0"/>
-              <a:t>, then uses the genetic algorithm to find the path with the best RHCP value</a:t>
-            </a:r>
-          </a:p>
-          <a:p>
-            <a:endParaRPr lang="en-US" dirty="0"/>
-          </a:p>
-        </p:txBody>
-      </p:sp>
-    </p:spTree>
-    <p:extLst>
-      <p:ext uri="{BB962C8B-B14F-4D97-AF65-F5344CB8AC3E}">
-        <p14:creationId xmlns:p14="http://schemas.microsoft.com/office/powerpoint/2010/main" val="3986066553"/>
-      </p:ext>
-    </p:extLst>
-  </p:cSld>
-  <p:clrMapOvr>
-    <a:masterClrMapping/>
-  </p:clrMapOvr>
-</p:sld>
-</file>
-
-<file path=ppt/slides/slide11.xml><?xml version="1.0" encoding="utf-8"?>
-<p:sld xmlns:a="http://schemas.openxmlformats.org/drawingml/2006/main" xmlns:r="http://schemas.openxmlformats.org/officeDocument/2006/relationships" xmlns:p="http://schemas.openxmlformats.org/presentationml/2006/main">
-  <p:cSld>
-    <p:spTree>
-      <p:nvGrpSpPr>
-        <p:cNvPr id="1" name=""/>
-        <p:cNvGrpSpPr/>
-        <p:nvPr/>
-      </p:nvGrpSpPr>
-      <p:grpSpPr>
-        <a:xfrm>
-          <a:off x="0" y="0"/>
-          <a:ext cx="0" cy="0"/>
-          <a:chOff x="0" y="0"/>
-          <a:chExt cx="0" cy="0"/>
-        </a:xfrm>
-      </p:grpSpPr>
-      <p:sp>
-        <p:nvSpPr>
-          <p:cNvPr id="2" name="Title 1">
-            <a:extLst>
-              <a:ext uri="{FF2B5EF4-FFF2-40B4-BE49-F238E27FC236}">
-                <a16:creationId xmlns:a16="http://schemas.microsoft.com/office/drawing/2014/main" id="{06229F76-B13B-4AA3-A0BE-B15C33632906}"/>
-              </a:ext>
-            </a:extLst>
-          </p:cNvPr>
-          <p:cNvSpPr>
-            <a:spLocks noGrp="1"/>
-          </p:cNvSpPr>
-          <p:nvPr>
-            <p:ph type="title"/>
-          </p:nvPr>
-        </p:nvSpPr>
-        <p:spPr/>
-        <p:txBody>
-          <a:bodyPr/>
-          <a:lstStyle/>
-          <a:p>
-            <a:r>
-              <a:rPr lang="en-US" dirty="0" err="1"/>
-              <a:t>Connectivity_RHCP_main</a:t>
-            </a:r>
-            <a:br>
-              <a:rPr lang="en-US" dirty="0"/>
-            </a:br>
-            <a:endParaRPr lang="en-US" dirty="0"/>
-          </a:p>
-        </p:txBody>
-      </p:sp>
-      <p:sp>
-        <p:nvSpPr>
-          <p:cNvPr id="3" name="Content Placeholder 2">
-            <a:extLst>
-              <a:ext uri="{FF2B5EF4-FFF2-40B4-BE49-F238E27FC236}">
-                <a16:creationId xmlns:a16="http://schemas.microsoft.com/office/drawing/2014/main" id="{BA566029-B836-4DE4-8572-496354D87255}"/>
-              </a:ext>
-            </a:extLst>
-          </p:cNvPr>
-          <p:cNvSpPr>
-            <a:spLocks noGrp="1"/>
-          </p:cNvSpPr>
-          <p:nvPr>
-            <p:ph idx="1"/>
-          </p:nvPr>
-        </p:nvSpPr>
-        <p:spPr/>
-        <p:txBody>
-          <a:bodyPr/>
-          <a:lstStyle/>
-          <a:p>
-            <a:r>
-              <a:rPr lang="en-US" dirty="0"/>
-              <a:t>[ ] = </a:t>
-            </a:r>
-            <a:r>
-              <a:rPr lang="en-US" dirty="0" err="1"/>
-              <a:t>Connectivity_RHCP_main</a:t>
-            </a:r>
-            <a:r>
-              <a:rPr lang="en-US" dirty="0"/>
-              <a:t>(</a:t>
-            </a:r>
-            <a:r>
-              <a:rPr lang="en-US" dirty="0" err="1"/>
-              <a:t>codeFolderName</a:t>
-            </a:r>
-            <a:r>
-              <a:rPr lang="en-US" dirty="0"/>
-              <a:t>, </a:t>
-            </a:r>
-            <a:r>
-              <a:rPr lang="en-US" dirty="0" err="1"/>
-              <a:t>imageFolderName</a:t>
-            </a:r>
-            <a:r>
-              <a:rPr lang="en-US" dirty="0"/>
-              <a:t>, </a:t>
-            </a:r>
-            <a:r>
-              <a:rPr lang="en-US" dirty="0" err="1"/>
-              <a:t>startingLowThreshold</a:t>
-            </a:r>
-            <a:r>
-              <a:rPr lang="en-US" dirty="0"/>
-              <a:t>, </a:t>
-            </a:r>
-            <a:r>
-              <a:rPr lang="en-US" dirty="0" err="1"/>
-              <a:t>startingHighThreshold</a:t>
-            </a:r>
-            <a:r>
-              <a:rPr lang="en-US" dirty="0"/>
-              <a:t>, </a:t>
-            </a:r>
-            <a:r>
-              <a:rPr lang="en-US" dirty="0" err="1"/>
-              <a:t>SpotSize</a:t>
-            </a:r>
-            <a:r>
-              <a:rPr lang="en-US" dirty="0"/>
-              <a:t>, </a:t>
-            </a:r>
-            <a:r>
-              <a:rPr lang="en-US" dirty="0" err="1"/>
-              <a:t>HoleSize</a:t>
-            </a:r>
-            <a:r>
-              <a:rPr lang="en-US" dirty="0"/>
-              <a:t>, resolution, </a:t>
-            </a:r>
-            <a:r>
-              <a:rPr lang="en-US" dirty="0" err="1"/>
-              <a:t>resultsFolderName</a:t>
-            </a:r>
-            <a:r>
-              <a:rPr lang="en-US" dirty="0"/>
-              <a:t>, </a:t>
-            </a:r>
-            <a:r>
-              <a:rPr lang="en-US" dirty="0" err="1"/>
-              <a:t>PerCut</a:t>
-            </a:r>
-            <a:r>
-              <a:rPr lang="en-US" dirty="0"/>
-              <a:t>, </a:t>
-            </a:r>
-            <a:r>
-              <a:rPr lang="en-US" dirty="0" err="1"/>
-              <a:t>numPaths</a:t>
-            </a:r>
-            <a:r>
-              <a:rPr lang="en-US" dirty="0"/>
-              <a:t>, Mutation, </a:t>
-            </a:r>
-            <a:r>
-              <a:rPr lang="en-US" dirty="0" err="1"/>
-              <a:t>primary_nodes_dist</a:t>
-            </a:r>
-            <a:r>
-              <a:rPr lang="en-US" dirty="0"/>
-              <a:t>, </a:t>
-            </a:r>
-            <a:r>
-              <a:rPr lang="en-US" dirty="0" err="1"/>
-              <a:t>disp_num</a:t>
-            </a:r>
-            <a:r>
-              <a:rPr lang="en-US" dirty="0"/>
-              <a:t>, </a:t>
-            </a:r>
-            <a:r>
-              <a:rPr lang="en-US" dirty="0" err="1"/>
-              <a:t>annealingTime</a:t>
-            </a:r>
-            <a:r>
-              <a:rPr lang="en-US" dirty="0"/>
-              <a:t>, </a:t>
-            </a:r>
-            <a:r>
-              <a:rPr lang="en-US" dirty="0" err="1"/>
-              <a:t>numRun</a:t>
-            </a:r>
-            <a:r>
-              <a:rPr lang="en-US" dirty="0"/>
-              <a:t>, </a:t>
-            </a:r>
-            <a:r>
-              <a:rPr lang="en-US" dirty="0" err="1"/>
-              <a:t>smCut</a:t>
-            </a:r>
-            <a:r>
-              <a:rPr lang="en-US" dirty="0"/>
-              <a:t>, </a:t>
-            </a:r>
-            <a:r>
-              <a:rPr lang="en-US" dirty="0" err="1"/>
-              <a:t>CPMax</a:t>
-            </a:r>
-            <a:r>
-              <a:rPr lang="en-US" dirty="0"/>
-              <a:t>, </a:t>
-            </a:r>
-            <a:r>
-              <a:rPr lang="en-US" dirty="0" err="1"/>
-              <a:t>num_smoothing</a:t>
-            </a:r>
-            <a:r>
-              <a:rPr lang="en-US" dirty="0"/>
-              <a:t>)</a:t>
-            </a:r>
-          </a:p>
-          <a:p>
-            <a:r>
-              <a:rPr lang="en-US" dirty="0">
-                <a:sym typeface="Wingdings" panose="05000000000000000000" pitchFamily="2" charset="2"/>
-              </a:rPr>
-              <a:t>Purpose: Generates binary image and calls RHCP folder to run</a:t>
-            </a:r>
-            <a:endParaRPr lang="en-US" dirty="0"/>
-          </a:p>
-          <a:p>
-            <a:endParaRPr lang="en-US" dirty="0"/>
-          </a:p>
-          <a:p>
-            <a:endParaRPr lang="en-US" dirty="0"/>
-          </a:p>
-        </p:txBody>
-      </p:sp>
-    </p:spTree>
-    <p:extLst>
-      <p:ext uri="{BB962C8B-B14F-4D97-AF65-F5344CB8AC3E}">
-        <p14:creationId xmlns:p14="http://schemas.microsoft.com/office/powerpoint/2010/main" val="2063277595"/>
-      </p:ext>
-    </p:extLst>
-  </p:cSld>
-  <p:clrMapOvr>
-    <a:masterClrMapping/>
-  </p:clrMapOvr>
-</p:sld>
-</file>
-
-<file path=ppt/slides/slide12.xml><?xml version="1.0" encoding="utf-8"?>
-<p:sld xmlns:a="http://schemas.openxmlformats.org/drawingml/2006/main" xmlns:r="http://schemas.openxmlformats.org/officeDocument/2006/relationships" xmlns:p="http://schemas.openxmlformats.org/presentationml/2006/main">
-  <p:cSld>
-    <p:spTree>
-      <p:nvGrpSpPr>
-        <p:cNvPr id="1" name=""/>
-        <p:cNvGrpSpPr/>
-        <p:nvPr/>
-      </p:nvGrpSpPr>
-      <p:grpSpPr>
-        <a:xfrm>
-          <a:off x="0" y="0"/>
-          <a:ext cx="0" cy="0"/>
-          <a:chOff x="0" y="0"/>
-          <a:chExt cx="0" cy="0"/>
-        </a:xfrm>
-      </p:grpSpPr>
-      <p:sp>
-        <p:nvSpPr>
-          <p:cNvPr id="2" name="Title 1">
-            <a:extLst>
-              <a:ext uri="{FF2B5EF4-FFF2-40B4-BE49-F238E27FC236}">
-                <a16:creationId xmlns:a16="http://schemas.microsoft.com/office/drawing/2014/main" id="{6CFCA3FA-1006-4931-A639-6FDEF9302A15}"/>
-              </a:ext>
-            </a:extLst>
-          </p:cNvPr>
-          <p:cNvSpPr>
-            <a:spLocks noGrp="1"/>
-          </p:cNvSpPr>
-          <p:nvPr>
-            <p:ph type="title"/>
-          </p:nvPr>
-        </p:nvSpPr>
-        <p:spPr/>
-        <p:txBody>
-          <a:bodyPr/>
-          <a:lstStyle/>
-          <a:p>
-            <a:r>
-              <a:rPr lang="en-US" dirty="0" err="1"/>
-              <a:t>Connectivity_RHCP_folder</a:t>
-            </a:r>
-            <a:endParaRPr lang="en-US" dirty="0"/>
-          </a:p>
-        </p:txBody>
-      </p:sp>
-      <p:sp>
-        <p:nvSpPr>
-          <p:cNvPr id="3" name="Content Placeholder 2">
-            <a:extLst>
-              <a:ext uri="{FF2B5EF4-FFF2-40B4-BE49-F238E27FC236}">
-                <a16:creationId xmlns:a16="http://schemas.microsoft.com/office/drawing/2014/main" id="{82247C15-3BCE-4BD0-9FD0-2859834661C8}"/>
-              </a:ext>
-            </a:extLst>
-          </p:cNvPr>
-          <p:cNvSpPr>
-            <a:spLocks noGrp="1"/>
-          </p:cNvSpPr>
-          <p:nvPr>
-            <p:ph idx="1"/>
-          </p:nvPr>
-        </p:nvSpPr>
-        <p:spPr/>
-        <p:txBody>
-          <a:bodyPr/>
-          <a:lstStyle/>
-          <a:p>
-            <a:r>
-              <a:rPr lang="en-US" dirty="0"/>
-              <a:t>[ ] = </a:t>
-            </a:r>
-            <a:r>
-              <a:rPr lang="en-US" dirty="0" err="1"/>
-              <a:t>Connectivity_RHCP_folder</a:t>
-            </a:r>
-            <a:r>
-              <a:rPr lang="en-US" dirty="0"/>
-              <a:t>(</a:t>
-            </a:r>
-            <a:r>
-              <a:rPr lang="en-US" dirty="0" err="1"/>
-              <a:t>codeFolderName</a:t>
-            </a:r>
-            <a:r>
-              <a:rPr lang="en-US" dirty="0"/>
-              <a:t>, </a:t>
-            </a:r>
-            <a:r>
-              <a:rPr lang="en-US" dirty="0" err="1"/>
-              <a:t>imageFolderName</a:t>
-            </a:r>
-            <a:r>
-              <a:rPr lang="en-US" dirty="0"/>
-              <a:t>, </a:t>
-            </a:r>
-            <a:r>
-              <a:rPr lang="en-US" dirty="0" err="1"/>
-              <a:t>resultsFolderName</a:t>
-            </a:r>
-            <a:r>
-              <a:rPr lang="en-US" dirty="0"/>
-              <a:t>, resolution, </a:t>
-            </a:r>
-            <a:r>
-              <a:rPr lang="en-US" dirty="0" err="1"/>
-              <a:t>PerCut</a:t>
-            </a:r>
-            <a:r>
-              <a:rPr lang="en-US" dirty="0"/>
-              <a:t>, </a:t>
-            </a:r>
-            <a:r>
-              <a:rPr lang="en-US" dirty="0" err="1"/>
-              <a:t>numPaths</a:t>
-            </a:r>
-            <a:r>
-              <a:rPr lang="en-US" dirty="0"/>
-              <a:t>, Mutation, </a:t>
-            </a:r>
-            <a:r>
-              <a:rPr lang="en-US" dirty="0" err="1"/>
-              <a:t>primary_nodes_dist</a:t>
-            </a:r>
-            <a:r>
-              <a:rPr lang="en-US" dirty="0"/>
-              <a:t>, </a:t>
-            </a:r>
-            <a:r>
-              <a:rPr lang="en-US" dirty="0" err="1"/>
-              <a:t>disp_num</a:t>
-            </a:r>
-            <a:r>
-              <a:rPr lang="en-US" dirty="0"/>
-              <a:t>, </a:t>
-            </a:r>
-            <a:r>
-              <a:rPr lang="en-US" dirty="0" err="1"/>
-              <a:t>annealingTime</a:t>
-            </a:r>
-            <a:r>
-              <a:rPr lang="en-US" dirty="0"/>
-              <a:t>, </a:t>
-            </a:r>
-            <a:r>
-              <a:rPr lang="en-US" dirty="0" err="1"/>
-              <a:t>numRun</a:t>
-            </a:r>
-            <a:r>
-              <a:rPr lang="en-US" dirty="0"/>
-              <a:t>, </a:t>
-            </a:r>
-            <a:r>
-              <a:rPr lang="en-US" dirty="0" err="1"/>
-              <a:t>smCut</a:t>
-            </a:r>
-            <a:r>
-              <a:rPr lang="en-US" dirty="0"/>
-              <a:t>, </a:t>
-            </a:r>
-            <a:r>
-              <a:rPr lang="en-US" dirty="0" err="1"/>
-              <a:t>CPMax</a:t>
-            </a:r>
-            <a:r>
-              <a:rPr lang="en-US" dirty="0"/>
-              <a:t>, </a:t>
-            </a:r>
-            <a:r>
-              <a:rPr lang="en-US" dirty="0" err="1"/>
-              <a:t>num_smoothing</a:t>
-            </a:r>
-            <a:r>
-              <a:rPr lang="en-US" dirty="0"/>
-              <a:t>)</a:t>
-            </a:r>
-          </a:p>
-          <a:p>
-            <a:r>
-              <a:rPr lang="en-US" dirty="0"/>
-              <a:t>Purpose: receive RHCP data from RHCP file and create csv file storing data</a:t>
-            </a:r>
-          </a:p>
-        </p:txBody>
-      </p:sp>
-    </p:spTree>
-    <p:extLst>
-      <p:ext uri="{BB962C8B-B14F-4D97-AF65-F5344CB8AC3E}">
-        <p14:creationId xmlns:p14="http://schemas.microsoft.com/office/powerpoint/2010/main" val="615721446"/>
-      </p:ext>
-    </p:extLst>
-  </p:cSld>
-  <p:clrMapOvr>
-    <a:masterClrMapping/>
-  </p:clrMapOvr>
-</p:sld>
-</file>
-
-<file path=ppt/slides/slide13.xml><?xml version="1.0" encoding="utf-8"?>
-<p:sld xmlns:a="http://schemas.openxmlformats.org/drawingml/2006/main" xmlns:r="http://schemas.openxmlformats.org/officeDocument/2006/relationships" xmlns:p="http://schemas.openxmlformats.org/presentationml/2006/main">
-  <p:cSld>
-    <p:spTree>
-      <p:nvGrpSpPr>
-        <p:cNvPr id="1" name=""/>
-        <p:cNvGrpSpPr/>
-        <p:nvPr/>
-      </p:nvGrpSpPr>
-      <p:grpSpPr>
-        <a:xfrm>
-          <a:off x="0" y="0"/>
-          <a:ext cx="0" cy="0"/>
-          <a:chOff x="0" y="0"/>
-          <a:chExt cx="0" cy="0"/>
-        </a:xfrm>
-      </p:grpSpPr>
-      <p:sp>
-        <p:nvSpPr>
-          <p:cNvPr id="2" name="Title 1">
-            <a:extLst>
-              <a:ext uri="{FF2B5EF4-FFF2-40B4-BE49-F238E27FC236}">
-                <a16:creationId xmlns:a16="http://schemas.microsoft.com/office/drawing/2014/main" id="{E9699120-FB4D-4978-8305-F4DA6C2B871F}"/>
-              </a:ext>
-            </a:extLst>
-          </p:cNvPr>
-          <p:cNvSpPr>
-            <a:spLocks noGrp="1"/>
-          </p:cNvSpPr>
-          <p:nvPr>
-            <p:ph type="title"/>
-          </p:nvPr>
-        </p:nvSpPr>
-        <p:spPr/>
-        <p:txBody>
-          <a:bodyPr/>
-          <a:lstStyle/>
-          <a:p>
-            <a:r>
-              <a:rPr lang="en-US" dirty="0"/>
-              <a:t>Input Definitions</a:t>
-            </a:r>
-          </a:p>
-        </p:txBody>
-      </p:sp>
-      <p:sp>
-        <p:nvSpPr>
-          <p:cNvPr id="3" name="Content Placeholder 2">
-            <a:extLst>
-              <a:ext uri="{FF2B5EF4-FFF2-40B4-BE49-F238E27FC236}">
-                <a16:creationId xmlns:a16="http://schemas.microsoft.com/office/drawing/2014/main" id="{0F3A5086-026C-45F9-B99D-5BF1C1266EC2}"/>
-              </a:ext>
-            </a:extLst>
-          </p:cNvPr>
-          <p:cNvSpPr>
-            <a:spLocks noGrp="1"/>
-          </p:cNvSpPr>
-          <p:nvPr>
-            <p:ph idx="1"/>
-          </p:nvPr>
-        </p:nvSpPr>
-        <p:spPr/>
-        <p:txBody>
-          <a:bodyPr>
-            <a:normAutofit fontScale="32500" lnSpcReduction="20000"/>
-          </a:bodyPr>
-          <a:lstStyle/>
-          <a:p>
-            <a:r>
-              <a:rPr lang="en-US" dirty="0"/>
-              <a:t>Threshold: differentiate phases</a:t>
-            </a:r>
-          </a:p>
-          <a:p>
-            <a:r>
-              <a:rPr lang="en-US" dirty="0" err="1"/>
-              <a:t>SegHeight</a:t>
-            </a:r>
-            <a:r>
-              <a:rPr lang="en-US" dirty="0"/>
-              <a:t>: height of each segment of image (whole image is divided into segments to draw paths in)</a:t>
-            </a:r>
-          </a:p>
-          <a:p>
-            <a:r>
-              <a:rPr lang="en-US" dirty="0" err="1"/>
-              <a:t>SegShift</a:t>
-            </a:r>
-            <a:r>
-              <a:rPr lang="en-US" dirty="0"/>
-              <a:t>: shifts segment of image to search the next space for potential pathways</a:t>
-            </a:r>
-          </a:p>
-          <a:p>
-            <a:r>
-              <a:rPr lang="en-US" dirty="0" err="1"/>
-              <a:t>PerCut</a:t>
-            </a:r>
-            <a:r>
-              <a:rPr lang="en-US" dirty="0"/>
-              <a:t>: Fraction of child pathways which are kept, used as cutoff value for ending the Genetic Algorithm part when less than </a:t>
-            </a:r>
-            <a:r>
-              <a:rPr lang="en-US" dirty="0" err="1"/>
-              <a:t>PerCut</a:t>
-            </a:r>
-            <a:r>
-              <a:rPr lang="en-US" dirty="0"/>
-              <a:t> of child pathways are kept*my def: fraction of sub paths which are not deleted at end?</a:t>
-            </a:r>
-          </a:p>
-          <a:p>
-            <a:r>
-              <a:rPr lang="en-US" dirty="0" err="1"/>
-              <a:t>NumPath</a:t>
-            </a:r>
-            <a:r>
-              <a:rPr lang="en-US" dirty="0"/>
-              <a:t>: number of parent pathways making up each gene pool per segment* my def. the number of initial paths drawn in a single image segment</a:t>
-            </a:r>
-          </a:p>
-          <a:p>
-            <a:r>
-              <a:rPr lang="en-US" dirty="0"/>
-              <a:t>Mutation : Mutation chance each primary node has when generating a child path in Genetic part** do not understand</a:t>
-            </a:r>
-          </a:p>
-          <a:p>
-            <a:r>
-              <a:rPr lang="en-US" dirty="0"/>
-              <a:t>PD: distance between primary nodes (receive random y-</a:t>
-            </a:r>
-            <a:r>
-              <a:rPr lang="en-US" dirty="0" err="1"/>
-              <a:t>coord</a:t>
-            </a:r>
-            <a:r>
-              <a:rPr lang="en-US" dirty="0"/>
-              <a:t> and passed between parent and child) **what are primary nodes?</a:t>
-            </a:r>
-          </a:p>
-          <a:p>
-            <a:r>
-              <a:rPr lang="en-US" dirty="0"/>
-              <a:t>DPA: Displacements Per Attempt, the number of primary nodes randomly displaced during each attempt at finding a better path in </a:t>
-            </a:r>
-            <a:r>
-              <a:rPr lang="en-US" b="1" dirty="0"/>
-              <a:t>Annealing Algorithm part</a:t>
-            </a:r>
-          </a:p>
-          <a:p>
-            <a:r>
-              <a:rPr lang="en-US" dirty="0" err="1"/>
-              <a:t>NumRun</a:t>
-            </a:r>
-            <a:r>
-              <a:rPr lang="en-US" dirty="0"/>
-              <a:t>: Number of times to run algorithm, best result from all runs will be kept</a:t>
-            </a:r>
-          </a:p>
-          <a:p>
-            <a:r>
-              <a:rPr lang="en-US" dirty="0" err="1"/>
-              <a:t>SmCut</a:t>
-            </a:r>
-            <a:r>
-              <a:rPr lang="en-US" dirty="0"/>
-              <a:t>: Cutoff value to determine if a smoothing operation should be kept*** is this value out of 1 for perfect smooth?</a:t>
-            </a:r>
-          </a:p>
-          <a:p>
-            <a:r>
-              <a:rPr lang="en-US" dirty="0" err="1"/>
-              <a:t>CPMax</a:t>
-            </a:r>
-            <a:r>
-              <a:rPr lang="en-US" dirty="0"/>
-              <a:t>: limit on how many attempted pathways to make</a:t>
-            </a:r>
-          </a:p>
-          <a:p>
-            <a:r>
-              <a:rPr lang="en-US" dirty="0" err="1"/>
-              <a:t>FracParamAlpha</a:t>
-            </a:r>
-            <a:r>
-              <a:rPr lang="en-US" dirty="0"/>
-              <a:t>: weight on path going through zirconium (primary phase)</a:t>
-            </a:r>
-          </a:p>
-          <a:p>
-            <a:r>
-              <a:rPr lang="en-US" dirty="0" err="1"/>
-              <a:t>FracParamDelta:weight</a:t>
-            </a:r>
-            <a:r>
-              <a:rPr lang="en-US" dirty="0"/>
-              <a:t> on path going through hydride (secondary phase)</a:t>
-            </a:r>
-          </a:p>
-          <a:p>
-            <a:r>
-              <a:rPr lang="en-US" dirty="0"/>
-              <a:t>Child</a:t>
-            </a:r>
-          </a:p>
-          <a:p>
-            <a:r>
-              <a:rPr lang="en-US" dirty="0"/>
-              <a:t>Nodes</a:t>
-            </a:r>
-          </a:p>
-          <a:p>
-            <a:r>
-              <a:rPr lang="en-US" dirty="0"/>
-              <a:t>Eval</a:t>
-            </a:r>
-          </a:p>
-          <a:p>
-            <a:r>
-              <a:rPr lang="en-US" dirty="0"/>
-              <a:t>NPN: primary nodes</a:t>
-            </a:r>
-          </a:p>
-          <a:p>
-            <a:r>
-              <a:rPr lang="en-US" strike="sngStrike" dirty="0"/>
-              <a:t>PN</a:t>
-            </a:r>
-          </a:p>
-          <a:p>
-            <a:endParaRPr lang="en-US" dirty="0"/>
-          </a:p>
-        </p:txBody>
-      </p:sp>
-    </p:spTree>
-    <p:extLst>
-      <p:ext uri="{BB962C8B-B14F-4D97-AF65-F5344CB8AC3E}">
-        <p14:creationId xmlns:p14="http://schemas.microsoft.com/office/powerpoint/2010/main" val="1368958567"/>
+        <p14:creationId xmlns:p14="http://schemas.microsoft.com/office/powerpoint/2010/main" val="1588051811"/>
       </p:ext>
     </p:extLst>
   </p:cSld>
@@ -4313,10 +3387,10 @@
       </p:grpSpPr>
       <p:sp>
         <p:nvSpPr>
-          <p:cNvPr id="4" name="Oval 3">
-            <a:extLst>
-              <a:ext uri="{FF2B5EF4-FFF2-40B4-BE49-F238E27FC236}">
-                <a16:creationId xmlns:a16="http://schemas.microsoft.com/office/drawing/2014/main" id="{02543DE7-EBD6-41AF-AB46-B42088BD7793}"/>
+          <p:cNvPr id="41" name="Rounded Rectangle 40">
+            <a:extLst>
+              <a:ext uri="{FF2B5EF4-FFF2-40B4-BE49-F238E27FC236}">
+                <a16:creationId xmlns:a16="http://schemas.microsoft.com/office/drawing/2014/main" id="{0D2AA093-B4C6-8640-BF98-5C99248A219D}"/>
               </a:ext>
             </a:extLst>
           </p:cNvPr>
@@ -4325,15 +3399,27 @@
         </p:nvSpPr>
         <p:spPr>
           <a:xfrm>
-            <a:off x="4089935" y="21535"/>
-            <a:ext cx="3577601" cy="867419"/>
-          </a:xfrm>
-          <a:prstGeom prst="ellipse">
+            <a:off x="72514" y="1937880"/>
+            <a:ext cx="2268068" cy="417329"/>
+          </a:xfrm>
+          <a:prstGeom prst="roundRect">
             <a:avLst/>
           </a:prstGeom>
           <a:solidFill>
-            <a:schemeClr val="accent6"/>
+            <a:schemeClr val="bg1"/>
           </a:solidFill>
+          <a:ln w="19050">
+            <a:solidFill>
+              <a:schemeClr val="accent6"/>
+            </a:solidFill>
+          </a:ln>
+          <a:effectLst>
+            <a:outerShdw blurRad="50800" dist="38100" dir="2700000" algn="tl" rotWithShape="0">
+              <a:prstClr val="black">
+                <a:alpha val="40000"/>
+              </a:prstClr>
+            </a:outerShdw>
+          </a:effectLst>
         </p:spPr>
         <p:style>
           <a:lnRef idx="2">
@@ -4357,19 +3443,22 @@
           <a:p>
             <a:pPr algn="ctr"/>
             <a:r>
-              <a:rPr lang="en-US" sz="1600" dirty="0" err="1"/>
-              <a:t>Connectivity_RHCP_main</a:t>
-            </a:r>
-            <a:endParaRPr lang="en-US" sz="1600" dirty="0"/>
-          </a:p>
-        </p:txBody>
-      </p:sp>
-      <p:sp>
-        <p:nvSpPr>
-          <p:cNvPr id="5" name="Oval 4">
-            <a:extLst>
-              <a:ext uri="{FF2B5EF4-FFF2-40B4-BE49-F238E27FC236}">
-                <a16:creationId xmlns:a16="http://schemas.microsoft.com/office/drawing/2014/main" id="{9FB37A68-5B2F-4D67-A339-08598C15F5FE}"/>
+              <a:rPr lang="en-US" sz="1400" dirty="0">
+                <a:solidFill>
+                  <a:schemeClr val="tx1"/>
+                </a:solidFill>
+              </a:rPr>
+              <a:t>imageBinary_folder.m</a:t>
+            </a:r>
+          </a:p>
+        </p:txBody>
+      </p:sp>
+      <p:sp>
+        <p:nvSpPr>
+          <p:cNvPr id="42" name="Rounded Rectangle 41">
+            <a:extLst>
+              <a:ext uri="{FF2B5EF4-FFF2-40B4-BE49-F238E27FC236}">
+                <a16:creationId xmlns:a16="http://schemas.microsoft.com/office/drawing/2014/main" id="{33F32C78-9C12-BF41-A500-02AA38AE306A}"/>
               </a:ext>
             </a:extLst>
           </p:cNvPr>
@@ -4378,12 +3467,27 @@
         </p:nvSpPr>
         <p:spPr>
           <a:xfrm>
-            <a:off x="0" y="29222"/>
-            <a:ext cx="2461489" cy="1002145"/>
-          </a:xfrm>
-          <a:prstGeom prst="ellipse">
+            <a:off x="72514" y="540040"/>
+            <a:ext cx="2268068" cy="417329"/>
+          </a:xfrm>
+          <a:prstGeom prst="roundRect">
             <a:avLst/>
           </a:prstGeom>
+          <a:solidFill>
+            <a:schemeClr val="bg1"/>
+          </a:solidFill>
+          <a:ln w="19050">
+            <a:solidFill>
+              <a:schemeClr val="accent3"/>
+            </a:solidFill>
+          </a:ln>
+          <a:effectLst>
+            <a:outerShdw blurRad="50800" dist="38100" dir="2700000" algn="tl" rotWithShape="0">
+              <a:prstClr val="black">
+                <a:alpha val="40000"/>
+              </a:prstClr>
+            </a:outerShdw>
+          </a:effectLst>
         </p:spPr>
         <p:style>
           <a:lnRef idx="2">
@@ -4405,20 +3509,24 @@
           <a:bodyPr rtlCol="0" anchor="ctr"/>
           <a:lstStyle/>
           <a:p>
-            <a:r>
-              <a:rPr lang="en-US" sz="1400" dirty="0" err="1"/>
-              <a:t>imageBinary_folder</a:t>
-            </a:r>
-            <a:endParaRPr lang="en-US" sz="1400" dirty="0"/>
-          </a:p>
-        </p:txBody>
-      </p:sp>
-      <p:sp>
-        <p:nvSpPr>
-          <p:cNvPr id="6" name="Oval 5">
-            <a:extLst>
-              <a:ext uri="{FF2B5EF4-FFF2-40B4-BE49-F238E27FC236}">
-                <a16:creationId xmlns:a16="http://schemas.microsoft.com/office/drawing/2014/main" id="{AB5C7E60-C0F8-4A47-BD1F-83EE6BE75922}"/>
+            <a:pPr algn="ctr"/>
+            <a:r>
+              <a:rPr lang="en-US" sz="1400" dirty="0">
+                <a:solidFill>
+                  <a:schemeClr val="tx1"/>
+                </a:solidFill>
+              </a:rPr>
+              <a:t>cleanWorkspace.m</a:t>
+            </a:r>
+          </a:p>
+        </p:txBody>
+      </p:sp>
+      <p:sp>
+        <p:nvSpPr>
+          <p:cNvPr id="44" name="Rounded Rectangle 43">
+            <a:extLst>
+              <a:ext uri="{FF2B5EF4-FFF2-40B4-BE49-F238E27FC236}">
+                <a16:creationId xmlns:a16="http://schemas.microsoft.com/office/drawing/2014/main" id="{834E5095-0A57-8142-874D-32ECEDB14345}"/>
               </a:ext>
             </a:extLst>
           </p:cNvPr>
@@ -4427,12 +3535,27 @@
         </p:nvSpPr>
         <p:spPr>
           <a:xfrm>
-            <a:off x="8703" y="1260771"/>
-            <a:ext cx="2461489" cy="1002145"/>
-          </a:xfrm>
-          <a:prstGeom prst="ellipse">
+            <a:off x="72514" y="1238960"/>
+            <a:ext cx="2268068" cy="417329"/>
+          </a:xfrm>
+          <a:prstGeom prst="roundRect">
             <a:avLst/>
           </a:prstGeom>
+          <a:solidFill>
+            <a:schemeClr val="bg1"/>
+          </a:solidFill>
+          <a:ln w="19050">
+            <a:solidFill>
+              <a:schemeClr val="tx2"/>
+            </a:solidFill>
+          </a:ln>
+          <a:effectLst>
+            <a:outerShdw blurRad="50800" dist="38100" dir="2700000" algn="tl" rotWithShape="0">
+              <a:prstClr val="black">
+                <a:alpha val="40000"/>
+              </a:prstClr>
+            </a:outerShdw>
+          </a:effectLst>
         </p:spPr>
         <p:style>
           <a:lnRef idx="2">
@@ -4454,20 +3577,24 @@
           <a:bodyPr rtlCol="0" anchor="ctr"/>
           <a:lstStyle/>
           <a:p>
-            <a:r>
-              <a:rPr lang="en-US" sz="1400" dirty="0" err="1"/>
-              <a:t>imageBinary</a:t>
-            </a:r>
-            <a:endParaRPr lang="en-US" sz="1400" dirty="0"/>
-          </a:p>
-        </p:txBody>
-      </p:sp>
-      <p:sp>
-        <p:nvSpPr>
-          <p:cNvPr id="7" name="Oval 6">
-            <a:extLst>
-              <a:ext uri="{FF2B5EF4-FFF2-40B4-BE49-F238E27FC236}">
-                <a16:creationId xmlns:a16="http://schemas.microsoft.com/office/drawing/2014/main" id="{73426D9C-EFDC-41DF-BA71-CBEFEBE6D1DC}"/>
+            <a:pPr algn="ctr"/>
+            <a:r>
+              <a:rPr lang="en-US" sz="1400" dirty="0">
+                <a:solidFill>
+                  <a:schemeClr val="tx1"/>
+                </a:solidFill>
+              </a:rPr>
+              <a:t>ImageResolution.m</a:t>
+            </a:r>
+          </a:p>
+        </p:txBody>
+      </p:sp>
+      <p:sp>
+        <p:nvSpPr>
+          <p:cNvPr id="45" name="Rounded Rectangle 44">
+            <a:extLst>
+              <a:ext uri="{FF2B5EF4-FFF2-40B4-BE49-F238E27FC236}">
+                <a16:creationId xmlns:a16="http://schemas.microsoft.com/office/drawing/2014/main" id="{D352ED37-3EB8-7D40-9ABA-512E1CEE630D}"/>
               </a:ext>
             </a:extLst>
           </p:cNvPr>
@@ -4476,177 +3603,27 @@
         </p:nvSpPr>
         <p:spPr>
           <a:xfrm>
-            <a:off x="-1" y="2492320"/>
-            <a:ext cx="2461489" cy="1002145"/>
-          </a:xfrm>
-          <a:prstGeom prst="ellipse">
+            <a:off x="72514" y="2636800"/>
+            <a:ext cx="2268068" cy="417329"/>
+          </a:xfrm>
+          <a:prstGeom prst="roundRect">
             <a:avLst/>
           </a:prstGeom>
           <a:solidFill>
-            <a:schemeClr val="accent1"/>
+            <a:schemeClr val="bg1"/>
           </a:solidFill>
-        </p:spPr>
-        <p:style>
-          <a:lnRef idx="2">
-            <a:schemeClr val="dk1">
-              <a:shade val="50000"/>
-            </a:schemeClr>
-          </a:lnRef>
-          <a:fillRef idx="1">
-            <a:schemeClr val="dk1"/>
-          </a:fillRef>
-          <a:effectRef idx="0">
-            <a:schemeClr val="dk1"/>
-          </a:effectRef>
-          <a:fontRef idx="minor">
-            <a:schemeClr val="lt1"/>
-          </a:fontRef>
-        </p:style>
-        <p:txBody>
-          <a:bodyPr rtlCol="0" anchor="ctr"/>
-          <a:lstStyle/>
-          <a:p>
-            <a:r>
-              <a:rPr lang="en-US" sz="1400" dirty="0"/>
-              <a:t>Threshold</a:t>
-            </a:r>
-          </a:p>
-        </p:txBody>
-      </p:sp>
-      <p:sp>
-        <p:nvSpPr>
-          <p:cNvPr id="8" name="Oval 7">
-            <a:extLst>
-              <a:ext uri="{FF2B5EF4-FFF2-40B4-BE49-F238E27FC236}">
-                <a16:creationId xmlns:a16="http://schemas.microsoft.com/office/drawing/2014/main" id="{FF22356F-440F-42CC-903E-197D1DB211A2}"/>
-              </a:ext>
-            </a:extLst>
-          </p:cNvPr>
-          <p:cNvSpPr/>
-          <p:nvPr/>
-        </p:nvSpPr>
-        <p:spPr>
-          <a:xfrm>
-            <a:off x="9619228" y="29223"/>
-            <a:ext cx="2461489" cy="1002145"/>
-          </a:xfrm>
-          <a:prstGeom prst="ellipse">
-            <a:avLst/>
-          </a:prstGeom>
-          <a:solidFill>
-            <a:schemeClr val="accent1"/>
-          </a:solidFill>
-        </p:spPr>
-        <p:style>
-          <a:lnRef idx="2">
-            <a:schemeClr val="dk1">
-              <a:shade val="50000"/>
-            </a:schemeClr>
-          </a:lnRef>
-          <a:fillRef idx="1">
-            <a:schemeClr val="dk1"/>
-          </a:fillRef>
-          <a:effectRef idx="0">
-            <a:schemeClr val="dk1"/>
-          </a:effectRef>
-          <a:fontRef idx="minor">
-            <a:schemeClr val="lt1"/>
-          </a:fontRef>
-        </p:style>
-        <p:txBody>
-          <a:bodyPr rtlCol="0" anchor="ctr"/>
-          <a:lstStyle/>
-          <a:p>
-            <a:pPr algn="ctr"/>
-            <a:r>
-              <a:rPr lang="en-US" sz="1600" dirty="0" err="1"/>
-              <a:t>cleanWorkspace</a:t>
-            </a:r>
-            <a:endParaRPr lang="en-US" sz="1600" dirty="0"/>
-          </a:p>
-        </p:txBody>
-      </p:sp>
-      <p:sp>
-        <p:nvSpPr>
-          <p:cNvPr id="9" name="Oval 8">
-            <a:extLst>
-              <a:ext uri="{FF2B5EF4-FFF2-40B4-BE49-F238E27FC236}">
-                <a16:creationId xmlns:a16="http://schemas.microsoft.com/office/drawing/2014/main" id="{871074DB-98E3-42A1-A0C8-408F868A9426}"/>
-              </a:ext>
-            </a:extLst>
-          </p:cNvPr>
-          <p:cNvSpPr/>
-          <p:nvPr/>
-        </p:nvSpPr>
-        <p:spPr>
-          <a:xfrm>
-            <a:off x="9619228" y="1378555"/>
-            <a:ext cx="2461489" cy="1002145"/>
-          </a:xfrm>
-          <a:prstGeom prst="ellipse">
-            <a:avLst/>
-          </a:prstGeom>
-          <a:solidFill>
-            <a:schemeClr val="accent1"/>
-          </a:solidFill>
-          <a:ln>
+          <a:ln w="19050">
             <a:solidFill>
-              <a:schemeClr val="accent1"/>
+              <a:schemeClr val="accent6"/>
             </a:solidFill>
           </a:ln>
-        </p:spPr>
-        <p:style>
-          <a:lnRef idx="2">
-            <a:schemeClr val="dk1">
-              <a:shade val="50000"/>
-            </a:schemeClr>
-          </a:lnRef>
-          <a:fillRef idx="1">
-            <a:schemeClr val="dk1"/>
-          </a:fillRef>
-          <a:effectRef idx="0">
-            <a:schemeClr val="dk1"/>
-          </a:effectRef>
-          <a:fontRef idx="minor">
-            <a:schemeClr val="lt1"/>
-          </a:fontRef>
-        </p:style>
-        <p:txBody>
-          <a:bodyPr rtlCol="0" anchor="ctr"/>
-          <a:lstStyle/>
-          <a:p>
-            <a:pPr algn="ctr"/>
-            <a:r>
-              <a:rPr lang="en-US" sz="1600" dirty="0" err="1"/>
-              <a:t>ImageResolution</a:t>
-            </a:r>
-            <a:endParaRPr lang="en-US" sz="1600" dirty="0"/>
-          </a:p>
-        </p:txBody>
-      </p:sp>
-      <p:sp>
-        <p:nvSpPr>
-          <p:cNvPr id="10" name="Oval 9">
-            <a:extLst>
-              <a:ext uri="{FF2B5EF4-FFF2-40B4-BE49-F238E27FC236}">
-                <a16:creationId xmlns:a16="http://schemas.microsoft.com/office/drawing/2014/main" id="{73CD2ED7-38EC-4674-B48D-5032CB316AB8}"/>
-              </a:ext>
-            </a:extLst>
-          </p:cNvPr>
-          <p:cNvSpPr/>
-          <p:nvPr/>
-        </p:nvSpPr>
-        <p:spPr>
-          <a:xfrm>
-            <a:off x="3930232" y="1249536"/>
-            <a:ext cx="3897006" cy="672209"/>
-          </a:xfrm>
-          <a:prstGeom prst="ellipse">
-            <a:avLst/>
-          </a:prstGeom>
-          <a:solidFill>
-            <a:schemeClr val="accent6"/>
-          </a:solidFill>
+          <a:effectLst>
+            <a:outerShdw blurRad="50800" dist="38100" dir="2700000" algn="tl" rotWithShape="0">
+              <a:prstClr val="black">
+                <a:alpha val="40000"/>
+              </a:prstClr>
+            </a:outerShdw>
+          </a:effectLst>
         </p:spPr>
         <p:style>
           <a:lnRef idx="2">
@@ -4670,40 +3647,848 @@
           <a:p>
             <a:pPr algn="ctr"/>
             <a:r>
-              <a:rPr lang="en-US" sz="1600" dirty="0" err="1"/>
-              <a:t>Connectivity_RHCP_folder</a:t>
-            </a:r>
-            <a:endParaRPr lang="en-US" sz="1600" dirty="0"/>
+              <a:rPr lang="en-US" sz="1400" dirty="0">
+                <a:solidFill>
+                  <a:schemeClr val="tx1"/>
+                </a:solidFill>
+              </a:rPr>
+              <a:t>imageBinary.m</a:t>
+            </a:r>
+          </a:p>
+        </p:txBody>
+      </p:sp>
+      <p:sp>
+        <p:nvSpPr>
+          <p:cNvPr id="46" name="Rounded Rectangle 45">
+            <a:extLst>
+              <a:ext uri="{FF2B5EF4-FFF2-40B4-BE49-F238E27FC236}">
+                <a16:creationId xmlns:a16="http://schemas.microsoft.com/office/drawing/2014/main" id="{BF7334C6-AE71-A742-A5FA-2A0FEA2CA590}"/>
+              </a:ext>
+            </a:extLst>
+          </p:cNvPr>
+          <p:cNvSpPr/>
+          <p:nvPr/>
+        </p:nvSpPr>
+        <p:spPr>
+          <a:xfrm>
+            <a:off x="72514" y="3335720"/>
+            <a:ext cx="2268068" cy="417329"/>
+          </a:xfrm>
+          <a:prstGeom prst="roundRect">
+            <a:avLst/>
+          </a:prstGeom>
+          <a:solidFill>
+            <a:schemeClr val="bg1"/>
+          </a:solidFill>
+          <a:ln w="19050">
+            <a:solidFill>
+              <a:schemeClr val="accent6"/>
+            </a:solidFill>
+          </a:ln>
+          <a:effectLst>
+            <a:outerShdw blurRad="50800" dist="38100" dir="2700000" algn="tl" rotWithShape="0">
+              <a:prstClr val="black">
+                <a:alpha val="40000"/>
+              </a:prstClr>
+            </a:outerShdw>
+          </a:effectLst>
+        </p:spPr>
+        <p:style>
+          <a:lnRef idx="2">
+            <a:schemeClr val="accent1">
+              <a:shade val="50000"/>
+            </a:schemeClr>
+          </a:lnRef>
+          <a:fillRef idx="1">
+            <a:schemeClr val="accent1"/>
+          </a:fillRef>
+          <a:effectRef idx="0">
+            <a:schemeClr val="accent1"/>
+          </a:effectRef>
+          <a:fontRef idx="minor">
+            <a:schemeClr val="lt1"/>
+          </a:fontRef>
+        </p:style>
+        <p:txBody>
+          <a:bodyPr rtlCol="0" anchor="ctr"/>
+          <a:lstStyle/>
+          <a:p>
+            <a:pPr algn="ctr"/>
+            <a:r>
+              <a:rPr lang="en-US" sz="1400" dirty="0">
+                <a:solidFill>
+                  <a:schemeClr val="tx1"/>
+                </a:solidFill>
+              </a:rPr>
+              <a:t>Threshold.m</a:t>
+            </a:r>
+          </a:p>
+        </p:txBody>
+      </p:sp>
+      <p:sp>
+        <p:nvSpPr>
+          <p:cNvPr id="47" name="Rounded Rectangle 46">
+            <a:extLst>
+              <a:ext uri="{FF2B5EF4-FFF2-40B4-BE49-F238E27FC236}">
+                <a16:creationId xmlns:a16="http://schemas.microsoft.com/office/drawing/2014/main" id="{D1416D2E-1C00-6C4B-A7EA-3AF156775B68}"/>
+              </a:ext>
+            </a:extLst>
+          </p:cNvPr>
+          <p:cNvSpPr/>
+          <p:nvPr/>
+        </p:nvSpPr>
+        <p:spPr>
+          <a:xfrm>
+            <a:off x="5448576" y="1974480"/>
+            <a:ext cx="2268068" cy="417329"/>
+          </a:xfrm>
+          <a:prstGeom prst="roundRect">
+            <a:avLst/>
+          </a:prstGeom>
+          <a:solidFill>
+            <a:schemeClr val="bg1"/>
+          </a:solidFill>
+          <a:ln w="19050"/>
+          <a:effectLst>
+            <a:outerShdw blurRad="50800" dist="38100" dir="2700000" algn="tl" rotWithShape="0">
+              <a:prstClr val="black">
+                <a:alpha val="40000"/>
+              </a:prstClr>
+            </a:outerShdw>
+          </a:effectLst>
+        </p:spPr>
+        <p:style>
+          <a:lnRef idx="2">
+            <a:schemeClr val="accent1">
+              <a:shade val="50000"/>
+            </a:schemeClr>
+          </a:lnRef>
+          <a:fillRef idx="1">
+            <a:schemeClr val="accent1"/>
+          </a:fillRef>
+          <a:effectRef idx="0">
+            <a:schemeClr val="accent1"/>
+          </a:effectRef>
+          <a:fontRef idx="minor">
+            <a:schemeClr val="lt1"/>
+          </a:fontRef>
+        </p:style>
+        <p:txBody>
+          <a:bodyPr rtlCol="0" anchor="ctr"/>
+          <a:lstStyle/>
+          <a:p>
+            <a:pPr algn="ctr"/>
+            <a:r>
+              <a:rPr lang="en-US" sz="1400" dirty="0">
+                <a:solidFill>
+                  <a:schemeClr val="tx1"/>
+                </a:solidFill>
+              </a:rPr>
+              <a:t>RHCP_file.m</a:t>
+            </a:r>
+          </a:p>
+        </p:txBody>
+      </p:sp>
+      <p:sp>
+        <p:nvSpPr>
+          <p:cNvPr id="48" name="Rounded Rectangle 47">
+            <a:extLst>
+              <a:ext uri="{FF2B5EF4-FFF2-40B4-BE49-F238E27FC236}">
+                <a16:creationId xmlns:a16="http://schemas.microsoft.com/office/drawing/2014/main" id="{034C2641-B324-BC4A-A7D1-CF4FE6D936A3}"/>
+              </a:ext>
+            </a:extLst>
+          </p:cNvPr>
+          <p:cNvSpPr/>
+          <p:nvPr/>
+        </p:nvSpPr>
+        <p:spPr>
+          <a:xfrm>
+            <a:off x="3954461" y="58868"/>
+            <a:ext cx="2268068" cy="417329"/>
+          </a:xfrm>
+          <a:prstGeom prst="roundRect">
+            <a:avLst/>
+          </a:prstGeom>
+          <a:solidFill>
+            <a:schemeClr val="bg1"/>
+          </a:solidFill>
+          <a:ln w="19050"/>
+          <a:effectLst>
+            <a:outerShdw blurRad="50800" dist="38100" dir="2700000" algn="tl" rotWithShape="0">
+              <a:prstClr val="black">
+                <a:alpha val="40000"/>
+              </a:prstClr>
+            </a:outerShdw>
+          </a:effectLst>
+        </p:spPr>
+        <p:style>
+          <a:lnRef idx="2">
+            <a:schemeClr val="accent1">
+              <a:shade val="50000"/>
+            </a:schemeClr>
+          </a:lnRef>
+          <a:fillRef idx="1">
+            <a:schemeClr val="accent1"/>
+          </a:fillRef>
+          <a:effectRef idx="0">
+            <a:schemeClr val="accent1"/>
+          </a:effectRef>
+          <a:fontRef idx="minor">
+            <a:schemeClr val="lt1"/>
+          </a:fontRef>
+        </p:style>
+        <p:txBody>
+          <a:bodyPr rtlCol="0" anchor="ctr"/>
+          <a:lstStyle/>
+          <a:p>
+            <a:pPr algn="ctr"/>
+            <a:r>
+              <a:rPr lang="en-US" sz="1400" dirty="0">
+                <a:solidFill>
+                  <a:schemeClr val="tx1"/>
+                </a:solidFill>
+              </a:rPr>
+              <a:t>RHF_main.m</a:t>
+            </a:r>
+          </a:p>
+        </p:txBody>
+      </p:sp>
+      <p:sp>
+        <p:nvSpPr>
+          <p:cNvPr id="49" name="Rounded Rectangle 48">
+            <a:extLst>
+              <a:ext uri="{FF2B5EF4-FFF2-40B4-BE49-F238E27FC236}">
+                <a16:creationId xmlns:a16="http://schemas.microsoft.com/office/drawing/2014/main" id="{DF46305D-80FD-1442-819C-938A219E573D}"/>
+              </a:ext>
+            </a:extLst>
+          </p:cNvPr>
+          <p:cNvSpPr/>
+          <p:nvPr/>
+        </p:nvSpPr>
+        <p:spPr>
+          <a:xfrm>
+            <a:off x="5448577" y="1279372"/>
+            <a:ext cx="2268068" cy="417329"/>
+          </a:xfrm>
+          <a:prstGeom prst="roundRect">
+            <a:avLst/>
+          </a:prstGeom>
+          <a:solidFill>
+            <a:schemeClr val="bg1"/>
+          </a:solidFill>
+          <a:ln w="19050"/>
+          <a:effectLst>
+            <a:outerShdw blurRad="50800" dist="38100" dir="2700000" algn="tl" rotWithShape="0">
+              <a:prstClr val="black">
+                <a:alpha val="40000"/>
+              </a:prstClr>
+            </a:outerShdw>
+          </a:effectLst>
+        </p:spPr>
+        <p:style>
+          <a:lnRef idx="2">
+            <a:schemeClr val="accent1">
+              <a:shade val="50000"/>
+            </a:schemeClr>
+          </a:lnRef>
+          <a:fillRef idx="1">
+            <a:schemeClr val="accent1"/>
+          </a:fillRef>
+          <a:effectRef idx="0">
+            <a:schemeClr val="accent1"/>
+          </a:effectRef>
+          <a:fontRef idx="minor">
+            <a:schemeClr val="lt1"/>
+          </a:fontRef>
+        </p:style>
+        <p:txBody>
+          <a:bodyPr rtlCol="0" anchor="ctr"/>
+          <a:lstStyle/>
+          <a:p>
+            <a:pPr algn="ctr"/>
+            <a:r>
+              <a:rPr lang="en-US" sz="1400" dirty="0">
+                <a:solidFill>
+                  <a:schemeClr val="tx1"/>
+                </a:solidFill>
+              </a:rPr>
+              <a:t>RHCP_folder.m</a:t>
+            </a:r>
+          </a:p>
+        </p:txBody>
+      </p:sp>
+      <p:sp>
+        <p:nvSpPr>
+          <p:cNvPr id="50" name="Rounded Rectangle 49">
+            <a:extLst>
+              <a:ext uri="{FF2B5EF4-FFF2-40B4-BE49-F238E27FC236}">
+                <a16:creationId xmlns:a16="http://schemas.microsoft.com/office/drawing/2014/main" id="{54D99284-7E0D-954F-A96C-7FE9CAEF8B02}"/>
+              </a:ext>
+            </a:extLst>
+          </p:cNvPr>
+          <p:cNvSpPr/>
+          <p:nvPr/>
+        </p:nvSpPr>
+        <p:spPr>
+          <a:xfrm>
+            <a:off x="2820427" y="2639878"/>
+            <a:ext cx="2268068" cy="417329"/>
+          </a:xfrm>
+          <a:prstGeom prst="roundRect">
+            <a:avLst/>
+          </a:prstGeom>
+          <a:solidFill>
+            <a:schemeClr val="bg1"/>
+          </a:solidFill>
+          <a:ln w="19050"/>
+          <a:effectLst>
+            <a:outerShdw blurRad="50800" dist="38100" dir="2700000" algn="tl" rotWithShape="0">
+              <a:prstClr val="black">
+                <a:alpha val="40000"/>
+              </a:prstClr>
+            </a:outerShdw>
+          </a:effectLst>
+        </p:spPr>
+        <p:style>
+          <a:lnRef idx="2">
+            <a:schemeClr val="accent1">
+              <a:shade val="50000"/>
+            </a:schemeClr>
+          </a:lnRef>
+          <a:fillRef idx="1">
+            <a:schemeClr val="accent1"/>
+          </a:fillRef>
+          <a:effectRef idx="0">
+            <a:schemeClr val="accent1"/>
+          </a:effectRef>
+          <a:fontRef idx="minor">
+            <a:schemeClr val="lt1"/>
+          </a:fontRef>
+        </p:style>
+        <p:txBody>
+          <a:bodyPr rtlCol="0" anchor="ctr"/>
+          <a:lstStyle/>
+          <a:p>
+            <a:pPr algn="ctr"/>
+            <a:r>
+              <a:rPr lang="en-US" sz="1400" dirty="0">
+                <a:solidFill>
+                  <a:schemeClr val="tx1"/>
+                </a:solidFill>
+              </a:rPr>
+              <a:t>PrimaryNodes.m</a:t>
+            </a:r>
+          </a:p>
+        </p:txBody>
+      </p:sp>
+      <p:sp>
+        <p:nvSpPr>
+          <p:cNvPr id="51" name="Rounded Rectangle 50">
+            <a:extLst>
+              <a:ext uri="{FF2B5EF4-FFF2-40B4-BE49-F238E27FC236}">
+                <a16:creationId xmlns:a16="http://schemas.microsoft.com/office/drawing/2014/main" id="{125EEDE0-0C1A-6342-BFF1-7B04D440C3A7}"/>
+              </a:ext>
+            </a:extLst>
+          </p:cNvPr>
+          <p:cNvSpPr/>
+          <p:nvPr/>
+        </p:nvSpPr>
+        <p:spPr>
+          <a:xfrm>
+            <a:off x="6196962" y="2917657"/>
+            <a:ext cx="2268068" cy="417329"/>
+          </a:xfrm>
+          <a:prstGeom prst="roundRect">
+            <a:avLst/>
+          </a:prstGeom>
+          <a:solidFill>
+            <a:schemeClr val="bg1"/>
+          </a:solidFill>
+          <a:ln w="19050"/>
+          <a:effectLst>
+            <a:outerShdw blurRad="50800" dist="38100" dir="2700000" algn="tl" rotWithShape="0">
+              <a:prstClr val="black">
+                <a:alpha val="40000"/>
+              </a:prstClr>
+            </a:outerShdw>
+          </a:effectLst>
+        </p:spPr>
+        <p:style>
+          <a:lnRef idx="2">
+            <a:schemeClr val="accent1">
+              <a:shade val="50000"/>
+            </a:schemeClr>
+          </a:lnRef>
+          <a:fillRef idx="1">
+            <a:schemeClr val="accent1"/>
+          </a:fillRef>
+          <a:effectRef idx="0">
+            <a:schemeClr val="accent1"/>
+          </a:effectRef>
+          <a:fontRef idx="minor">
+            <a:schemeClr val="lt1"/>
+          </a:fontRef>
+        </p:style>
+        <p:txBody>
+          <a:bodyPr rtlCol="0" anchor="ctr"/>
+          <a:lstStyle/>
+          <a:p>
+            <a:pPr algn="ctr"/>
+            <a:r>
+              <a:rPr lang="en-US" sz="1400" dirty="0">
+                <a:solidFill>
+                  <a:schemeClr val="tx1"/>
+                </a:solidFill>
+              </a:rPr>
+              <a:t>GeneticAlgorithm.m</a:t>
+            </a:r>
+          </a:p>
+        </p:txBody>
+      </p:sp>
+      <p:sp>
+        <p:nvSpPr>
+          <p:cNvPr id="52" name="Rounded Rectangle 51">
+            <a:extLst>
+              <a:ext uri="{FF2B5EF4-FFF2-40B4-BE49-F238E27FC236}">
+                <a16:creationId xmlns:a16="http://schemas.microsoft.com/office/drawing/2014/main" id="{8D9158A8-C207-AE46-B4B0-B1F4AA8217B6}"/>
+              </a:ext>
+            </a:extLst>
+          </p:cNvPr>
+          <p:cNvSpPr/>
+          <p:nvPr/>
+        </p:nvSpPr>
+        <p:spPr>
+          <a:xfrm>
+            <a:off x="72514" y="4039804"/>
+            <a:ext cx="2268068" cy="417329"/>
+          </a:xfrm>
+          <a:prstGeom prst="roundRect">
+            <a:avLst/>
+          </a:prstGeom>
+          <a:solidFill>
+            <a:schemeClr val="bg1"/>
+          </a:solidFill>
+          <a:ln w="19050">
+            <a:solidFill>
+              <a:schemeClr val="accent6"/>
+            </a:solidFill>
+          </a:ln>
+          <a:effectLst>
+            <a:outerShdw blurRad="50800" dist="38100" dir="2700000" algn="tl" rotWithShape="0">
+              <a:prstClr val="black">
+                <a:alpha val="40000"/>
+              </a:prstClr>
+            </a:outerShdw>
+          </a:effectLst>
+        </p:spPr>
+        <p:style>
+          <a:lnRef idx="2">
+            <a:schemeClr val="accent1">
+              <a:shade val="50000"/>
+            </a:schemeClr>
+          </a:lnRef>
+          <a:fillRef idx="1">
+            <a:schemeClr val="accent1"/>
+          </a:fillRef>
+          <a:effectRef idx="0">
+            <a:schemeClr val="accent1"/>
+          </a:effectRef>
+          <a:fontRef idx="minor">
+            <a:schemeClr val="lt1"/>
+          </a:fontRef>
+        </p:style>
+        <p:txBody>
+          <a:bodyPr rtlCol="0" anchor="ctr"/>
+          <a:lstStyle/>
+          <a:p>
+            <a:pPr algn="ctr"/>
+            <a:r>
+              <a:rPr lang="en-US" sz="1400" dirty="0">
+                <a:solidFill>
+                  <a:schemeClr val="tx1"/>
+                </a:solidFill>
+              </a:rPr>
+              <a:t>Threshold.fig</a:t>
+            </a:r>
+          </a:p>
+        </p:txBody>
+      </p:sp>
+      <p:sp>
+        <p:nvSpPr>
+          <p:cNvPr id="53" name="Rounded Rectangle 52">
+            <a:extLst>
+              <a:ext uri="{FF2B5EF4-FFF2-40B4-BE49-F238E27FC236}">
+                <a16:creationId xmlns:a16="http://schemas.microsoft.com/office/drawing/2014/main" id="{5421CB38-C4A0-5341-AA2D-218ABCBD3F63}"/>
+              </a:ext>
+            </a:extLst>
+          </p:cNvPr>
+          <p:cNvSpPr/>
+          <p:nvPr/>
+        </p:nvSpPr>
+        <p:spPr>
+          <a:xfrm>
+            <a:off x="2820427" y="1932119"/>
+            <a:ext cx="2268068" cy="417329"/>
+          </a:xfrm>
+          <a:prstGeom prst="roundRect">
+            <a:avLst/>
+          </a:prstGeom>
+          <a:solidFill>
+            <a:schemeClr val="bg1"/>
+          </a:solidFill>
+          <a:ln w="19050">
+            <a:solidFill>
+              <a:schemeClr val="accent3"/>
+            </a:solidFill>
+          </a:ln>
+          <a:effectLst>
+            <a:outerShdw blurRad="50800" dist="38100" dir="2700000" algn="tl" rotWithShape="0">
+              <a:prstClr val="black">
+                <a:alpha val="40000"/>
+              </a:prstClr>
+            </a:outerShdw>
+          </a:effectLst>
+        </p:spPr>
+        <p:style>
+          <a:lnRef idx="2">
+            <a:schemeClr val="accent1">
+              <a:shade val="50000"/>
+            </a:schemeClr>
+          </a:lnRef>
+          <a:fillRef idx="1">
+            <a:schemeClr val="accent1"/>
+          </a:fillRef>
+          <a:effectRef idx="0">
+            <a:schemeClr val="accent1"/>
+          </a:effectRef>
+          <a:fontRef idx="minor">
+            <a:schemeClr val="lt1"/>
+          </a:fontRef>
+        </p:style>
+        <p:txBody>
+          <a:bodyPr rtlCol="0" anchor="ctr"/>
+          <a:lstStyle/>
+          <a:p>
+            <a:pPr algn="ctr"/>
+            <a:r>
+              <a:rPr lang="en-US" sz="1400" dirty="0">
+                <a:solidFill>
+                  <a:schemeClr val="tx1"/>
+                </a:solidFill>
+              </a:rPr>
+              <a:t>dir2.m</a:t>
+            </a:r>
+          </a:p>
+        </p:txBody>
+      </p:sp>
+      <p:sp>
+        <p:nvSpPr>
+          <p:cNvPr id="54" name="Rounded Rectangle 53">
+            <a:extLst>
+              <a:ext uri="{FF2B5EF4-FFF2-40B4-BE49-F238E27FC236}">
+                <a16:creationId xmlns:a16="http://schemas.microsoft.com/office/drawing/2014/main" id="{213E6D1F-6364-354C-90E6-D247DC8D0B14}"/>
+              </a:ext>
+            </a:extLst>
+          </p:cNvPr>
+          <p:cNvSpPr/>
+          <p:nvPr/>
+        </p:nvSpPr>
+        <p:spPr>
+          <a:xfrm>
+            <a:off x="58470" y="4650524"/>
+            <a:ext cx="2268068" cy="417329"/>
+          </a:xfrm>
+          <a:prstGeom prst="roundRect">
+            <a:avLst/>
+          </a:prstGeom>
+          <a:solidFill>
+            <a:schemeClr val="bg1"/>
+          </a:solidFill>
+          <a:ln w="19050">
+            <a:solidFill>
+              <a:schemeClr val="accent2"/>
+            </a:solidFill>
+          </a:ln>
+          <a:effectLst>
+            <a:outerShdw blurRad="50800" dist="38100" dir="2700000" algn="tl" rotWithShape="0">
+              <a:prstClr val="black">
+                <a:alpha val="40000"/>
+              </a:prstClr>
+            </a:outerShdw>
+          </a:effectLst>
+        </p:spPr>
+        <p:style>
+          <a:lnRef idx="2">
+            <a:schemeClr val="accent1">
+              <a:shade val="50000"/>
+            </a:schemeClr>
+          </a:lnRef>
+          <a:fillRef idx="1">
+            <a:schemeClr val="accent1"/>
+          </a:fillRef>
+          <a:effectRef idx="0">
+            <a:schemeClr val="accent1"/>
+          </a:effectRef>
+          <a:fontRef idx="minor">
+            <a:schemeClr val="lt1"/>
+          </a:fontRef>
+        </p:style>
+        <p:txBody>
+          <a:bodyPr rtlCol="0" anchor="ctr"/>
+          <a:lstStyle/>
+          <a:p>
+            <a:pPr algn="ctr"/>
+            <a:r>
+              <a:rPr lang="en-US" sz="1400" dirty="0">
+                <a:solidFill>
+                  <a:schemeClr val="tx1"/>
+                </a:solidFill>
+              </a:rPr>
+              <a:t>Verification_Continuity_Script.m</a:t>
+            </a:r>
+          </a:p>
+        </p:txBody>
+      </p:sp>
+      <p:sp>
+        <p:nvSpPr>
+          <p:cNvPr id="55" name="Rounded Rectangle 54">
+            <a:extLst>
+              <a:ext uri="{FF2B5EF4-FFF2-40B4-BE49-F238E27FC236}">
+                <a16:creationId xmlns:a16="http://schemas.microsoft.com/office/drawing/2014/main" id="{7A9C9D1B-7CD5-EA41-AC00-1353643890C2}"/>
+              </a:ext>
+            </a:extLst>
+          </p:cNvPr>
+          <p:cNvSpPr/>
+          <p:nvPr/>
+        </p:nvSpPr>
+        <p:spPr>
+          <a:xfrm>
+            <a:off x="58470" y="5444709"/>
+            <a:ext cx="2268068" cy="417329"/>
+          </a:xfrm>
+          <a:prstGeom prst="roundRect">
+            <a:avLst/>
+          </a:prstGeom>
+          <a:solidFill>
+            <a:schemeClr val="bg1"/>
+          </a:solidFill>
+          <a:ln w="19050">
+            <a:solidFill>
+              <a:schemeClr val="accent2"/>
+            </a:solidFill>
+          </a:ln>
+          <a:effectLst>
+            <a:outerShdw blurRad="50800" dist="38100" dir="2700000" algn="tl" rotWithShape="0">
+              <a:prstClr val="black">
+                <a:alpha val="40000"/>
+              </a:prstClr>
+            </a:outerShdw>
+          </a:effectLst>
+        </p:spPr>
+        <p:style>
+          <a:lnRef idx="2">
+            <a:schemeClr val="accent1">
+              <a:shade val="50000"/>
+            </a:schemeClr>
+          </a:lnRef>
+          <a:fillRef idx="1">
+            <a:schemeClr val="accent1"/>
+          </a:fillRef>
+          <a:effectRef idx="0">
+            <a:schemeClr val="accent1"/>
+          </a:effectRef>
+          <a:fontRef idx="minor">
+            <a:schemeClr val="lt1"/>
+          </a:fontRef>
+        </p:style>
+        <p:txBody>
+          <a:bodyPr rtlCol="0" anchor="ctr"/>
+          <a:lstStyle/>
+          <a:p>
+            <a:pPr algn="ctr"/>
+            <a:r>
+              <a:rPr lang="en-US" sz="1400" dirty="0">
+                <a:solidFill>
+                  <a:schemeClr val="tx1"/>
+                </a:solidFill>
+              </a:rPr>
+              <a:t>Verification_Continuity.m</a:t>
+            </a:r>
+          </a:p>
+        </p:txBody>
+      </p:sp>
+      <p:sp>
+        <p:nvSpPr>
+          <p:cNvPr id="57" name="Rounded Rectangle 56">
+            <a:extLst>
+              <a:ext uri="{FF2B5EF4-FFF2-40B4-BE49-F238E27FC236}">
+                <a16:creationId xmlns:a16="http://schemas.microsoft.com/office/drawing/2014/main" id="{3202FFA6-3A64-264C-9B2B-1E345B9E79D6}"/>
+              </a:ext>
+            </a:extLst>
+          </p:cNvPr>
+          <p:cNvSpPr/>
+          <p:nvPr/>
+        </p:nvSpPr>
+        <p:spPr>
+          <a:xfrm>
+            <a:off x="2667876" y="5445949"/>
+            <a:ext cx="2268068" cy="417329"/>
+          </a:xfrm>
+          <a:prstGeom prst="roundRect">
+            <a:avLst/>
+          </a:prstGeom>
+          <a:solidFill>
+            <a:schemeClr val="bg1"/>
+          </a:solidFill>
+          <a:ln w="19050">
+            <a:solidFill>
+              <a:schemeClr val="accent2"/>
+            </a:solidFill>
+          </a:ln>
+          <a:effectLst>
+            <a:outerShdw blurRad="50800" dist="38100" dir="2700000" algn="tl" rotWithShape="0">
+              <a:prstClr val="black">
+                <a:alpha val="40000"/>
+              </a:prstClr>
+            </a:outerShdw>
+          </a:effectLst>
+        </p:spPr>
+        <p:style>
+          <a:lnRef idx="2">
+            <a:schemeClr val="accent1">
+              <a:shade val="50000"/>
+            </a:schemeClr>
+          </a:lnRef>
+          <a:fillRef idx="1">
+            <a:schemeClr val="accent1"/>
+          </a:fillRef>
+          <a:effectRef idx="0">
+            <a:schemeClr val="accent1"/>
+          </a:effectRef>
+          <a:fontRef idx="minor">
+            <a:schemeClr val="lt1"/>
+          </a:fontRef>
+        </p:style>
+        <p:txBody>
+          <a:bodyPr rtlCol="0" anchor="ctr"/>
+          <a:lstStyle/>
+          <a:p>
+            <a:pPr algn="ctr"/>
+            <a:r>
+              <a:rPr lang="en-US" sz="1400" dirty="0">
+                <a:solidFill>
+                  <a:schemeClr val="tx1"/>
+                </a:solidFill>
+              </a:rPr>
+              <a:t>Validation_Measurements_Analysis.m</a:t>
+            </a:r>
+          </a:p>
+        </p:txBody>
+      </p:sp>
+      <p:sp>
+        <p:nvSpPr>
+          <p:cNvPr id="58" name="Rounded Rectangle 57">
+            <a:extLst>
+              <a:ext uri="{FF2B5EF4-FFF2-40B4-BE49-F238E27FC236}">
+                <a16:creationId xmlns:a16="http://schemas.microsoft.com/office/drawing/2014/main" id="{5E43F488-ED44-3847-B9C3-CF0FBC2B8C32}"/>
+              </a:ext>
+            </a:extLst>
+          </p:cNvPr>
+          <p:cNvSpPr/>
+          <p:nvPr/>
+        </p:nvSpPr>
+        <p:spPr>
+          <a:xfrm>
+            <a:off x="58470" y="6241956"/>
+            <a:ext cx="2268068" cy="417329"/>
+          </a:xfrm>
+          <a:prstGeom prst="roundRect">
+            <a:avLst/>
+          </a:prstGeom>
+          <a:solidFill>
+            <a:schemeClr val="bg1"/>
+          </a:solidFill>
+          <a:ln w="19050">
+            <a:solidFill>
+              <a:schemeClr val="accent2"/>
+            </a:solidFill>
+          </a:ln>
+          <a:effectLst>
+            <a:outerShdw blurRad="50800" dist="38100" dir="2700000" algn="tl" rotWithShape="0">
+              <a:prstClr val="black">
+                <a:alpha val="40000"/>
+              </a:prstClr>
+            </a:outerShdw>
+          </a:effectLst>
+        </p:spPr>
+        <p:style>
+          <a:lnRef idx="2">
+            <a:schemeClr val="accent1">
+              <a:shade val="50000"/>
+            </a:schemeClr>
+          </a:lnRef>
+          <a:fillRef idx="1">
+            <a:schemeClr val="accent1"/>
+          </a:fillRef>
+          <a:effectRef idx="0">
+            <a:schemeClr val="accent1"/>
+          </a:effectRef>
+          <a:fontRef idx="minor">
+            <a:schemeClr val="lt1"/>
+          </a:fontRef>
+        </p:style>
+        <p:txBody>
+          <a:bodyPr rtlCol="0" anchor="ctr"/>
+          <a:lstStyle/>
+          <a:p>
+            <a:pPr algn="ctr"/>
+            <a:r>
+              <a:rPr lang="en-US" sz="1400" dirty="0">
+                <a:solidFill>
+                  <a:schemeClr val="tx1"/>
+                </a:solidFill>
+              </a:rPr>
+              <a:t>Verification_Plot_Best_Paths_Figures.m</a:t>
+            </a:r>
           </a:p>
         </p:txBody>
       </p:sp>
       <p:cxnSp>
         <p:nvCxnSpPr>
-          <p:cNvPr id="11" name="Straight Arrow Connector 10">
-            <a:extLst>
-              <a:ext uri="{FF2B5EF4-FFF2-40B4-BE49-F238E27FC236}">
-                <a16:creationId xmlns:a16="http://schemas.microsoft.com/office/drawing/2014/main" id="{AA3B6307-37DA-4CFC-B08E-D5A6248E22DD}"/>
+          <p:cNvPr id="12" name="Straight Arrow Connector 11">
+            <a:extLst>
+              <a:ext uri="{FF2B5EF4-FFF2-40B4-BE49-F238E27FC236}">
+                <a16:creationId xmlns:a16="http://schemas.microsoft.com/office/drawing/2014/main" id="{08087137-91C8-4942-8E8F-662FFBEE58DA}"/>
               </a:ext>
             </a:extLst>
           </p:cNvPr>
           <p:cNvCxnSpPr>
-            <a:cxnSpLocks/>
-            <a:stCxn id="4" idx="6"/>
-            <a:endCxn id="8" idx="2"/>
+            <a:stCxn id="54" idx="2"/>
+            <a:endCxn id="55" idx="0"/>
           </p:cNvCxnSpPr>
           <p:nvPr/>
         </p:nvCxnSpPr>
         <p:spPr>
           <a:xfrm>
-            <a:off x="7667536" y="455245"/>
-            <a:ext cx="1951692" cy="75051"/>
+            <a:off x="1192504" y="5067853"/>
+            <a:ext cx="0" cy="376856"/>
           </a:xfrm>
           <a:prstGeom prst="straightConnector1">
             <a:avLst/>
           </a:prstGeom>
-          <a:ln>
+          <a:ln w="12700">
+            <a:solidFill>
+              <a:schemeClr val="accent2"/>
+            </a:solidFill>
             <a:tailEnd type="triangle"/>
           </a:ln>
+          <a:effectLst>
+            <a:outerShdw blurRad="50800" dist="38100" dir="2700000" algn="tl" rotWithShape="0">
+              <a:prstClr val="black">
+                <a:alpha val="40000"/>
+              </a:prstClr>
+            </a:outerShdw>
+          </a:effectLst>
         </p:spPr>
         <p:style>
           <a:lnRef idx="1">
@@ -4722,31 +4507,41 @@
       </p:cxnSp>
       <p:cxnSp>
         <p:nvCxnSpPr>
-          <p:cNvPr id="13" name="Straight Arrow Connector 12">
-            <a:extLst>
-              <a:ext uri="{FF2B5EF4-FFF2-40B4-BE49-F238E27FC236}">
-                <a16:creationId xmlns:a16="http://schemas.microsoft.com/office/drawing/2014/main" id="{90D03A69-684E-47DE-AF90-CDE942238E79}"/>
+          <p:cNvPr id="61" name="Straight Arrow Connector 60">
+            <a:extLst>
+              <a:ext uri="{FF2B5EF4-FFF2-40B4-BE49-F238E27FC236}">
+                <a16:creationId xmlns:a16="http://schemas.microsoft.com/office/drawing/2014/main" id="{7D02B30D-C6DD-2A47-8383-A5C37C8B8F20}"/>
               </a:ext>
             </a:extLst>
           </p:cNvPr>
           <p:cNvCxnSpPr>
             <a:cxnSpLocks/>
-            <a:stCxn id="4" idx="5"/>
-            <a:endCxn id="9" idx="1"/>
+            <a:stCxn id="55" idx="2"/>
+            <a:endCxn id="58" idx="0"/>
           </p:cNvCxnSpPr>
           <p:nvPr/>
         </p:nvCxnSpPr>
         <p:spPr>
           <a:xfrm>
-            <a:off x="7143608" y="761923"/>
-            <a:ext cx="2836097" cy="763393"/>
+            <a:off x="1192504" y="5862038"/>
+            <a:ext cx="0" cy="379918"/>
           </a:xfrm>
           <a:prstGeom prst="straightConnector1">
             <a:avLst/>
           </a:prstGeom>
-          <a:ln>
+          <a:ln w="12700">
+            <a:solidFill>
+              <a:schemeClr val="accent2"/>
+            </a:solidFill>
             <a:tailEnd type="triangle"/>
           </a:ln>
+          <a:effectLst>
+            <a:outerShdw blurRad="50800" dist="38100" dir="2700000" algn="tl" rotWithShape="0">
+              <a:prstClr val="black">
+                <a:alpha val="40000"/>
+              </a:prstClr>
+            </a:outerShdw>
+          </a:effectLst>
         </p:spPr>
         <p:style>
           <a:lnRef idx="1">
@@ -4765,31 +4560,50 @@
       </p:cxnSp>
       <p:cxnSp>
         <p:nvCxnSpPr>
-          <p:cNvPr id="17" name="Straight Arrow Connector 16">
-            <a:extLst>
-              <a:ext uri="{FF2B5EF4-FFF2-40B4-BE49-F238E27FC236}">
-                <a16:creationId xmlns:a16="http://schemas.microsoft.com/office/drawing/2014/main" id="{62DF8311-DB05-4B5B-97F9-EDAC58CDA8CD}"/>
+          <p:cNvPr id="68" name="Straight Arrow Connector 67">
+            <a:extLst>
+              <a:ext uri="{FF2B5EF4-FFF2-40B4-BE49-F238E27FC236}">
+                <a16:creationId xmlns:a16="http://schemas.microsoft.com/office/drawing/2014/main" id="{FA10A799-4BF3-C343-BFF4-FF097CA7E055}"/>
               </a:ext>
             </a:extLst>
           </p:cNvPr>
           <p:cNvCxnSpPr>
             <a:cxnSpLocks/>
-            <a:stCxn id="4" idx="4"/>
-            <a:endCxn id="10" idx="0"/>
+            <a:stCxn id="41" idx="3"/>
+            <a:endCxn id="53" idx="1"/>
           </p:cNvCxnSpPr>
           <p:nvPr/>
         </p:nvCxnSpPr>
         <p:spPr>
-          <a:xfrm flipH="1">
-            <a:off x="5878735" y="888954"/>
-            <a:ext cx="1" cy="360582"/>
+          <a:xfrm flipV="1">
+            <a:off x="2340582" y="2140784"/>
+            <a:ext cx="479845" cy="5761"/>
           </a:xfrm>
           <a:prstGeom prst="straightConnector1">
             <a:avLst/>
           </a:prstGeom>
-          <a:ln>
+          <a:ln w="12700">
+            <a:gradFill flip="none" rotWithShape="1">
+              <a:gsLst>
+                <a:gs pos="100000">
+                  <a:schemeClr val="accent3"/>
+                </a:gs>
+                <a:gs pos="0">
+                  <a:schemeClr val="accent6"/>
+                </a:gs>
+              </a:gsLst>
+              <a:lin ang="0" scaled="1"/>
+              <a:tileRect/>
+            </a:gradFill>
             <a:tailEnd type="triangle"/>
           </a:ln>
+          <a:effectLst>
+            <a:outerShdw blurRad="50800" dist="38100" dir="2700000" algn="tl" rotWithShape="0">
+              <a:prstClr val="black">
+                <a:alpha val="40000"/>
+              </a:prstClr>
+            </a:outerShdw>
+          </a:effectLst>
         </p:spPr>
         <p:style>
           <a:lnRef idx="1">
@@ -4808,31 +4622,61 @@
       </p:cxnSp>
       <p:cxnSp>
         <p:nvCxnSpPr>
-          <p:cNvPr id="20" name="Straight Arrow Connector 19">
-            <a:extLst>
-              <a:ext uri="{FF2B5EF4-FFF2-40B4-BE49-F238E27FC236}">
-                <a16:creationId xmlns:a16="http://schemas.microsoft.com/office/drawing/2014/main" id="{B7BD6545-7A42-4AAD-A44E-6AB0DF2BB704}"/>
+          <p:cNvPr id="71" name="Straight Arrow Connector 70">
+            <a:extLst>
+              <a:ext uri="{FF2B5EF4-FFF2-40B4-BE49-F238E27FC236}">
+                <a16:creationId xmlns:a16="http://schemas.microsoft.com/office/drawing/2014/main" id="{42A8764B-F820-3543-82C3-D756A37304A5}"/>
               </a:ext>
             </a:extLst>
           </p:cNvPr>
           <p:cNvCxnSpPr>
             <a:cxnSpLocks/>
-            <a:stCxn id="4" idx="2"/>
-            <a:endCxn id="5" idx="6"/>
+            <a:stCxn id="49" idx="1"/>
+            <a:endCxn id="53" idx="3"/>
           </p:cNvCxnSpPr>
           <p:nvPr/>
         </p:nvCxnSpPr>
         <p:spPr>
           <a:xfrm flipH="1">
-            <a:off x="2461489" y="455245"/>
-            <a:ext cx="1628446" cy="75050"/>
+            <a:off x="5088495" y="1488037"/>
+            <a:ext cx="360082" cy="652747"/>
           </a:xfrm>
           <a:prstGeom prst="straightConnector1">
             <a:avLst/>
           </a:prstGeom>
-          <a:ln>
+          <a:ln w="12700">
+            <a:gradFill>
+              <a:gsLst>
+                <a:gs pos="0">
+                  <a:srgbClr val="2F518F"/>
+                </a:gs>
+                <a:gs pos="98000">
+                  <a:schemeClr val="accent3"/>
+                </a:gs>
+                <a:gs pos="100000">
+                  <a:schemeClr val="accent1">
+                    <a:lumMod val="45000"/>
+                    <a:lumOff val="55000"/>
+                  </a:schemeClr>
+                </a:gs>
+                <a:gs pos="100000">
+                  <a:schemeClr val="accent1">
+                    <a:lumMod val="30000"/>
+                    <a:lumOff val="70000"/>
+                  </a:schemeClr>
+                </a:gs>
+              </a:gsLst>
+              <a:lin ang="5400000" scaled="1"/>
+            </a:gradFill>
             <a:tailEnd type="triangle"/>
           </a:ln>
+          <a:effectLst>
+            <a:outerShdw blurRad="50800" dist="38100" dir="2700000" algn="tl" rotWithShape="0">
+              <a:prstClr val="black">
+                <a:alpha val="40000"/>
+              </a:prstClr>
+            </a:outerShdw>
+          </a:effectLst>
         </p:spPr>
         <p:style>
           <a:lnRef idx="1">
@@ -4851,31 +4695,41 @@
       </p:cxnSp>
       <p:cxnSp>
         <p:nvCxnSpPr>
-          <p:cNvPr id="23" name="Straight Arrow Connector 22">
-            <a:extLst>
-              <a:ext uri="{FF2B5EF4-FFF2-40B4-BE49-F238E27FC236}">
-                <a16:creationId xmlns:a16="http://schemas.microsoft.com/office/drawing/2014/main" id="{652833A4-845C-40AE-919E-B0B020F7252C}"/>
+          <p:cNvPr id="77" name="Straight Arrow Connector 76">
+            <a:extLst>
+              <a:ext uri="{FF2B5EF4-FFF2-40B4-BE49-F238E27FC236}">
+                <a16:creationId xmlns:a16="http://schemas.microsoft.com/office/drawing/2014/main" id="{CDBE87D0-4C7A-C643-B1EB-7CA05EEA0360}"/>
               </a:ext>
             </a:extLst>
           </p:cNvPr>
           <p:cNvCxnSpPr>
             <a:cxnSpLocks/>
-            <a:stCxn id="5" idx="4"/>
-            <a:endCxn id="6" idx="0"/>
+            <a:stCxn id="41" idx="2"/>
+            <a:endCxn id="45" idx="0"/>
           </p:cNvCxnSpPr>
           <p:nvPr/>
         </p:nvCxnSpPr>
         <p:spPr>
           <a:xfrm>
-            <a:off x="1230745" y="1031367"/>
-            <a:ext cx="8703" cy="229404"/>
+            <a:off x="1206548" y="2355209"/>
+            <a:ext cx="0" cy="281591"/>
           </a:xfrm>
           <a:prstGeom prst="straightConnector1">
             <a:avLst/>
           </a:prstGeom>
-          <a:ln>
+          <a:ln w="12700">
+            <a:solidFill>
+              <a:schemeClr val="accent6"/>
+            </a:solidFill>
             <a:tailEnd type="triangle"/>
           </a:ln>
+          <a:effectLst>
+            <a:outerShdw blurRad="50800" dist="38100" dir="2700000" algn="tl" rotWithShape="0">
+              <a:prstClr val="black">
+                <a:alpha val="40000"/>
+              </a:prstClr>
+            </a:outerShdw>
+          </a:effectLst>
         </p:spPr>
         <p:style>
           <a:lnRef idx="1">
@@ -4894,31 +4748,39 @@
       </p:cxnSp>
       <p:cxnSp>
         <p:nvCxnSpPr>
-          <p:cNvPr id="24" name="Straight Arrow Connector 23">
-            <a:extLst>
-              <a:ext uri="{FF2B5EF4-FFF2-40B4-BE49-F238E27FC236}">
-                <a16:creationId xmlns:a16="http://schemas.microsoft.com/office/drawing/2014/main" id="{A47AFE6C-9E27-4983-A854-C78EFF7ACA2C}"/>
+          <p:cNvPr id="82" name="Straight Arrow Connector 81">
+            <a:extLst>
+              <a:ext uri="{FF2B5EF4-FFF2-40B4-BE49-F238E27FC236}">
+                <a16:creationId xmlns:a16="http://schemas.microsoft.com/office/drawing/2014/main" id="{59172607-3910-D44C-9DF3-2C2A64903E70}"/>
               </a:ext>
             </a:extLst>
           </p:cNvPr>
           <p:cNvCxnSpPr>
             <a:cxnSpLocks/>
-            <a:stCxn id="6" idx="4"/>
-            <a:endCxn id="7" idx="0"/>
           </p:cNvCxnSpPr>
           <p:nvPr/>
         </p:nvCxnSpPr>
         <p:spPr>
-          <a:xfrm flipH="1">
-            <a:off x="1230744" y="2262916"/>
-            <a:ext cx="8704" cy="229404"/>
+          <a:xfrm>
+            <a:off x="1206548" y="3054129"/>
+            <a:ext cx="0" cy="281591"/>
           </a:xfrm>
           <a:prstGeom prst="straightConnector1">
             <a:avLst/>
           </a:prstGeom>
-          <a:ln>
+          <a:ln w="12700">
+            <a:solidFill>
+              <a:schemeClr val="accent6"/>
+            </a:solidFill>
             <a:tailEnd type="triangle"/>
           </a:ln>
+          <a:effectLst>
+            <a:outerShdw blurRad="50800" dist="38100" dir="2700000" algn="tl" rotWithShape="0">
+              <a:prstClr val="black">
+                <a:alpha val="40000"/>
+              </a:prstClr>
+            </a:outerShdw>
+          </a:effectLst>
         </p:spPr>
         <p:style>
           <a:lnRef idx="1">
@@ -4937,449 +4799,39 @@
       </p:cxnSp>
       <p:cxnSp>
         <p:nvCxnSpPr>
-          <p:cNvPr id="28" name="Straight Arrow Connector 27">
-            <a:extLst>
-              <a:ext uri="{FF2B5EF4-FFF2-40B4-BE49-F238E27FC236}">
-                <a16:creationId xmlns:a16="http://schemas.microsoft.com/office/drawing/2014/main" id="{6F58D12E-EC55-4FB8-9CFD-07F198C4128F}"/>
+          <p:cNvPr id="84" name="Straight Arrow Connector 83">
+            <a:extLst>
+              <a:ext uri="{FF2B5EF4-FFF2-40B4-BE49-F238E27FC236}">
+                <a16:creationId xmlns:a16="http://schemas.microsoft.com/office/drawing/2014/main" id="{12EB1A4F-C77B-104A-87FB-5C013E81A8BB}"/>
               </a:ext>
             </a:extLst>
           </p:cNvPr>
           <p:cNvCxnSpPr>
             <a:cxnSpLocks/>
-            <a:stCxn id="10" idx="4"/>
-            <a:endCxn id="133" idx="0"/>
           </p:cNvCxnSpPr>
           <p:nvPr/>
         </p:nvCxnSpPr>
         <p:spPr>
           <a:xfrm>
-            <a:off x="5878735" y="1921745"/>
-            <a:ext cx="2" cy="479675"/>
+            <a:off x="1206548" y="3753049"/>
+            <a:ext cx="0" cy="281591"/>
           </a:xfrm>
           <a:prstGeom prst="straightConnector1">
             <a:avLst/>
           </a:prstGeom>
-          <a:ln>
+          <a:ln w="12700">
+            <a:solidFill>
+              <a:schemeClr val="accent6"/>
+            </a:solidFill>
             <a:tailEnd type="triangle"/>
           </a:ln>
-        </p:spPr>
-        <p:style>
-          <a:lnRef idx="1">
-            <a:schemeClr val="accent1"/>
-          </a:lnRef>
-          <a:fillRef idx="0">
-            <a:schemeClr val="accent1"/>
-          </a:fillRef>
-          <a:effectRef idx="0">
-            <a:schemeClr val="accent1"/>
-          </a:effectRef>
-          <a:fontRef idx="minor">
-            <a:schemeClr val="tx1"/>
-          </a:fontRef>
-        </p:style>
-      </p:cxnSp>
-      <p:sp>
-        <p:nvSpPr>
-          <p:cNvPr id="79" name="Oval 78">
-            <a:extLst>
-              <a:ext uri="{FF2B5EF4-FFF2-40B4-BE49-F238E27FC236}">
-                <a16:creationId xmlns:a16="http://schemas.microsoft.com/office/drawing/2014/main" id="{814CB73C-0DCB-4460-B0FC-EB5AE9912BDB}"/>
-              </a:ext>
-            </a:extLst>
-          </p:cNvPr>
-          <p:cNvSpPr/>
-          <p:nvPr/>
-        </p:nvSpPr>
-        <p:spPr>
-          <a:xfrm>
-            <a:off x="2916556" y="5798423"/>
-            <a:ext cx="2461489" cy="1002145"/>
-          </a:xfrm>
-          <a:prstGeom prst="ellipse">
-            <a:avLst/>
-          </a:prstGeom>
-          <a:solidFill>
-            <a:schemeClr val="accent6"/>
-          </a:solidFill>
-          <a:ln>
-            <a:solidFill>
-              <a:schemeClr val="accent1"/>
-            </a:solidFill>
-          </a:ln>
-        </p:spPr>
-        <p:style>
-          <a:lnRef idx="2">
-            <a:schemeClr val="dk1">
-              <a:shade val="50000"/>
-            </a:schemeClr>
-          </a:lnRef>
-          <a:fillRef idx="1">
-            <a:schemeClr val="dk1"/>
-          </a:fillRef>
-          <a:effectRef idx="0">
-            <a:schemeClr val="dk1"/>
-          </a:effectRef>
-          <a:fontRef idx="minor">
-            <a:schemeClr val="lt1"/>
-          </a:fontRef>
-        </p:style>
-        <p:txBody>
-          <a:bodyPr rtlCol="0" anchor="ctr"/>
-          <a:lstStyle/>
-          <a:p>
-            <a:pPr algn="ctr"/>
-            <a:r>
-              <a:rPr lang="en-US" sz="1600" dirty="0" err="1"/>
-              <a:t>SmoothPaths</a:t>
-            </a:r>
-            <a:endParaRPr lang="en-US" sz="1600" dirty="0"/>
-          </a:p>
-        </p:txBody>
-      </p:sp>
-      <p:sp>
-        <p:nvSpPr>
-          <p:cNvPr id="80" name="Oval 79">
-            <a:extLst>
-              <a:ext uri="{FF2B5EF4-FFF2-40B4-BE49-F238E27FC236}">
-                <a16:creationId xmlns:a16="http://schemas.microsoft.com/office/drawing/2014/main" id="{903CAE17-92C1-4698-A03E-C9245D73B71A}"/>
-              </a:ext>
-            </a:extLst>
-          </p:cNvPr>
-          <p:cNvSpPr/>
-          <p:nvPr/>
-        </p:nvSpPr>
-        <p:spPr>
-          <a:xfrm>
-            <a:off x="8110814" y="5549026"/>
-            <a:ext cx="2461489" cy="1002145"/>
-          </a:xfrm>
-          <a:prstGeom prst="ellipse">
-            <a:avLst/>
-          </a:prstGeom>
-          <a:solidFill>
-            <a:schemeClr val="accent6"/>
-          </a:solidFill>
-          <a:ln>
-            <a:solidFill>
-              <a:schemeClr val="tx1"/>
-            </a:solidFill>
-          </a:ln>
-        </p:spPr>
-        <p:style>
-          <a:lnRef idx="2">
-            <a:schemeClr val="dk1">
-              <a:shade val="50000"/>
-            </a:schemeClr>
-          </a:lnRef>
-          <a:fillRef idx="1">
-            <a:schemeClr val="dk1"/>
-          </a:fillRef>
-          <a:effectRef idx="0">
-            <a:schemeClr val="dk1"/>
-          </a:effectRef>
-          <a:fontRef idx="minor">
-            <a:schemeClr val="lt1"/>
-          </a:fontRef>
-        </p:style>
-        <p:txBody>
-          <a:bodyPr rtlCol="0" anchor="ctr"/>
-          <a:lstStyle/>
-          <a:p>
-            <a:pPr algn="ctr"/>
-            <a:r>
-              <a:rPr lang="en-US" sz="1600" dirty="0" err="1"/>
-              <a:t>evalPaths</a:t>
-            </a:r>
-            <a:endParaRPr lang="en-US" sz="1600" dirty="0"/>
-          </a:p>
-        </p:txBody>
-      </p:sp>
-      <p:sp>
-        <p:nvSpPr>
-          <p:cNvPr id="81" name="Oval 80">
-            <a:extLst>
-              <a:ext uri="{FF2B5EF4-FFF2-40B4-BE49-F238E27FC236}">
-                <a16:creationId xmlns:a16="http://schemas.microsoft.com/office/drawing/2014/main" id="{D8B9A22B-CE8A-4764-A7DC-92A95BEEEE7F}"/>
-              </a:ext>
-            </a:extLst>
-          </p:cNvPr>
-          <p:cNvSpPr/>
-          <p:nvPr/>
-        </p:nvSpPr>
-        <p:spPr>
-          <a:xfrm>
-            <a:off x="5687756" y="5971616"/>
-            <a:ext cx="1739929" cy="683595"/>
-          </a:xfrm>
-          <a:prstGeom prst="ellipse">
-            <a:avLst/>
-          </a:prstGeom>
-          <a:solidFill>
-            <a:schemeClr val="accent6"/>
-          </a:solidFill>
-          <a:ln>
-            <a:solidFill>
-              <a:schemeClr val="accent1"/>
-            </a:solidFill>
-          </a:ln>
-        </p:spPr>
-        <p:style>
-          <a:lnRef idx="2">
-            <a:schemeClr val="dk1">
-              <a:shade val="50000"/>
-            </a:schemeClr>
-          </a:lnRef>
-          <a:fillRef idx="1">
-            <a:schemeClr val="dk1"/>
-          </a:fillRef>
-          <a:effectRef idx="0">
-            <a:schemeClr val="dk1"/>
-          </a:effectRef>
-          <a:fontRef idx="minor">
-            <a:schemeClr val="lt1"/>
-          </a:fontRef>
-        </p:style>
-        <p:txBody>
-          <a:bodyPr rtlCol="0" anchor="ctr"/>
-          <a:lstStyle/>
-          <a:p>
-            <a:pPr algn="ctr"/>
-            <a:r>
-              <a:rPr lang="en-US" sz="1600" dirty="0" err="1"/>
-              <a:t>zigZag</a:t>
-            </a:r>
-            <a:endParaRPr lang="en-US" sz="1600" dirty="0"/>
-          </a:p>
-        </p:txBody>
-      </p:sp>
-      <p:sp>
-        <p:nvSpPr>
-          <p:cNvPr id="133" name="Oval 132">
-            <a:extLst>
-              <a:ext uri="{FF2B5EF4-FFF2-40B4-BE49-F238E27FC236}">
-                <a16:creationId xmlns:a16="http://schemas.microsoft.com/office/drawing/2014/main" id="{EB75BF25-D87D-400B-8FC1-671FB3995B7C}"/>
-              </a:ext>
-            </a:extLst>
-          </p:cNvPr>
-          <p:cNvSpPr/>
-          <p:nvPr/>
-        </p:nvSpPr>
-        <p:spPr>
-          <a:xfrm>
-            <a:off x="3771267" y="2401420"/>
-            <a:ext cx="4214939" cy="770913"/>
-          </a:xfrm>
-          <a:prstGeom prst="ellipse">
-            <a:avLst/>
-          </a:prstGeom>
-          <a:solidFill>
-            <a:schemeClr val="accent6"/>
-          </a:solidFill>
-        </p:spPr>
-        <p:style>
-          <a:lnRef idx="2">
-            <a:schemeClr val="dk1">
-              <a:shade val="50000"/>
-            </a:schemeClr>
-          </a:lnRef>
-          <a:fillRef idx="1">
-            <a:schemeClr val="dk1"/>
-          </a:fillRef>
-          <a:effectRef idx="0">
-            <a:schemeClr val="dk1"/>
-          </a:effectRef>
-          <a:fontRef idx="minor">
-            <a:schemeClr val="lt1"/>
-          </a:fontRef>
-        </p:style>
-        <p:txBody>
-          <a:bodyPr rtlCol="0" anchor="ctr"/>
-          <a:lstStyle/>
-          <a:p>
-            <a:pPr algn="ctr"/>
-            <a:r>
-              <a:rPr lang="en-US" sz="1600" dirty="0" err="1"/>
-              <a:t>Connectivity_RHCP_file</a:t>
-            </a:r>
-            <a:endParaRPr lang="en-US" sz="1600" dirty="0"/>
-          </a:p>
-        </p:txBody>
-      </p:sp>
-      <p:sp>
-        <p:nvSpPr>
-          <p:cNvPr id="32" name="Oval 31">
-            <a:extLst>
-              <a:ext uri="{FF2B5EF4-FFF2-40B4-BE49-F238E27FC236}">
-                <a16:creationId xmlns:a16="http://schemas.microsoft.com/office/drawing/2014/main" id="{B897012D-2DA2-4D34-A6D4-30625C5E1CDB}"/>
-              </a:ext>
-            </a:extLst>
-          </p:cNvPr>
-          <p:cNvSpPr/>
-          <p:nvPr/>
-        </p:nvSpPr>
-        <p:spPr>
-          <a:xfrm>
-            <a:off x="9972898" y="4551008"/>
-            <a:ext cx="1813347" cy="775517"/>
-          </a:xfrm>
-          <a:prstGeom prst="ellipse">
-            <a:avLst/>
-          </a:prstGeom>
-          <a:solidFill>
-            <a:schemeClr val="accent6"/>
-          </a:solidFill>
-        </p:spPr>
-        <p:style>
-          <a:lnRef idx="2">
-            <a:schemeClr val="dk1">
-              <a:shade val="50000"/>
-            </a:schemeClr>
-          </a:lnRef>
-          <a:fillRef idx="1">
-            <a:schemeClr val="dk1"/>
-          </a:fillRef>
-          <a:effectRef idx="0">
-            <a:schemeClr val="dk1"/>
-          </a:effectRef>
-          <a:fontRef idx="minor">
-            <a:schemeClr val="lt1"/>
-          </a:fontRef>
-        </p:style>
-        <p:txBody>
-          <a:bodyPr rtlCol="0" anchor="ctr"/>
-          <a:lstStyle/>
-          <a:p>
-            <a:pPr algn="ctr"/>
-            <a:r>
-              <a:rPr lang="en-US" sz="1600" dirty="0"/>
-              <a:t>Annealing</a:t>
-            </a:r>
-          </a:p>
-        </p:txBody>
-      </p:sp>
-      <p:cxnSp>
-        <p:nvCxnSpPr>
-          <p:cNvPr id="33" name="Straight Arrow Connector 32">
-            <a:extLst>
-              <a:ext uri="{FF2B5EF4-FFF2-40B4-BE49-F238E27FC236}">
-                <a16:creationId xmlns:a16="http://schemas.microsoft.com/office/drawing/2014/main" id="{90F74B95-74FC-44AF-A214-582D9C90A163}"/>
-              </a:ext>
-            </a:extLst>
-          </p:cNvPr>
-          <p:cNvCxnSpPr>
-            <a:cxnSpLocks/>
-            <a:stCxn id="133" idx="5"/>
-            <a:endCxn id="32" idx="1"/>
-          </p:cNvCxnSpPr>
-          <p:nvPr/>
-        </p:nvCxnSpPr>
-        <p:spPr>
-          <a:xfrm>
-            <a:off x="7368942" y="3059435"/>
-            <a:ext cx="2869515" cy="1605145"/>
-          </a:xfrm>
-          <a:prstGeom prst="straightConnector1">
-            <a:avLst/>
-          </a:prstGeom>
-          <a:ln>
-            <a:tailEnd type="triangle"/>
-          </a:ln>
-        </p:spPr>
-        <p:style>
-          <a:lnRef idx="1">
-            <a:schemeClr val="accent1"/>
-          </a:lnRef>
-          <a:fillRef idx="0">
-            <a:schemeClr val="accent1"/>
-          </a:fillRef>
-          <a:effectRef idx="0">
-            <a:schemeClr val="accent1"/>
-          </a:effectRef>
-          <a:fontRef idx="minor">
-            <a:schemeClr val="tx1"/>
-          </a:fontRef>
-        </p:style>
-      </p:cxnSp>
-      <p:sp>
-        <p:nvSpPr>
-          <p:cNvPr id="74" name="Oval 73">
-            <a:extLst>
-              <a:ext uri="{FF2B5EF4-FFF2-40B4-BE49-F238E27FC236}">
-                <a16:creationId xmlns:a16="http://schemas.microsoft.com/office/drawing/2014/main" id="{7E055E11-50D2-48FC-8DC3-71A22B62E0FA}"/>
-              </a:ext>
-            </a:extLst>
-          </p:cNvPr>
-          <p:cNvSpPr/>
-          <p:nvPr/>
-        </p:nvSpPr>
-        <p:spPr>
-          <a:xfrm>
-            <a:off x="3772288" y="3735870"/>
-            <a:ext cx="2342923" cy="683594"/>
-          </a:xfrm>
-          <a:prstGeom prst="ellipse">
-            <a:avLst/>
-          </a:prstGeom>
-          <a:solidFill>
-            <a:schemeClr val="accent6"/>
-          </a:solidFill>
-        </p:spPr>
-        <p:style>
-          <a:lnRef idx="2">
-            <a:schemeClr val="dk1">
-              <a:shade val="50000"/>
-            </a:schemeClr>
-          </a:lnRef>
-          <a:fillRef idx="1">
-            <a:schemeClr val="dk1"/>
-          </a:fillRef>
-          <a:effectRef idx="0">
-            <a:schemeClr val="dk1"/>
-          </a:effectRef>
-          <a:fontRef idx="minor">
-            <a:schemeClr val="lt1"/>
-          </a:fontRef>
-        </p:style>
-        <p:txBody>
-          <a:bodyPr rtlCol="0" anchor="ctr"/>
-          <a:lstStyle/>
-          <a:p>
-            <a:pPr algn="ctr"/>
-            <a:r>
-              <a:rPr lang="en-US" sz="1600" dirty="0" err="1"/>
-              <a:t>GeneticAlgorithm</a:t>
-            </a:r>
-            <a:endParaRPr lang="en-US" sz="1600" dirty="0"/>
-          </a:p>
-        </p:txBody>
-      </p:sp>
-      <p:cxnSp>
-        <p:nvCxnSpPr>
-          <p:cNvPr id="78" name="Straight Arrow Connector 77">
-            <a:extLst>
-              <a:ext uri="{FF2B5EF4-FFF2-40B4-BE49-F238E27FC236}">
-                <a16:creationId xmlns:a16="http://schemas.microsoft.com/office/drawing/2014/main" id="{EC5D658D-FF29-4F1C-875A-D8D95C8295C4}"/>
-              </a:ext>
-            </a:extLst>
-          </p:cNvPr>
-          <p:cNvCxnSpPr>
-            <a:cxnSpLocks/>
-            <a:stCxn id="149" idx="4"/>
-            <a:endCxn id="81" idx="0"/>
-          </p:cNvCxnSpPr>
-          <p:nvPr/>
-        </p:nvCxnSpPr>
-        <p:spPr>
-          <a:xfrm>
-            <a:off x="6188416" y="5725622"/>
-            <a:ext cx="369305" cy="245994"/>
-          </a:xfrm>
-          <a:prstGeom prst="straightConnector1">
-            <a:avLst/>
-          </a:prstGeom>
-          <a:ln>
-            <a:tailEnd type="triangle"/>
-          </a:ln>
+          <a:effectLst>
+            <a:outerShdw blurRad="50800" dist="38100" dir="2700000" algn="tl" rotWithShape="0">
+              <a:prstClr val="black">
+                <a:alpha val="40000"/>
+              </a:prstClr>
+            </a:outerShdw>
+          </a:effectLst>
         </p:spPr>
         <p:style>
           <a:lnRef idx="1">
@@ -5398,31 +4850,61 @@
       </p:cxnSp>
       <p:cxnSp>
         <p:nvCxnSpPr>
-          <p:cNvPr id="83" name="Straight Arrow Connector 82">
-            <a:extLst>
-              <a:ext uri="{FF2B5EF4-FFF2-40B4-BE49-F238E27FC236}">
-                <a16:creationId xmlns:a16="http://schemas.microsoft.com/office/drawing/2014/main" id="{BFA9681F-3AFA-47D6-8C85-DB39FBB08500}"/>
+          <p:cNvPr id="85" name="Straight Arrow Connector 84">
+            <a:extLst>
+              <a:ext uri="{FF2B5EF4-FFF2-40B4-BE49-F238E27FC236}">
+                <a16:creationId xmlns:a16="http://schemas.microsoft.com/office/drawing/2014/main" id="{FEA589F5-AB5D-544A-B630-8FF97A5ABBA2}"/>
               </a:ext>
             </a:extLst>
           </p:cNvPr>
           <p:cNvCxnSpPr>
             <a:cxnSpLocks/>
-            <a:stCxn id="149" idx="4"/>
-            <a:endCxn id="79" idx="7"/>
+            <a:stCxn id="48" idx="2"/>
+            <a:endCxn id="42" idx="3"/>
           </p:cNvCxnSpPr>
           <p:nvPr/>
         </p:nvCxnSpPr>
         <p:spPr>
           <a:xfrm flipH="1">
-            <a:off x="5017568" y="5725622"/>
-            <a:ext cx="1170848" cy="219562"/>
+            <a:off x="2340582" y="476197"/>
+            <a:ext cx="2747913" cy="272508"/>
           </a:xfrm>
           <a:prstGeom prst="straightConnector1">
             <a:avLst/>
           </a:prstGeom>
-          <a:ln>
+          <a:ln w="12700">
+            <a:gradFill>
+              <a:gsLst>
+                <a:gs pos="98000">
+                  <a:schemeClr val="accent3"/>
+                </a:gs>
+                <a:gs pos="0">
+                  <a:srgbClr val="2F518F"/>
+                </a:gs>
+                <a:gs pos="100000">
+                  <a:schemeClr val="accent1">
+                    <a:lumMod val="45000"/>
+                    <a:lumOff val="55000"/>
+                  </a:schemeClr>
+                </a:gs>
+                <a:gs pos="100000">
+                  <a:schemeClr val="accent1">
+                    <a:lumMod val="30000"/>
+                    <a:lumOff val="70000"/>
+                  </a:schemeClr>
+                </a:gs>
+              </a:gsLst>
+              <a:lin ang="5400000" scaled="1"/>
+            </a:gradFill>
             <a:tailEnd type="triangle"/>
           </a:ln>
+          <a:effectLst>
+            <a:outerShdw blurRad="50800" dist="38100" dir="2700000" algn="tl" rotWithShape="0">
+              <a:prstClr val="black">
+                <a:alpha val="40000"/>
+              </a:prstClr>
+            </a:outerShdw>
+          </a:effectLst>
         </p:spPr>
         <p:style>
           <a:lnRef idx="1">
@@ -5441,327 +4923,61 @@
       </p:cxnSp>
       <p:cxnSp>
         <p:nvCxnSpPr>
-          <p:cNvPr id="91" name="Straight Arrow Connector 90">
-            <a:extLst>
-              <a:ext uri="{FF2B5EF4-FFF2-40B4-BE49-F238E27FC236}">
-                <a16:creationId xmlns:a16="http://schemas.microsoft.com/office/drawing/2014/main" id="{0286FEFA-4973-491C-B325-4C4A60612515}"/>
+          <p:cNvPr id="86" name="Straight Arrow Connector 85">
+            <a:extLst>
+              <a:ext uri="{FF2B5EF4-FFF2-40B4-BE49-F238E27FC236}">
+                <a16:creationId xmlns:a16="http://schemas.microsoft.com/office/drawing/2014/main" id="{9232B4D5-E65E-924D-8FF8-00598B86ADF7}"/>
               </a:ext>
             </a:extLst>
           </p:cNvPr>
           <p:cNvCxnSpPr>
             <a:cxnSpLocks/>
-            <a:endCxn id="74" idx="0"/>
+            <a:stCxn id="48" idx="2"/>
+            <a:endCxn id="44" idx="3"/>
           </p:cNvCxnSpPr>
           <p:nvPr/>
         </p:nvCxnSpPr>
         <p:spPr>
           <a:xfrm flipH="1">
-            <a:off x="4943750" y="3136600"/>
-            <a:ext cx="73818" cy="599270"/>
+            <a:off x="2340582" y="476197"/>
+            <a:ext cx="2747913" cy="971428"/>
           </a:xfrm>
           <a:prstGeom prst="straightConnector1">
             <a:avLst/>
           </a:prstGeom>
-          <a:ln>
+          <a:ln w="12700">
+            <a:gradFill>
+              <a:gsLst>
+                <a:gs pos="0">
+                  <a:srgbClr val="2F518F"/>
+                </a:gs>
+                <a:gs pos="98000">
+                  <a:schemeClr val="tx2"/>
+                </a:gs>
+                <a:gs pos="100000">
+                  <a:schemeClr val="accent1">
+                    <a:lumMod val="45000"/>
+                    <a:lumOff val="55000"/>
+                  </a:schemeClr>
+                </a:gs>
+                <a:gs pos="100000">
+                  <a:schemeClr val="accent1">
+                    <a:lumMod val="30000"/>
+                    <a:lumOff val="70000"/>
+                  </a:schemeClr>
+                </a:gs>
+              </a:gsLst>
+              <a:lin ang="5400000" scaled="1"/>
+            </a:gradFill>
             <a:tailEnd type="triangle"/>
           </a:ln>
-        </p:spPr>
-        <p:style>
-          <a:lnRef idx="1">
-            <a:schemeClr val="accent1"/>
-          </a:lnRef>
-          <a:fillRef idx="0">
-            <a:schemeClr val="accent1"/>
-          </a:fillRef>
-          <a:effectRef idx="0">
-            <a:schemeClr val="accent1"/>
-          </a:effectRef>
-          <a:fontRef idx="minor">
-            <a:schemeClr val="tx1"/>
-          </a:fontRef>
-        </p:style>
-      </p:cxnSp>
-      <p:sp>
-        <p:nvSpPr>
-          <p:cNvPr id="100" name="Oval 99">
-            <a:extLst>
-              <a:ext uri="{FF2B5EF4-FFF2-40B4-BE49-F238E27FC236}">
-                <a16:creationId xmlns:a16="http://schemas.microsoft.com/office/drawing/2014/main" id="{C90EBB81-4F34-4D10-B15E-71AB642707CB}"/>
-              </a:ext>
-            </a:extLst>
-          </p:cNvPr>
-          <p:cNvSpPr/>
-          <p:nvPr/>
-        </p:nvSpPr>
-        <p:spPr>
-          <a:xfrm>
-            <a:off x="63342" y="5143037"/>
-            <a:ext cx="1948721" cy="577576"/>
-          </a:xfrm>
-          <a:prstGeom prst="ellipse">
-            <a:avLst/>
-          </a:prstGeom>
-          <a:solidFill>
-            <a:schemeClr val="accent6"/>
-          </a:solidFill>
-          <a:ln>
-            <a:solidFill>
-              <a:schemeClr val="accent1"/>
-            </a:solidFill>
-          </a:ln>
-        </p:spPr>
-        <p:style>
-          <a:lnRef idx="2">
-            <a:schemeClr val="dk1">
-              <a:shade val="50000"/>
-            </a:schemeClr>
-          </a:lnRef>
-          <a:fillRef idx="1">
-            <a:schemeClr val="dk1"/>
-          </a:fillRef>
-          <a:effectRef idx="0">
-            <a:schemeClr val="dk1"/>
-          </a:effectRef>
-          <a:fontRef idx="minor">
-            <a:schemeClr val="lt1"/>
-          </a:fontRef>
-        </p:style>
-        <p:txBody>
-          <a:bodyPr rtlCol="0" anchor="ctr"/>
-          <a:lstStyle/>
-          <a:p>
-            <a:pPr algn="ctr"/>
-            <a:r>
-              <a:rPr lang="en-US" sz="1600" dirty="0" err="1"/>
-              <a:t>RandomPathsGenerator</a:t>
-            </a:r>
-            <a:endParaRPr lang="en-US" sz="1600" dirty="0"/>
-          </a:p>
-        </p:txBody>
-      </p:sp>
-      <p:cxnSp>
-        <p:nvCxnSpPr>
-          <p:cNvPr id="101" name="Straight Arrow Connector 100">
-            <a:extLst>
-              <a:ext uri="{FF2B5EF4-FFF2-40B4-BE49-F238E27FC236}">
-                <a16:creationId xmlns:a16="http://schemas.microsoft.com/office/drawing/2014/main" id="{64D2E78E-585B-42DB-849C-F666A570FE21}"/>
-              </a:ext>
-            </a:extLst>
-          </p:cNvPr>
-          <p:cNvCxnSpPr>
-            <a:cxnSpLocks/>
-            <a:stCxn id="133" idx="3"/>
-            <a:endCxn id="100" idx="7"/>
-          </p:cNvCxnSpPr>
-          <p:nvPr/>
-        </p:nvCxnSpPr>
-        <p:spPr>
-          <a:xfrm flipH="1">
-            <a:off x="1726679" y="3059435"/>
-            <a:ext cx="2661852" cy="2168186"/>
-          </a:xfrm>
-          <a:prstGeom prst="straightConnector1">
-            <a:avLst/>
-          </a:prstGeom>
-          <a:ln>
-            <a:tailEnd type="triangle"/>
-          </a:ln>
-        </p:spPr>
-        <p:style>
-          <a:lnRef idx="1">
-            <a:schemeClr val="accent1"/>
-          </a:lnRef>
-          <a:fillRef idx="0">
-            <a:schemeClr val="accent1"/>
-          </a:fillRef>
-          <a:effectRef idx="0">
-            <a:schemeClr val="accent1"/>
-          </a:effectRef>
-          <a:fontRef idx="minor">
-            <a:schemeClr val="tx1"/>
-          </a:fontRef>
-        </p:style>
-      </p:cxnSp>
-      <p:sp>
-        <p:nvSpPr>
-          <p:cNvPr id="106" name="Oval 105">
-            <a:extLst>
-              <a:ext uri="{FF2B5EF4-FFF2-40B4-BE49-F238E27FC236}">
-                <a16:creationId xmlns:a16="http://schemas.microsoft.com/office/drawing/2014/main" id="{C7D79BD2-C7FF-466C-8404-750883485436}"/>
-              </a:ext>
-            </a:extLst>
-          </p:cNvPr>
-          <p:cNvSpPr/>
-          <p:nvPr/>
-        </p:nvSpPr>
-        <p:spPr>
-          <a:xfrm>
-            <a:off x="141933" y="4204136"/>
-            <a:ext cx="1893663" cy="663903"/>
-          </a:xfrm>
-          <a:prstGeom prst="ellipse">
-            <a:avLst/>
-          </a:prstGeom>
-          <a:solidFill>
-            <a:schemeClr val="accent6"/>
-          </a:solidFill>
-          <a:ln>
-            <a:solidFill>
-              <a:schemeClr val="accent1"/>
-            </a:solidFill>
-          </a:ln>
-        </p:spPr>
-        <p:style>
-          <a:lnRef idx="2">
-            <a:schemeClr val="dk1">
-              <a:shade val="50000"/>
-            </a:schemeClr>
-          </a:lnRef>
-          <a:fillRef idx="1">
-            <a:schemeClr val="dk1"/>
-          </a:fillRef>
-          <a:effectRef idx="0">
-            <a:schemeClr val="dk1"/>
-          </a:effectRef>
-          <a:fontRef idx="minor">
-            <a:schemeClr val="lt1"/>
-          </a:fontRef>
-        </p:style>
-        <p:txBody>
-          <a:bodyPr rtlCol="0" anchor="ctr"/>
-          <a:lstStyle/>
-          <a:p>
-            <a:pPr algn="ctr"/>
-            <a:r>
-              <a:rPr lang="en-US" sz="1600" dirty="0"/>
-              <a:t>Primary Nodes</a:t>
-            </a:r>
-          </a:p>
-        </p:txBody>
-      </p:sp>
-      <p:cxnSp>
-        <p:nvCxnSpPr>
-          <p:cNvPr id="107" name="Straight Arrow Connector 106">
-            <a:extLst>
-              <a:ext uri="{FF2B5EF4-FFF2-40B4-BE49-F238E27FC236}">
-                <a16:creationId xmlns:a16="http://schemas.microsoft.com/office/drawing/2014/main" id="{B2D190AF-96A5-469E-A542-79C532545CC2}"/>
-              </a:ext>
-            </a:extLst>
-          </p:cNvPr>
-          <p:cNvCxnSpPr>
-            <a:cxnSpLocks/>
-            <a:stCxn id="133" idx="3"/>
-            <a:endCxn id="106" idx="7"/>
-          </p:cNvCxnSpPr>
-          <p:nvPr/>
-        </p:nvCxnSpPr>
-        <p:spPr>
-          <a:xfrm flipH="1">
-            <a:off x="1758275" y="3059435"/>
-            <a:ext cx="2630256" cy="1241927"/>
-          </a:xfrm>
-          <a:prstGeom prst="straightConnector1">
-            <a:avLst/>
-          </a:prstGeom>
-          <a:ln>
-            <a:tailEnd type="triangle"/>
-          </a:ln>
-        </p:spPr>
-        <p:style>
-          <a:lnRef idx="1">
-            <a:schemeClr val="accent1"/>
-          </a:lnRef>
-          <a:fillRef idx="0">
-            <a:schemeClr val="accent1"/>
-          </a:fillRef>
-          <a:effectRef idx="0">
-            <a:schemeClr val="accent1"/>
-          </a:effectRef>
-          <a:fontRef idx="minor">
-            <a:schemeClr val="tx1"/>
-          </a:fontRef>
-        </p:style>
-      </p:cxnSp>
-      <p:sp>
-        <p:nvSpPr>
-          <p:cNvPr id="128" name="Oval 127">
-            <a:extLst>
-              <a:ext uri="{FF2B5EF4-FFF2-40B4-BE49-F238E27FC236}">
-                <a16:creationId xmlns:a16="http://schemas.microsoft.com/office/drawing/2014/main" id="{B432121E-2B3F-AB43-86EF-4F0B22D08ECD}"/>
-              </a:ext>
-            </a:extLst>
-          </p:cNvPr>
-          <p:cNvSpPr/>
-          <p:nvPr/>
-        </p:nvSpPr>
-        <p:spPr>
-          <a:xfrm>
-            <a:off x="35843" y="6050099"/>
-            <a:ext cx="2332604" cy="660949"/>
-          </a:xfrm>
-          <a:prstGeom prst="ellipse">
-            <a:avLst/>
-          </a:prstGeom>
-          <a:solidFill>
-            <a:schemeClr val="accent6"/>
-          </a:solidFill>
-        </p:spPr>
-        <p:style>
-          <a:lnRef idx="2">
-            <a:schemeClr val="dk1">
-              <a:shade val="50000"/>
-            </a:schemeClr>
-          </a:lnRef>
-          <a:fillRef idx="1">
-            <a:schemeClr val="dk1"/>
-          </a:fillRef>
-          <a:effectRef idx="0">
-            <a:schemeClr val="dk1"/>
-          </a:effectRef>
-          <a:fontRef idx="minor">
-            <a:schemeClr val="lt1"/>
-          </a:fontRef>
-        </p:style>
-        <p:txBody>
-          <a:bodyPr rtlCol="0" anchor="ctr"/>
-          <a:lstStyle/>
-          <a:p>
-            <a:pPr algn="ctr"/>
-            <a:r>
-              <a:rPr lang="en-US" sz="1600" dirty="0" err="1"/>
-              <a:t>PlaceGuideNodes</a:t>
-            </a:r>
-            <a:endParaRPr lang="en-US" sz="1600" dirty="0"/>
-          </a:p>
-        </p:txBody>
-      </p:sp>
-      <p:cxnSp>
-        <p:nvCxnSpPr>
-          <p:cNvPr id="129" name="Straight Arrow Connector 128">
-            <a:extLst>
-              <a:ext uri="{FF2B5EF4-FFF2-40B4-BE49-F238E27FC236}">
-                <a16:creationId xmlns:a16="http://schemas.microsoft.com/office/drawing/2014/main" id="{8E2DB243-842E-2B49-B974-F01674140B96}"/>
-              </a:ext>
-            </a:extLst>
-          </p:cNvPr>
-          <p:cNvCxnSpPr>
-            <a:cxnSpLocks/>
-            <a:stCxn id="100" idx="4"/>
-            <a:endCxn id="128" idx="0"/>
-          </p:cNvCxnSpPr>
-          <p:nvPr/>
-        </p:nvCxnSpPr>
-        <p:spPr>
-          <a:xfrm>
-            <a:off x="1037703" y="5720613"/>
-            <a:ext cx="164442" cy="329486"/>
-          </a:xfrm>
-          <a:prstGeom prst="straightConnector1">
-            <a:avLst/>
-          </a:prstGeom>
-          <a:ln>
-            <a:tailEnd type="triangle"/>
-          </a:ln>
+          <a:effectLst>
+            <a:outerShdw blurRad="50800" dist="38100" dir="2700000" algn="tl" rotWithShape="0">
+              <a:prstClr val="black">
+                <a:alpha val="40000"/>
+              </a:prstClr>
+            </a:outerShdw>
+          </a:effectLst>
         </p:spPr>
         <p:style>
           <a:lnRef idx="1">
@@ -5780,127 +4996,61 @@
       </p:cxnSp>
       <p:cxnSp>
         <p:nvCxnSpPr>
-          <p:cNvPr id="134" name="Straight Arrow Connector 133">
-            <a:extLst>
-              <a:ext uri="{FF2B5EF4-FFF2-40B4-BE49-F238E27FC236}">
-                <a16:creationId xmlns:a16="http://schemas.microsoft.com/office/drawing/2014/main" id="{4BA86BDF-086A-7947-81C5-77EDEFAB8286}"/>
+          <p:cNvPr id="88" name="Straight Arrow Connector 87">
+            <a:extLst>
+              <a:ext uri="{FF2B5EF4-FFF2-40B4-BE49-F238E27FC236}">
+                <a16:creationId xmlns:a16="http://schemas.microsoft.com/office/drawing/2014/main" id="{6F0F9F68-6923-FB49-93C6-47543DC7A724}"/>
               </a:ext>
             </a:extLst>
           </p:cNvPr>
           <p:cNvCxnSpPr>
             <a:cxnSpLocks/>
-            <a:stCxn id="74" idx="3"/>
-            <a:endCxn id="128" idx="7"/>
+            <a:stCxn id="48" idx="2"/>
+            <a:endCxn id="41" idx="3"/>
           </p:cNvCxnSpPr>
           <p:nvPr/>
         </p:nvCxnSpPr>
         <p:spPr>
           <a:xfrm flipH="1">
-            <a:off x="2026845" y="4319354"/>
-            <a:ext cx="2088556" cy="1827539"/>
+            <a:off x="2340582" y="476197"/>
+            <a:ext cx="2747913" cy="1670348"/>
           </a:xfrm>
           <a:prstGeom prst="straightConnector1">
             <a:avLst/>
           </a:prstGeom>
-          <a:ln>
+          <a:ln w="12700">
+            <a:gradFill>
+              <a:gsLst>
+                <a:gs pos="0">
+                  <a:srgbClr val="2F518F"/>
+                </a:gs>
+                <a:gs pos="99000">
+                  <a:schemeClr val="accent6"/>
+                </a:gs>
+                <a:gs pos="100000">
+                  <a:schemeClr val="accent1">
+                    <a:lumMod val="45000"/>
+                    <a:lumOff val="55000"/>
+                  </a:schemeClr>
+                </a:gs>
+                <a:gs pos="100000">
+                  <a:schemeClr val="accent1">
+                    <a:lumMod val="30000"/>
+                    <a:lumOff val="70000"/>
+                  </a:schemeClr>
+                </a:gs>
+              </a:gsLst>
+              <a:lin ang="5400000" scaled="1"/>
+            </a:gradFill>
             <a:tailEnd type="triangle"/>
           </a:ln>
-        </p:spPr>
-        <p:style>
-          <a:lnRef idx="1">
-            <a:schemeClr val="accent1"/>
-          </a:lnRef>
-          <a:fillRef idx="0">
-            <a:schemeClr val="accent1"/>
-          </a:fillRef>
-          <a:effectRef idx="0">
-            <a:schemeClr val="accent1"/>
-          </a:effectRef>
-          <a:fontRef idx="minor">
-            <a:schemeClr val="tx1"/>
-          </a:fontRef>
-        </p:style>
-      </p:cxnSp>
-      <p:sp>
-        <p:nvSpPr>
-          <p:cNvPr id="149" name="Oval 148">
-            <a:extLst>
-              <a:ext uri="{FF2B5EF4-FFF2-40B4-BE49-F238E27FC236}">
-                <a16:creationId xmlns:a16="http://schemas.microsoft.com/office/drawing/2014/main" id="{DB6687D0-0B94-DD4F-8227-9D5F8D0BCDA3}"/>
-              </a:ext>
-            </a:extLst>
-          </p:cNvPr>
-          <p:cNvSpPr/>
-          <p:nvPr/>
-        </p:nvSpPr>
-        <p:spPr>
-          <a:xfrm>
-            <a:off x="5213231" y="4950105"/>
-            <a:ext cx="1950370" cy="775517"/>
-          </a:xfrm>
-          <a:prstGeom prst="ellipse">
-            <a:avLst/>
-          </a:prstGeom>
-          <a:solidFill>
-            <a:schemeClr val="accent6"/>
-          </a:solidFill>
-        </p:spPr>
-        <p:style>
-          <a:lnRef idx="2">
-            <a:schemeClr val="dk1">
-              <a:shade val="50000"/>
-            </a:schemeClr>
-          </a:lnRef>
-          <a:fillRef idx="1">
-            <a:schemeClr val="dk1"/>
-          </a:fillRef>
-          <a:effectRef idx="0">
-            <a:schemeClr val="dk1"/>
-          </a:effectRef>
-          <a:fontRef idx="minor">
-            <a:schemeClr val="lt1"/>
-          </a:fontRef>
-        </p:style>
-        <p:txBody>
-          <a:bodyPr rtlCol="0" anchor="ctr"/>
-          <a:lstStyle/>
-          <a:p>
-            <a:pPr algn="ctr"/>
-            <a:r>
-              <a:rPr lang="en-US" sz="1600" dirty="0" err="1"/>
-              <a:t>ImprovePaths</a:t>
-            </a:r>
-            <a:endParaRPr lang="en-US" sz="1600" dirty="0"/>
-          </a:p>
-        </p:txBody>
-      </p:sp>
-      <p:cxnSp>
-        <p:nvCxnSpPr>
-          <p:cNvPr id="176" name="Straight Arrow Connector 175">
-            <a:extLst>
-              <a:ext uri="{FF2B5EF4-FFF2-40B4-BE49-F238E27FC236}">
-                <a16:creationId xmlns:a16="http://schemas.microsoft.com/office/drawing/2014/main" id="{2E37FF12-B66F-CB40-81ED-60F592DF11FB}"/>
-              </a:ext>
-            </a:extLst>
-          </p:cNvPr>
-          <p:cNvCxnSpPr>
-            <a:cxnSpLocks/>
-            <a:stCxn id="74" idx="5"/>
-            <a:endCxn id="149" idx="0"/>
-          </p:cNvCxnSpPr>
-          <p:nvPr/>
-        </p:nvCxnSpPr>
-        <p:spPr>
-          <a:xfrm>
-            <a:off x="5772098" y="4319354"/>
-            <a:ext cx="416318" cy="630751"/>
-          </a:xfrm>
-          <a:prstGeom prst="straightConnector1">
-            <a:avLst/>
-          </a:prstGeom>
-          <a:ln>
-            <a:tailEnd type="triangle"/>
-          </a:ln>
+          <a:effectLst>
+            <a:outerShdw blurRad="50800" dist="38100" dir="2700000" algn="tl" rotWithShape="0">
+              <a:prstClr val="black">
+                <a:alpha val="40000"/>
+              </a:prstClr>
+            </a:outerShdw>
+          </a:effectLst>
         </p:spPr>
         <p:style>
           <a:lnRef idx="1">
@@ -5919,31 +5069,41 @@
       </p:cxnSp>
       <p:cxnSp>
         <p:nvCxnSpPr>
-          <p:cNvPr id="195" name="Straight Arrow Connector 194">
-            <a:extLst>
-              <a:ext uri="{FF2B5EF4-FFF2-40B4-BE49-F238E27FC236}">
-                <a16:creationId xmlns:a16="http://schemas.microsoft.com/office/drawing/2014/main" id="{D8F4A381-6E62-A54A-8579-93640D266A1A}"/>
+          <p:cNvPr id="92" name="Straight Arrow Connector 91">
+            <a:extLst>
+              <a:ext uri="{FF2B5EF4-FFF2-40B4-BE49-F238E27FC236}">
+                <a16:creationId xmlns:a16="http://schemas.microsoft.com/office/drawing/2014/main" id="{FCE163DB-56CD-964B-A363-55CC5B9368E3}"/>
               </a:ext>
             </a:extLst>
           </p:cNvPr>
           <p:cNvCxnSpPr>
             <a:cxnSpLocks/>
-            <a:stCxn id="74" idx="5"/>
-            <a:endCxn id="80" idx="1"/>
+            <a:stCxn id="48" idx="2"/>
+            <a:endCxn id="49" idx="0"/>
           </p:cNvCxnSpPr>
           <p:nvPr/>
         </p:nvCxnSpPr>
         <p:spPr>
           <a:xfrm>
-            <a:off x="5772098" y="4319354"/>
-            <a:ext cx="2699193" cy="1376433"/>
+            <a:off x="5088495" y="476197"/>
+            <a:ext cx="1494116" cy="803175"/>
           </a:xfrm>
           <a:prstGeom prst="straightConnector1">
             <a:avLst/>
           </a:prstGeom>
-          <a:ln>
+          <a:ln w="12700">
+            <a:solidFill>
+              <a:srgbClr val="2F518F"/>
+            </a:solidFill>
             <a:tailEnd type="triangle"/>
           </a:ln>
+          <a:effectLst>
+            <a:outerShdw blurRad="50800" dist="38100" dir="2700000" algn="tl" rotWithShape="0">
+              <a:prstClr val="black">
+                <a:alpha val="40000"/>
+              </a:prstClr>
+            </a:outerShdw>
+          </a:effectLst>
         </p:spPr>
         <p:style>
           <a:lnRef idx="1">
@@ -5962,31 +5122,41 @@
       </p:cxnSp>
       <p:cxnSp>
         <p:nvCxnSpPr>
-          <p:cNvPr id="198" name="Straight Arrow Connector 197">
-            <a:extLst>
-              <a:ext uri="{FF2B5EF4-FFF2-40B4-BE49-F238E27FC236}">
-                <a16:creationId xmlns:a16="http://schemas.microsoft.com/office/drawing/2014/main" id="{36D17240-39B8-FF4E-B323-3CBB54EFFCC1}"/>
+          <p:cNvPr id="96" name="Straight Arrow Connector 95">
+            <a:extLst>
+              <a:ext uri="{FF2B5EF4-FFF2-40B4-BE49-F238E27FC236}">
+                <a16:creationId xmlns:a16="http://schemas.microsoft.com/office/drawing/2014/main" id="{2AB35E60-5877-6046-B41B-E346B5E4A5CC}"/>
               </a:ext>
             </a:extLst>
           </p:cNvPr>
           <p:cNvCxnSpPr>
             <a:cxnSpLocks/>
-            <a:stCxn id="133" idx="5"/>
-            <a:endCxn id="80" idx="0"/>
+            <a:stCxn id="49" idx="2"/>
+            <a:endCxn id="47" idx="0"/>
           </p:cNvCxnSpPr>
           <p:nvPr/>
         </p:nvCxnSpPr>
         <p:spPr>
-          <a:xfrm>
-            <a:off x="7368942" y="3059435"/>
-            <a:ext cx="1972617" cy="2489591"/>
+          <a:xfrm flipH="1">
+            <a:off x="6582610" y="1696701"/>
+            <a:ext cx="1" cy="277779"/>
           </a:xfrm>
           <a:prstGeom prst="straightConnector1">
             <a:avLst/>
           </a:prstGeom>
-          <a:ln>
+          <a:ln w="12700">
+            <a:solidFill>
+              <a:srgbClr val="2F518F"/>
+            </a:solidFill>
             <a:tailEnd type="triangle"/>
           </a:ln>
+          <a:effectLst>
+            <a:outerShdw blurRad="50800" dist="38100" dir="2700000" algn="tl" rotWithShape="0">
+              <a:prstClr val="black">
+                <a:alpha val="40000"/>
+              </a:prstClr>
+            </a:outerShdw>
+          </a:effectLst>
         </p:spPr>
         <p:style>
           <a:lnRef idx="1">
@@ -6005,31 +5175,41 @@
       </p:cxnSp>
       <p:cxnSp>
         <p:nvCxnSpPr>
-          <p:cNvPr id="40" name="Straight Arrow Connector 39">
-            <a:extLst>
-              <a:ext uri="{FF2B5EF4-FFF2-40B4-BE49-F238E27FC236}">
-                <a16:creationId xmlns:a16="http://schemas.microsoft.com/office/drawing/2014/main" id="{61F3621D-7A69-8946-96A5-1C44FA7EAC61}"/>
+          <p:cNvPr id="99" name="Straight Arrow Connector 98">
+            <a:extLst>
+              <a:ext uri="{FF2B5EF4-FFF2-40B4-BE49-F238E27FC236}">
+                <a16:creationId xmlns:a16="http://schemas.microsoft.com/office/drawing/2014/main" id="{44C2F289-F8ED-D44D-9ADD-449126D0D972}"/>
               </a:ext>
             </a:extLst>
           </p:cNvPr>
           <p:cNvCxnSpPr>
             <a:cxnSpLocks/>
-            <a:stCxn id="81" idx="6"/>
-            <a:endCxn id="80" idx="2"/>
+            <a:stCxn id="47" idx="2"/>
+            <a:endCxn id="50" idx="3"/>
           </p:cNvCxnSpPr>
           <p:nvPr/>
         </p:nvCxnSpPr>
         <p:spPr>
-          <a:xfrm flipV="1">
-            <a:off x="7427685" y="6050099"/>
-            <a:ext cx="683129" cy="263315"/>
+          <a:xfrm flipH="1">
+            <a:off x="5088495" y="2391809"/>
+            <a:ext cx="1494115" cy="456734"/>
           </a:xfrm>
           <a:prstGeom prst="straightConnector1">
             <a:avLst/>
           </a:prstGeom>
-          <a:ln>
+          <a:ln w="12700">
+            <a:solidFill>
+              <a:srgbClr val="2F518F"/>
+            </a:solidFill>
             <a:tailEnd type="triangle"/>
           </a:ln>
+          <a:effectLst>
+            <a:outerShdw blurRad="50800" dist="38100" dir="2700000" algn="tl" rotWithShape="0">
+              <a:prstClr val="black">
+                <a:alpha val="40000"/>
+              </a:prstClr>
+            </a:outerShdw>
+          </a:effectLst>
         </p:spPr>
         <p:style>
           <a:lnRef idx="1">
@@ -6048,31 +5228,41 @@
       </p:cxnSp>
       <p:cxnSp>
         <p:nvCxnSpPr>
-          <p:cNvPr id="38" name="Straight Arrow Connector 37">
-            <a:extLst>
-              <a:ext uri="{FF2B5EF4-FFF2-40B4-BE49-F238E27FC236}">
-                <a16:creationId xmlns:a16="http://schemas.microsoft.com/office/drawing/2014/main" id="{2551EE72-B669-3A47-86D9-7D5D7FC04DA0}"/>
+          <p:cNvPr id="102" name="Straight Arrow Connector 101">
+            <a:extLst>
+              <a:ext uri="{FF2B5EF4-FFF2-40B4-BE49-F238E27FC236}">
+                <a16:creationId xmlns:a16="http://schemas.microsoft.com/office/drawing/2014/main" id="{92F85578-C2CA-FD4A-B38E-ED86E352471D}"/>
               </a:ext>
             </a:extLst>
           </p:cNvPr>
           <p:cNvCxnSpPr>
             <a:cxnSpLocks/>
-            <a:stCxn id="32" idx="3"/>
-            <a:endCxn id="80" idx="7"/>
+            <a:stCxn id="47" idx="2"/>
+            <a:endCxn id="51" idx="0"/>
           </p:cNvCxnSpPr>
           <p:nvPr/>
         </p:nvCxnSpPr>
         <p:spPr>
-          <a:xfrm flipH="1">
-            <a:off x="10211826" y="5212953"/>
-            <a:ext cx="26631" cy="482834"/>
+          <a:xfrm>
+            <a:off x="6582610" y="2391809"/>
+            <a:ext cx="748386" cy="525848"/>
           </a:xfrm>
           <a:prstGeom prst="straightConnector1">
             <a:avLst/>
           </a:prstGeom>
-          <a:ln>
+          <a:ln w="12700">
+            <a:solidFill>
+              <a:srgbClr val="2F518F"/>
+            </a:solidFill>
             <a:tailEnd type="triangle"/>
           </a:ln>
+          <a:effectLst>
+            <a:outerShdw blurRad="50800" dist="38100" dir="2700000" algn="tl" rotWithShape="0">
+              <a:prstClr val="black">
+                <a:alpha val="40000"/>
+              </a:prstClr>
+            </a:outerShdw>
+          </a:effectLst>
         </p:spPr>
         <p:style>
           <a:lnRef idx="1">
@@ -6091,10 +5281,10 @@
       </p:cxnSp>
       <p:sp>
         <p:nvSpPr>
-          <p:cNvPr id="39" name="Oval 38">
-            <a:extLst>
-              <a:ext uri="{FF2B5EF4-FFF2-40B4-BE49-F238E27FC236}">
-                <a16:creationId xmlns:a16="http://schemas.microsoft.com/office/drawing/2014/main" id="{D8C4FA62-42A7-1D4D-843E-B450DC4D1706}"/>
+          <p:cNvPr id="87" name="Rounded Rectangle 86">
+            <a:extLst>
+              <a:ext uri="{FF2B5EF4-FFF2-40B4-BE49-F238E27FC236}">
+                <a16:creationId xmlns:a16="http://schemas.microsoft.com/office/drawing/2014/main" id="{E0B7BF7B-A5BE-B24B-AB37-E543F0C30F03}"/>
               </a:ext>
             </a:extLst>
           </p:cNvPr>
@@ -6103,27 +5293,35 @@
         </p:nvSpPr>
         <p:spPr>
           <a:xfrm>
-            <a:off x="3275712" y="4904804"/>
-            <a:ext cx="1813347" cy="775517"/>
-          </a:xfrm>
-          <a:prstGeom prst="ellipse">
+            <a:off x="2820427" y="3335719"/>
+            <a:ext cx="2268068" cy="417329"/>
+          </a:xfrm>
+          <a:prstGeom prst="roundRect">
             <a:avLst/>
           </a:prstGeom>
           <a:solidFill>
-            <a:schemeClr val="accent6"/>
+            <a:schemeClr val="bg1"/>
           </a:solidFill>
+          <a:ln w="19050"/>
+          <a:effectLst>
+            <a:outerShdw blurRad="50800" dist="38100" dir="2700000" algn="tl" rotWithShape="0">
+              <a:prstClr val="black">
+                <a:alpha val="40000"/>
+              </a:prstClr>
+            </a:outerShdw>
+          </a:effectLst>
         </p:spPr>
         <p:style>
           <a:lnRef idx="2">
-            <a:schemeClr val="dk1">
+            <a:schemeClr val="accent1">
               <a:shade val="50000"/>
             </a:schemeClr>
           </a:lnRef>
           <a:fillRef idx="1">
-            <a:schemeClr val="dk1"/>
+            <a:schemeClr val="accent1"/>
           </a:fillRef>
           <a:effectRef idx="0">
-            <a:schemeClr val="dk1"/>
+            <a:schemeClr val="accent1"/>
           </a:effectRef>
           <a:fontRef idx="minor">
             <a:schemeClr val="lt1"/>
@@ -6135,40 +5333,1514 @@
           <a:p>
             <a:pPr algn="ctr"/>
             <a:r>
-              <a:rPr lang="en-US" sz="1600" dirty="0" err="1"/>
-              <a:t>PlotPaths</a:t>
-            </a:r>
-            <a:endParaRPr lang="en-US" sz="1600" dirty="0"/>
+              <a:rPr lang="en-US" sz="1400" dirty="0">
+                <a:solidFill>
+                  <a:schemeClr val="tx1"/>
+                </a:solidFill>
+              </a:rPr>
+              <a:t>RandomPathsGenerator.m</a:t>
+            </a:r>
           </a:p>
         </p:txBody>
       </p:sp>
       <p:cxnSp>
         <p:nvCxnSpPr>
-          <p:cNvPr id="43" name="Straight Arrow Connector 42">
-            <a:extLst>
-              <a:ext uri="{FF2B5EF4-FFF2-40B4-BE49-F238E27FC236}">
-                <a16:creationId xmlns:a16="http://schemas.microsoft.com/office/drawing/2014/main" id="{C5D1C7E6-28A4-6E41-A3E0-CA32119B6250}"/>
+          <p:cNvPr id="89" name="Straight Arrow Connector 88">
+            <a:extLst>
+              <a:ext uri="{FF2B5EF4-FFF2-40B4-BE49-F238E27FC236}">
+                <a16:creationId xmlns:a16="http://schemas.microsoft.com/office/drawing/2014/main" id="{35CB1AB4-2ECA-4E42-BCD5-9CE829BE4BC6}"/>
               </a:ext>
             </a:extLst>
           </p:cNvPr>
           <p:cNvCxnSpPr>
             <a:cxnSpLocks/>
-            <a:stCxn id="74" idx="3"/>
-            <a:endCxn id="39" idx="0"/>
+            <a:stCxn id="47" idx="2"/>
+            <a:endCxn id="87" idx="3"/>
           </p:cNvCxnSpPr>
           <p:nvPr/>
         </p:nvCxnSpPr>
         <p:spPr>
-          <a:xfrm>
-            <a:off x="4115401" y="4319354"/>
-            <a:ext cx="66985" cy="585450"/>
+          <a:xfrm flipH="1">
+            <a:off x="5088495" y="2391809"/>
+            <a:ext cx="1494115" cy="1152575"/>
           </a:xfrm>
           <a:prstGeom prst="straightConnector1">
             <a:avLst/>
           </a:prstGeom>
-          <a:ln>
+          <a:ln w="12700">
+            <a:solidFill>
+              <a:srgbClr val="2F518F"/>
+            </a:solidFill>
             <a:tailEnd type="triangle"/>
           </a:ln>
+          <a:effectLst>
+            <a:outerShdw blurRad="50800" dist="38100" dir="2700000" algn="tl" rotWithShape="0">
+              <a:prstClr val="black">
+                <a:alpha val="40000"/>
+              </a:prstClr>
+            </a:outerShdw>
+          </a:effectLst>
+        </p:spPr>
+        <p:style>
+          <a:lnRef idx="1">
+            <a:schemeClr val="accent1"/>
+          </a:lnRef>
+          <a:fillRef idx="0">
+            <a:schemeClr val="accent1"/>
+          </a:fillRef>
+          <a:effectRef idx="0">
+            <a:schemeClr val="accent1"/>
+          </a:effectRef>
+          <a:fontRef idx="minor">
+            <a:schemeClr val="tx1"/>
+          </a:fontRef>
+        </p:style>
+      </p:cxnSp>
+      <p:sp>
+        <p:nvSpPr>
+          <p:cNvPr id="90" name="Rounded Rectangle 89">
+            <a:extLst>
+              <a:ext uri="{FF2B5EF4-FFF2-40B4-BE49-F238E27FC236}">
+                <a16:creationId xmlns:a16="http://schemas.microsoft.com/office/drawing/2014/main" id="{4CE1A648-66E2-D94D-AC75-8D0DC27A66FE}"/>
+              </a:ext>
+            </a:extLst>
+          </p:cNvPr>
+          <p:cNvSpPr/>
+          <p:nvPr/>
+        </p:nvSpPr>
+        <p:spPr>
+          <a:xfrm>
+            <a:off x="2820427" y="4031560"/>
+            <a:ext cx="2268068" cy="417329"/>
+          </a:xfrm>
+          <a:prstGeom prst="roundRect">
+            <a:avLst/>
+          </a:prstGeom>
+          <a:solidFill>
+            <a:schemeClr val="bg1"/>
+          </a:solidFill>
+          <a:ln w="19050"/>
+          <a:effectLst>
+            <a:outerShdw blurRad="50800" dist="38100" dir="2700000" algn="tl" rotWithShape="0">
+              <a:prstClr val="black">
+                <a:alpha val="40000"/>
+              </a:prstClr>
+            </a:outerShdw>
+          </a:effectLst>
+        </p:spPr>
+        <p:style>
+          <a:lnRef idx="2">
+            <a:schemeClr val="accent1">
+              <a:shade val="50000"/>
+            </a:schemeClr>
+          </a:lnRef>
+          <a:fillRef idx="1">
+            <a:schemeClr val="accent1"/>
+          </a:fillRef>
+          <a:effectRef idx="0">
+            <a:schemeClr val="accent1"/>
+          </a:effectRef>
+          <a:fontRef idx="minor">
+            <a:schemeClr val="lt1"/>
+          </a:fontRef>
+        </p:style>
+        <p:txBody>
+          <a:bodyPr rtlCol="0" anchor="ctr"/>
+          <a:lstStyle/>
+          <a:p>
+            <a:pPr algn="ctr"/>
+            <a:r>
+              <a:rPr lang="en-US" sz="1400" dirty="0">
+                <a:solidFill>
+                  <a:schemeClr val="tx1"/>
+                </a:solidFill>
+              </a:rPr>
+              <a:t>PlaceGuideNodes.m</a:t>
+            </a:r>
+          </a:p>
+        </p:txBody>
+      </p:sp>
+      <p:sp>
+        <p:nvSpPr>
+          <p:cNvPr id="97" name="Rounded Rectangle 96">
+            <a:extLst>
+              <a:ext uri="{FF2B5EF4-FFF2-40B4-BE49-F238E27FC236}">
+                <a16:creationId xmlns:a16="http://schemas.microsoft.com/office/drawing/2014/main" id="{A98CA3D0-ECE2-614A-BCCE-E2986C578FBE}"/>
+              </a:ext>
+            </a:extLst>
+          </p:cNvPr>
+          <p:cNvSpPr/>
+          <p:nvPr/>
+        </p:nvSpPr>
+        <p:spPr>
+          <a:xfrm>
+            <a:off x="9599064" y="3988817"/>
+            <a:ext cx="2268068" cy="417329"/>
+          </a:xfrm>
+          <a:prstGeom prst="roundRect">
+            <a:avLst/>
+          </a:prstGeom>
+          <a:solidFill>
+            <a:schemeClr val="bg1"/>
+          </a:solidFill>
+          <a:ln w="19050"/>
+          <a:effectLst>
+            <a:outerShdw blurRad="50800" dist="38100" dir="2700000" algn="tl" rotWithShape="0">
+              <a:prstClr val="black">
+                <a:alpha val="40000"/>
+              </a:prstClr>
+            </a:outerShdw>
+          </a:effectLst>
+        </p:spPr>
+        <p:style>
+          <a:lnRef idx="2">
+            <a:schemeClr val="accent1">
+              <a:shade val="50000"/>
+            </a:schemeClr>
+          </a:lnRef>
+          <a:fillRef idx="1">
+            <a:schemeClr val="accent1"/>
+          </a:fillRef>
+          <a:effectRef idx="0">
+            <a:schemeClr val="accent1"/>
+          </a:effectRef>
+          <a:fontRef idx="minor">
+            <a:schemeClr val="lt1"/>
+          </a:fontRef>
+        </p:style>
+        <p:txBody>
+          <a:bodyPr rtlCol="0" anchor="ctr"/>
+          <a:lstStyle/>
+          <a:p>
+            <a:pPr algn="ctr"/>
+            <a:r>
+              <a:rPr lang="en-US" sz="1400" dirty="0">
+                <a:solidFill>
+                  <a:schemeClr val="tx1"/>
+                </a:solidFill>
+              </a:rPr>
+              <a:t>PlotPaths.m</a:t>
+            </a:r>
+          </a:p>
+        </p:txBody>
+      </p:sp>
+      <p:sp>
+        <p:nvSpPr>
+          <p:cNvPr id="98" name="Rounded Rectangle 97">
+            <a:extLst>
+              <a:ext uri="{FF2B5EF4-FFF2-40B4-BE49-F238E27FC236}">
+                <a16:creationId xmlns:a16="http://schemas.microsoft.com/office/drawing/2014/main" id="{AFA78238-B011-6A43-94A1-8DD649B57150}"/>
+              </a:ext>
+            </a:extLst>
+          </p:cNvPr>
+          <p:cNvSpPr/>
+          <p:nvPr/>
+        </p:nvSpPr>
+        <p:spPr>
+          <a:xfrm>
+            <a:off x="8624189" y="5555577"/>
+            <a:ext cx="2268068" cy="417329"/>
+          </a:xfrm>
+          <a:prstGeom prst="roundRect">
+            <a:avLst/>
+          </a:prstGeom>
+          <a:solidFill>
+            <a:schemeClr val="bg1"/>
+          </a:solidFill>
+          <a:ln w="19050"/>
+          <a:effectLst>
+            <a:outerShdw blurRad="50800" dist="38100" dir="2700000" algn="tl" rotWithShape="0">
+              <a:prstClr val="black">
+                <a:alpha val="40000"/>
+              </a:prstClr>
+            </a:outerShdw>
+          </a:effectLst>
+        </p:spPr>
+        <p:style>
+          <a:lnRef idx="2">
+            <a:schemeClr val="accent1">
+              <a:shade val="50000"/>
+            </a:schemeClr>
+          </a:lnRef>
+          <a:fillRef idx="1">
+            <a:schemeClr val="accent1"/>
+          </a:fillRef>
+          <a:effectRef idx="0">
+            <a:schemeClr val="accent1"/>
+          </a:effectRef>
+          <a:fontRef idx="minor">
+            <a:schemeClr val="lt1"/>
+          </a:fontRef>
+        </p:style>
+        <p:txBody>
+          <a:bodyPr rtlCol="0" anchor="ctr"/>
+          <a:lstStyle/>
+          <a:p>
+            <a:pPr algn="ctr"/>
+            <a:r>
+              <a:rPr lang="en-US" sz="1400" dirty="0">
+                <a:solidFill>
+                  <a:schemeClr val="tx1"/>
+                </a:solidFill>
+              </a:rPr>
+              <a:t>EvalPaths.m</a:t>
+            </a:r>
+          </a:p>
+        </p:txBody>
+      </p:sp>
+      <p:sp>
+        <p:nvSpPr>
+          <p:cNvPr id="100" name="Rounded Rectangle 99">
+            <a:extLst>
+              <a:ext uri="{FF2B5EF4-FFF2-40B4-BE49-F238E27FC236}">
+                <a16:creationId xmlns:a16="http://schemas.microsoft.com/office/drawing/2014/main" id="{85256760-3708-B242-BFA4-DF1EBC818B34}"/>
+              </a:ext>
+            </a:extLst>
+          </p:cNvPr>
+          <p:cNvSpPr/>
+          <p:nvPr/>
+        </p:nvSpPr>
+        <p:spPr>
+          <a:xfrm>
+            <a:off x="5412502" y="4030827"/>
+            <a:ext cx="2268068" cy="417329"/>
+          </a:xfrm>
+          <a:prstGeom prst="roundRect">
+            <a:avLst/>
+          </a:prstGeom>
+          <a:solidFill>
+            <a:schemeClr val="bg1"/>
+          </a:solidFill>
+          <a:ln w="19050"/>
+          <a:effectLst>
+            <a:outerShdw blurRad="50800" dist="38100" dir="2700000" algn="tl" rotWithShape="0">
+              <a:prstClr val="black">
+                <a:alpha val="40000"/>
+              </a:prstClr>
+            </a:outerShdw>
+          </a:effectLst>
+        </p:spPr>
+        <p:style>
+          <a:lnRef idx="2">
+            <a:schemeClr val="accent1">
+              <a:shade val="50000"/>
+            </a:schemeClr>
+          </a:lnRef>
+          <a:fillRef idx="1">
+            <a:schemeClr val="accent1"/>
+          </a:fillRef>
+          <a:effectRef idx="0">
+            <a:schemeClr val="accent1"/>
+          </a:effectRef>
+          <a:fontRef idx="minor">
+            <a:schemeClr val="lt1"/>
+          </a:fontRef>
+        </p:style>
+        <p:txBody>
+          <a:bodyPr rtlCol="0" anchor="ctr"/>
+          <a:lstStyle/>
+          <a:p>
+            <a:pPr algn="ctr"/>
+            <a:r>
+              <a:rPr lang="en-US" sz="1400" dirty="0">
+                <a:solidFill>
+                  <a:schemeClr val="tx1"/>
+                </a:solidFill>
+              </a:rPr>
+              <a:t>ImprovePaths.m</a:t>
+            </a:r>
+          </a:p>
+        </p:txBody>
+      </p:sp>
+      <p:sp>
+        <p:nvSpPr>
+          <p:cNvPr id="101" name="Rounded Rectangle 100">
+            <a:extLst>
+              <a:ext uri="{FF2B5EF4-FFF2-40B4-BE49-F238E27FC236}">
+                <a16:creationId xmlns:a16="http://schemas.microsoft.com/office/drawing/2014/main" id="{B0B748E5-393E-E043-840C-73150BED7A35}"/>
+              </a:ext>
+            </a:extLst>
+          </p:cNvPr>
+          <p:cNvSpPr/>
+          <p:nvPr/>
+        </p:nvSpPr>
+        <p:spPr>
+          <a:xfrm>
+            <a:off x="6606067" y="4793202"/>
+            <a:ext cx="2268068" cy="417329"/>
+          </a:xfrm>
+          <a:prstGeom prst="roundRect">
+            <a:avLst/>
+          </a:prstGeom>
+          <a:solidFill>
+            <a:schemeClr val="bg1"/>
+          </a:solidFill>
+          <a:ln w="19050"/>
+          <a:effectLst>
+            <a:outerShdw blurRad="50800" dist="38100" dir="2700000" algn="tl" rotWithShape="0">
+              <a:prstClr val="black">
+                <a:alpha val="40000"/>
+              </a:prstClr>
+            </a:outerShdw>
+          </a:effectLst>
+        </p:spPr>
+        <p:style>
+          <a:lnRef idx="2">
+            <a:schemeClr val="accent1">
+              <a:shade val="50000"/>
+            </a:schemeClr>
+          </a:lnRef>
+          <a:fillRef idx="1">
+            <a:schemeClr val="accent1"/>
+          </a:fillRef>
+          <a:effectRef idx="0">
+            <a:schemeClr val="accent1"/>
+          </a:effectRef>
+          <a:fontRef idx="minor">
+            <a:schemeClr val="lt1"/>
+          </a:fontRef>
+        </p:style>
+        <p:txBody>
+          <a:bodyPr rtlCol="0" anchor="ctr"/>
+          <a:lstStyle/>
+          <a:p>
+            <a:pPr algn="ctr"/>
+            <a:r>
+              <a:rPr lang="en-US" sz="1400" dirty="0">
+                <a:solidFill>
+                  <a:schemeClr val="tx1"/>
+                </a:solidFill>
+              </a:rPr>
+              <a:t>ZigZag.m</a:t>
+            </a:r>
+          </a:p>
+        </p:txBody>
+      </p:sp>
+      <p:sp>
+        <p:nvSpPr>
+          <p:cNvPr id="103" name="Rounded Rectangle 102">
+            <a:extLst>
+              <a:ext uri="{FF2B5EF4-FFF2-40B4-BE49-F238E27FC236}">
+                <a16:creationId xmlns:a16="http://schemas.microsoft.com/office/drawing/2014/main" id="{A6B89E8F-5D37-7446-9298-4EAF2D830D82}"/>
+              </a:ext>
+            </a:extLst>
+          </p:cNvPr>
+          <p:cNvSpPr/>
+          <p:nvPr/>
+        </p:nvSpPr>
+        <p:spPr>
+          <a:xfrm>
+            <a:off x="4231904" y="4793202"/>
+            <a:ext cx="2268068" cy="417329"/>
+          </a:xfrm>
+          <a:prstGeom prst="roundRect">
+            <a:avLst/>
+          </a:prstGeom>
+          <a:solidFill>
+            <a:schemeClr val="bg1"/>
+          </a:solidFill>
+          <a:ln w="19050"/>
+          <a:effectLst>
+            <a:outerShdw blurRad="50800" dist="38100" dir="2700000" algn="tl" rotWithShape="0">
+              <a:prstClr val="black">
+                <a:alpha val="40000"/>
+              </a:prstClr>
+            </a:outerShdw>
+          </a:effectLst>
+        </p:spPr>
+        <p:style>
+          <a:lnRef idx="2">
+            <a:schemeClr val="accent1">
+              <a:shade val="50000"/>
+            </a:schemeClr>
+          </a:lnRef>
+          <a:fillRef idx="1">
+            <a:schemeClr val="accent1"/>
+          </a:fillRef>
+          <a:effectRef idx="0">
+            <a:schemeClr val="accent1"/>
+          </a:effectRef>
+          <a:fontRef idx="minor">
+            <a:schemeClr val="lt1"/>
+          </a:fontRef>
+        </p:style>
+        <p:txBody>
+          <a:bodyPr rtlCol="0" anchor="ctr"/>
+          <a:lstStyle/>
+          <a:p>
+            <a:pPr algn="ctr"/>
+            <a:r>
+              <a:rPr lang="en-US" sz="1400" dirty="0">
+                <a:solidFill>
+                  <a:schemeClr val="tx1"/>
+                </a:solidFill>
+              </a:rPr>
+              <a:t>SmoothPaths.m</a:t>
+            </a:r>
+          </a:p>
+        </p:txBody>
+      </p:sp>
+      <p:sp>
+        <p:nvSpPr>
+          <p:cNvPr id="104" name="Rounded Rectangle 103">
+            <a:extLst>
+              <a:ext uri="{FF2B5EF4-FFF2-40B4-BE49-F238E27FC236}">
+                <a16:creationId xmlns:a16="http://schemas.microsoft.com/office/drawing/2014/main" id="{95D7A7DB-35AB-CE4F-9CD9-F7D219CE6DAF}"/>
+              </a:ext>
+            </a:extLst>
+          </p:cNvPr>
+          <p:cNvSpPr/>
+          <p:nvPr/>
+        </p:nvSpPr>
+        <p:spPr>
+          <a:xfrm>
+            <a:off x="9599064" y="2321937"/>
+            <a:ext cx="2268068" cy="417329"/>
+          </a:xfrm>
+          <a:prstGeom prst="roundRect">
+            <a:avLst/>
+          </a:prstGeom>
+          <a:solidFill>
+            <a:schemeClr val="bg1"/>
+          </a:solidFill>
+          <a:ln w="19050"/>
+          <a:effectLst>
+            <a:outerShdw blurRad="50800" dist="38100" dir="2700000" algn="tl" rotWithShape="0">
+              <a:prstClr val="black">
+                <a:alpha val="40000"/>
+              </a:prstClr>
+            </a:outerShdw>
+          </a:effectLst>
+        </p:spPr>
+        <p:style>
+          <a:lnRef idx="2">
+            <a:schemeClr val="accent1">
+              <a:shade val="50000"/>
+            </a:schemeClr>
+          </a:lnRef>
+          <a:fillRef idx="1">
+            <a:schemeClr val="accent1"/>
+          </a:fillRef>
+          <a:effectRef idx="0">
+            <a:schemeClr val="accent1"/>
+          </a:effectRef>
+          <a:fontRef idx="minor">
+            <a:schemeClr val="lt1"/>
+          </a:fontRef>
+        </p:style>
+        <p:txBody>
+          <a:bodyPr rtlCol="0" anchor="ctr"/>
+          <a:lstStyle/>
+          <a:p>
+            <a:pPr algn="ctr"/>
+            <a:r>
+              <a:rPr lang="en-US" sz="1400" dirty="0">
+                <a:solidFill>
+                  <a:schemeClr val="tx1"/>
+                </a:solidFill>
+              </a:rPr>
+              <a:t>Annealing.m</a:t>
+            </a:r>
+          </a:p>
+        </p:txBody>
+      </p:sp>
+      <p:sp>
+        <p:nvSpPr>
+          <p:cNvPr id="105" name="Rounded Rectangle 104">
+            <a:extLst>
+              <a:ext uri="{FF2B5EF4-FFF2-40B4-BE49-F238E27FC236}">
+                <a16:creationId xmlns:a16="http://schemas.microsoft.com/office/drawing/2014/main" id="{8A4CC17D-3DEC-7944-864C-D5D85A614ACB}"/>
+              </a:ext>
+            </a:extLst>
+          </p:cNvPr>
+          <p:cNvSpPr/>
+          <p:nvPr/>
+        </p:nvSpPr>
+        <p:spPr>
+          <a:xfrm>
+            <a:off x="9599064" y="2848542"/>
+            <a:ext cx="2268068" cy="417329"/>
+          </a:xfrm>
+          <a:prstGeom prst="roundRect">
+            <a:avLst/>
+          </a:prstGeom>
+          <a:solidFill>
+            <a:schemeClr val="bg1"/>
+          </a:solidFill>
+          <a:ln w="19050"/>
+          <a:effectLst>
+            <a:outerShdw blurRad="50800" dist="38100" dir="2700000" algn="tl" rotWithShape="0">
+              <a:prstClr val="black">
+                <a:alpha val="40000"/>
+              </a:prstClr>
+            </a:outerShdw>
+          </a:effectLst>
+        </p:spPr>
+        <p:style>
+          <a:lnRef idx="2">
+            <a:schemeClr val="accent1">
+              <a:shade val="50000"/>
+            </a:schemeClr>
+          </a:lnRef>
+          <a:fillRef idx="1">
+            <a:schemeClr val="accent1"/>
+          </a:fillRef>
+          <a:effectRef idx="0">
+            <a:schemeClr val="accent1"/>
+          </a:effectRef>
+          <a:fontRef idx="minor">
+            <a:schemeClr val="lt1"/>
+          </a:fontRef>
+        </p:style>
+        <p:txBody>
+          <a:bodyPr rtlCol="0" anchor="ctr"/>
+          <a:lstStyle/>
+          <a:p>
+            <a:pPr algn="ctr"/>
+            <a:r>
+              <a:rPr lang="en-US" sz="1400" dirty="0">
+                <a:solidFill>
+                  <a:schemeClr val="tx1"/>
+                </a:solidFill>
+              </a:rPr>
+              <a:t>BridgeBands.m</a:t>
+            </a:r>
+          </a:p>
+        </p:txBody>
+      </p:sp>
+      <p:sp>
+        <p:nvSpPr>
+          <p:cNvPr id="106" name="Rounded Rectangle 105">
+            <a:extLst>
+              <a:ext uri="{FF2B5EF4-FFF2-40B4-BE49-F238E27FC236}">
+                <a16:creationId xmlns:a16="http://schemas.microsoft.com/office/drawing/2014/main" id="{E543641F-7B84-C545-8B2F-AC4AAD551C05}"/>
+              </a:ext>
+            </a:extLst>
+          </p:cNvPr>
+          <p:cNvSpPr/>
+          <p:nvPr/>
+        </p:nvSpPr>
+        <p:spPr>
+          <a:xfrm>
+            <a:off x="5513741" y="5561835"/>
+            <a:ext cx="2268068" cy="417329"/>
+          </a:xfrm>
+          <a:prstGeom prst="roundRect">
+            <a:avLst/>
+          </a:prstGeom>
+          <a:solidFill>
+            <a:schemeClr val="bg1"/>
+          </a:solidFill>
+          <a:ln w="19050"/>
+          <a:effectLst>
+            <a:outerShdw blurRad="50800" dist="38100" dir="2700000" algn="tl" rotWithShape="0">
+              <a:prstClr val="black">
+                <a:alpha val="40000"/>
+              </a:prstClr>
+            </a:outerShdw>
+          </a:effectLst>
+        </p:spPr>
+        <p:style>
+          <a:lnRef idx="2">
+            <a:schemeClr val="accent1">
+              <a:shade val="50000"/>
+            </a:schemeClr>
+          </a:lnRef>
+          <a:fillRef idx="1">
+            <a:schemeClr val="accent1"/>
+          </a:fillRef>
+          <a:effectRef idx="0">
+            <a:schemeClr val="accent1"/>
+          </a:effectRef>
+          <a:fontRef idx="minor">
+            <a:schemeClr val="lt1"/>
+          </a:fontRef>
+        </p:style>
+        <p:txBody>
+          <a:bodyPr rtlCol="0" anchor="ctr"/>
+          <a:lstStyle/>
+          <a:p>
+            <a:pPr algn="ctr"/>
+            <a:r>
+              <a:rPr lang="en-US" sz="1400" dirty="0">
+                <a:solidFill>
+                  <a:schemeClr val="tx1"/>
+                </a:solidFill>
+              </a:rPr>
+              <a:t>CompletePath.m</a:t>
+            </a:r>
+          </a:p>
+        </p:txBody>
+      </p:sp>
+      <p:sp>
+        <p:nvSpPr>
+          <p:cNvPr id="107" name="Rounded Rectangle 106">
+            <a:extLst>
+              <a:ext uri="{FF2B5EF4-FFF2-40B4-BE49-F238E27FC236}">
+                <a16:creationId xmlns:a16="http://schemas.microsoft.com/office/drawing/2014/main" id="{38AC1D0A-4A2F-D849-97B1-0B4EF11863E4}"/>
+              </a:ext>
+            </a:extLst>
+          </p:cNvPr>
+          <p:cNvSpPr/>
+          <p:nvPr/>
+        </p:nvSpPr>
+        <p:spPr>
+          <a:xfrm>
+            <a:off x="9599064" y="3371402"/>
+            <a:ext cx="2268068" cy="417329"/>
+          </a:xfrm>
+          <a:prstGeom prst="roundRect">
+            <a:avLst/>
+          </a:prstGeom>
+          <a:solidFill>
+            <a:schemeClr val="bg1"/>
+          </a:solidFill>
+          <a:ln w="19050"/>
+          <a:effectLst>
+            <a:outerShdw blurRad="50800" dist="38100" dir="2700000" algn="tl" rotWithShape="0">
+              <a:prstClr val="black">
+                <a:alpha val="40000"/>
+              </a:prstClr>
+            </a:outerShdw>
+          </a:effectLst>
+        </p:spPr>
+        <p:style>
+          <a:lnRef idx="2">
+            <a:schemeClr val="accent1">
+              <a:shade val="50000"/>
+            </a:schemeClr>
+          </a:lnRef>
+          <a:fillRef idx="1">
+            <a:schemeClr val="accent1"/>
+          </a:fillRef>
+          <a:effectRef idx="0">
+            <a:schemeClr val="accent1"/>
+          </a:effectRef>
+          <a:fontRef idx="minor">
+            <a:schemeClr val="lt1"/>
+          </a:fontRef>
+        </p:style>
+        <p:txBody>
+          <a:bodyPr rtlCol="0" anchor="ctr"/>
+          <a:lstStyle/>
+          <a:p>
+            <a:pPr algn="ctr"/>
+            <a:r>
+              <a:rPr lang="en-US" sz="1400" dirty="0">
+                <a:solidFill>
+                  <a:schemeClr val="tx1"/>
+                </a:solidFill>
+              </a:rPr>
+              <a:t>plotAcceptance.m</a:t>
+            </a:r>
+          </a:p>
+        </p:txBody>
+      </p:sp>
+      <p:sp>
+        <p:nvSpPr>
+          <p:cNvPr id="108" name="Rounded Rectangle 107">
+            <a:extLst>
+              <a:ext uri="{FF2B5EF4-FFF2-40B4-BE49-F238E27FC236}">
+                <a16:creationId xmlns:a16="http://schemas.microsoft.com/office/drawing/2014/main" id="{CC685F9F-DB93-AA42-A5EB-A6B449826279}"/>
+              </a:ext>
+            </a:extLst>
+          </p:cNvPr>
+          <p:cNvSpPr/>
+          <p:nvPr/>
+        </p:nvSpPr>
+        <p:spPr>
+          <a:xfrm>
+            <a:off x="9599064" y="4606232"/>
+            <a:ext cx="2268068" cy="417329"/>
+          </a:xfrm>
+          <a:prstGeom prst="roundRect">
+            <a:avLst/>
+          </a:prstGeom>
+          <a:solidFill>
+            <a:schemeClr val="bg1"/>
+          </a:solidFill>
+          <a:ln w="19050"/>
+          <a:effectLst>
+            <a:outerShdw blurRad="50800" dist="38100" dir="2700000" algn="tl" rotWithShape="0">
+              <a:prstClr val="black">
+                <a:alpha val="40000"/>
+              </a:prstClr>
+            </a:outerShdw>
+          </a:effectLst>
+        </p:spPr>
+        <p:style>
+          <a:lnRef idx="2">
+            <a:schemeClr val="accent1">
+              <a:shade val="50000"/>
+            </a:schemeClr>
+          </a:lnRef>
+          <a:fillRef idx="1">
+            <a:schemeClr val="accent1"/>
+          </a:fillRef>
+          <a:effectRef idx="0">
+            <a:schemeClr val="accent1"/>
+          </a:effectRef>
+          <a:fontRef idx="minor">
+            <a:schemeClr val="lt1"/>
+          </a:fontRef>
+        </p:style>
+        <p:txBody>
+          <a:bodyPr rtlCol="0" anchor="ctr"/>
+          <a:lstStyle/>
+          <a:p>
+            <a:pPr algn="ctr"/>
+            <a:r>
+              <a:rPr lang="en-US" sz="1400" dirty="0">
+                <a:solidFill>
+                  <a:schemeClr val="tx1"/>
+                </a:solidFill>
+              </a:rPr>
+              <a:t>plotEval.m</a:t>
+            </a:r>
+          </a:p>
+        </p:txBody>
+      </p:sp>
+      <p:sp>
+        <p:nvSpPr>
+          <p:cNvPr id="109" name="Rounded Rectangle 108">
+            <a:extLst>
+              <a:ext uri="{FF2B5EF4-FFF2-40B4-BE49-F238E27FC236}">
+                <a16:creationId xmlns:a16="http://schemas.microsoft.com/office/drawing/2014/main" id="{4AE71706-3CCB-BA46-AC41-56283383B146}"/>
+              </a:ext>
+            </a:extLst>
+          </p:cNvPr>
+          <p:cNvSpPr/>
+          <p:nvPr/>
+        </p:nvSpPr>
+        <p:spPr>
+          <a:xfrm>
+            <a:off x="2667876" y="6077853"/>
+            <a:ext cx="2268068" cy="417329"/>
+          </a:xfrm>
+          <a:prstGeom prst="roundRect">
+            <a:avLst/>
+          </a:prstGeom>
+          <a:solidFill>
+            <a:schemeClr val="bg1"/>
+          </a:solidFill>
+          <a:ln w="19050">
+            <a:solidFill>
+              <a:schemeClr val="accent2"/>
+            </a:solidFill>
+          </a:ln>
+          <a:effectLst>
+            <a:outerShdw blurRad="50800" dist="38100" dir="2700000" algn="tl" rotWithShape="0">
+              <a:prstClr val="black">
+                <a:alpha val="40000"/>
+              </a:prstClr>
+            </a:outerShdw>
+          </a:effectLst>
+        </p:spPr>
+        <p:style>
+          <a:lnRef idx="2">
+            <a:schemeClr val="accent1">
+              <a:shade val="50000"/>
+            </a:schemeClr>
+          </a:lnRef>
+          <a:fillRef idx="1">
+            <a:schemeClr val="accent1"/>
+          </a:fillRef>
+          <a:effectRef idx="0">
+            <a:schemeClr val="accent1"/>
+          </a:effectRef>
+          <a:fontRef idx="minor">
+            <a:schemeClr val="lt1"/>
+          </a:fontRef>
+        </p:style>
+        <p:txBody>
+          <a:bodyPr rtlCol="0" anchor="ctr"/>
+          <a:lstStyle/>
+          <a:p>
+            <a:pPr algn="ctr"/>
+            <a:r>
+              <a:rPr lang="en-US" sz="1400" dirty="0">
+                <a:solidFill>
+                  <a:schemeClr val="tx1"/>
+                </a:solidFill>
+              </a:rPr>
+              <a:t>Validation_User_paths_evaluation.m</a:t>
+            </a:r>
+          </a:p>
+        </p:txBody>
+      </p:sp>
+      <p:cxnSp>
+        <p:nvCxnSpPr>
+          <p:cNvPr id="110" name="Straight Arrow Connector 109">
+            <a:extLst>
+              <a:ext uri="{FF2B5EF4-FFF2-40B4-BE49-F238E27FC236}">
+                <a16:creationId xmlns:a16="http://schemas.microsoft.com/office/drawing/2014/main" id="{6F04E5F8-9E77-DA4C-ABF2-20A3714DFB4B}"/>
+              </a:ext>
+            </a:extLst>
+          </p:cNvPr>
+          <p:cNvCxnSpPr>
+            <a:cxnSpLocks/>
+            <a:stCxn id="87" idx="2"/>
+            <a:endCxn id="90" idx="0"/>
+          </p:cNvCxnSpPr>
+          <p:nvPr/>
+        </p:nvCxnSpPr>
+        <p:spPr>
+          <a:xfrm>
+            <a:off x="3954461" y="3753048"/>
+            <a:ext cx="0" cy="278512"/>
+          </a:xfrm>
+          <a:prstGeom prst="straightConnector1">
+            <a:avLst/>
+          </a:prstGeom>
+          <a:ln w="12700">
+            <a:solidFill>
+              <a:srgbClr val="2F518F"/>
+            </a:solidFill>
+            <a:tailEnd type="triangle"/>
+          </a:ln>
+          <a:effectLst>
+            <a:outerShdw blurRad="50800" dist="38100" dir="2700000" algn="tl" rotWithShape="0">
+              <a:prstClr val="black">
+                <a:alpha val="40000"/>
+              </a:prstClr>
+            </a:outerShdw>
+          </a:effectLst>
+        </p:spPr>
+        <p:style>
+          <a:lnRef idx="1">
+            <a:schemeClr val="accent1"/>
+          </a:lnRef>
+          <a:fillRef idx="0">
+            <a:schemeClr val="accent1"/>
+          </a:fillRef>
+          <a:effectRef idx="0">
+            <a:schemeClr val="accent1"/>
+          </a:effectRef>
+          <a:fontRef idx="minor">
+            <a:schemeClr val="tx1"/>
+          </a:fontRef>
+        </p:style>
+      </p:cxnSp>
+      <p:cxnSp>
+        <p:nvCxnSpPr>
+          <p:cNvPr id="111" name="Straight Arrow Connector 110">
+            <a:extLst>
+              <a:ext uri="{FF2B5EF4-FFF2-40B4-BE49-F238E27FC236}">
+                <a16:creationId xmlns:a16="http://schemas.microsoft.com/office/drawing/2014/main" id="{AC7E1177-A2F6-9B40-A0BF-20F88B4B9764}"/>
+              </a:ext>
+            </a:extLst>
+          </p:cNvPr>
+          <p:cNvCxnSpPr>
+            <a:cxnSpLocks/>
+            <a:stCxn id="51" idx="1"/>
+            <a:endCxn id="90" idx="3"/>
+          </p:cNvCxnSpPr>
+          <p:nvPr/>
+        </p:nvCxnSpPr>
+        <p:spPr>
+          <a:xfrm flipH="1">
+            <a:off x="5088495" y="3126322"/>
+            <a:ext cx="1108467" cy="1113903"/>
+          </a:xfrm>
+          <a:prstGeom prst="straightConnector1">
+            <a:avLst/>
+          </a:prstGeom>
+          <a:ln w="12700">
+            <a:solidFill>
+              <a:srgbClr val="2F518F"/>
+            </a:solidFill>
+            <a:tailEnd type="triangle"/>
+          </a:ln>
+          <a:effectLst>
+            <a:outerShdw blurRad="50800" dist="38100" dir="2700000" algn="tl" rotWithShape="0">
+              <a:prstClr val="black">
+                <a:alpha val="40000"/>
+              </a:prstClr>
+            </a:outerShdw>
+          </a:effectLst>
+        </p:spPr>
+        <p:style>
+          <a:lnRef idx="1">
+            <a:schemeClr val="accent1"/>
+          </a:lnRef>
+          <a:fillRef idx="0">
+            <a:schemeClr val="accent1"/>
+          </a:fillRef>
+          <a:effectRef idx="0">
+            <a:schemeClr val="accent1"/>
+          </a:effectRef>
+          <a:fontRef idx="minor">
+            <a:schemeClr val="tx1"/>
+          </a:fontRef>
+        </p:style>
+      </p:cxnSp>
+      <p:cxnSp>
+        <p:nvCxnSpPr>
+          <p:cNvPr id="114" name="Straight Arrow Connector 113">
+            <a:extLst>
+              <a:ext uri="{FF2B5EF4-FFF2-40B4-BE49-F238E27FC236}">
+                <a16:creationId xmlns:a16="http://schemas.microsoft.com/office/drawing/2014/main" id="{BBD062C5-E905-494B-8716-986791A1EA87}"/>
+              </a:ext>
+            </a:extLst>
+          </p:cNvPr>
+          <p:cNvCxnSpPr>
+            <a:cxnSpLocks/>
+            <a:stCxn id="51" idx="2"/>
+            <a:endCxn id="97" idx="1"/>
+          </p:cNvCxnSpPr>
+          <p:nvPr/>
+        </p:nvCxnSpPr>
+        <p:spPr>
+          <a:xfrm>
+            <a:off x="7330996" y="3334986"/>
+            <a:ext cx="2268068" cy="862496"/>
+          </a:xfrm>
+          <a:prstGeom prst="straightConnector1">
+            <a:avLst/>
+          </a:prstGeom>
+          <a:ln w="12700">
+            <a:solidFill>
+              <a:srgbClr val="2F518F"/>
+            </a:solidFill>
+            <a:tailEnd type="triangle"/>
+          </a:ln>
+          <a:effectLst>
+            <a:outerShdw blurRad="50800" dist="38100" dir="2700000" algn="tl" rotWithShape="0">
+              <a:prstClr val="black">
+                <a:alpha val="40000"/>
+              </a:prstClr>
+            </a:outerShdw>
+          </a:effectLst>
+        </p:spPr>
+        <p:style>
+          <a:lnRef idx="1">
+            <a:schemeClr val="accent1"/>
+          </a:lnRef>
+          <a:fillRef idx="0">
+            <a:schemeClr val="accent1"/>
+          </a:fillRef>
+          <a:effectRef idx="0">
+            <a:schemeClr val="accent1"/>
+          </a:effectRef>
+          <a:fontRef idx="minor">
+            <a:schemeClr val="tx1"/>
+          </a:fontRef>
+        </p:style>
+      </p:cxnSp>
+      <p:cxnSp>
+        <p:nvCxnSpPr>
+          <p:cNvPr id="117" name="Straight Arrow Connector 116">
+            <a:extLst>
+              <a:ext uri="{FF2B5EF4-FFF2-40B4-BE49-F238E27FC236}">
+                <a16:creationId xmlns:a16="http://schemas.microsoft.com/office/drawing/2014/main" id="{94CE6A83-A1D7-814F-9202-3427588C5531}"/>
+              </a:ext>
+            </a:extLst>
+          </p:cNvPr>
+          <p:cNvCxnSpPr>
+            <a:cxnSpLocks/>
+            <a:stCxn id="51" idx="2"/>
+            <a:endCxn id="108" idx="1"/>
+          </p:cNvCxnSpPr>
+          <p:nvPr/>
+        </p:nvCxnSpPr>
+        <p:spPr>
+          <a:xfrm>
+            <a:off x="7330996" y="3334986"/>
+            <a:ext cx="2268068" cy="1479911"/>
+          </a:xfrm>
+          <a:prstGeom prst="straightConnector1">
+            <a:avLst/>
+          </a:prstGeom>
+          <a:ln w="12700">
+            <a:solidFill>
+              <a:srgbClr val="2F518F"/>
+            </a:solidFill>
+            <a:tailEnd type="triangle"/>
+          </a:ln>
+          <a:effectLst>
+            <a:outerShdw blurRad="50800" dist="38100" dir="2700000" algn="tl" rotWithShape="0">
+              <a:prstClr val="black">
+                <a:alpha val="40000"/>
+              </a:prstClr>
+            </a:outerShdw>
+          </a:effectLst>
+        </p:spPr>
+        <p:style>
+          <a:lnRef idx="1">
+            <a:schemeClr val="accent1"/>
+          </a:lnRef>
+          <a:fillRef idx="0">
+            <a:schemeClr val="accent1"/>
+          </a:fillRef>
+          <a:effectRef idx="0">
+            <a:schemeClr val="accent1"/>
+          </a:effectRef>
+          <a:fontRef idx="minor">
+            <a:schemeClr val="tx1"/>
+          </a:fontRef>
+        </p:style>
+      </p:cxnSp>
+      <p:cxnSp>
+        <p:nvCxnSpPr>
+          <p:cNvPr id="120" name="Straight Arrow Connector 119">
+            <a:extLst>
+              <a:ext uri="{FF2B5EF4-FFF2-40B4-BE49-F238E27FC236}">
+                <a16:creationId xmlns:a16="http://schemas.microsoft.com/office/drawing/2014/main" id="{2BEE1159-1927-594B-B5FD-E086F1D3AD84}"/>
+              </a:ext>
+            </a:extLst>
+          </p:cNvPr>
+          <p:cNvCxnSpPr>
+            <a:cxnSpLocks/>
+            <a:stCxn id="51" idx="2"/>
+            <a:endCxn id="107" idx="1"/>
+          </p:cNvCxnSpPr>
+          <p:nvPr/>
+        </p:nvCxnSpPr>
+        <p:spPr>
+          <a:xfrm>
+            <a:off x="7330996" y="3334986"/>
+            <a:ext cx="2268068" cy="245081"/>
+          </a:xfrm>
+          <a:prstGeom prst="straightConnector1">
+            <a:avLst/>
+          </a:prstGeom>
+          <a:ln w="12700">
+            <a:solidFill>
+              <a:srgbClr val="2F518F"/>
+            </a:solidFill>
+            <a:tailEnd type="triangle"/>
+          </a:ln>
+          <a:effectLst>
+            <a:outerShdw blurRad="50800" dist="38100" dir="2700000" algn="tl" rotWithShape="0">
+              <a:prstClr val="black">
+                <a:alpha val="40000"/>
+              </a:prstClr>
+            </a:outerShdw>
+          </a:effectLst>
+        </p:spPr>
+        <p:style>
+          <a:lnRef idx="1">
+            <a:schemeClr val="accent1"/>
+          </a:lnRef>
+          <a:fillRef idx="0">
+            <a:schemeClr val="accent1"/>
+          </a:fillRef>
+          <a:effectRef idx="0">
+            <a:schemeClr val="accent1"/>
+          </a:effectRef>
+          <a:fontRef idx="minor">
+            <a:schemeClr val="tx1"/>
+          </a:fontRef>
+        </p:style>
+      </p:cxnSp>
+      <p:cxnSp>
+        <p:nvCxnSpPr>
+          <p:cNvPr id="123" name="Straight Arrow Connector 122">
+            <a:extLst>
+              <a:ext uri="{FF2B5EF4-FFF2-40B4-BE49-F238E27FC236}">
+                <a16:creationId xmlns:a16="http://schemas.microsoft.com/office/drawing/2014/main" id="{47BCF972-4268-A146-B1BA-DED15DA3BD7B}"/>
+              </a:ext>
+            </a:extLst>
+          </p:cNvPr>
+          <p:cNvCxnSpPr>
+            <a:cxnSpLocks/>
+            <a:stCxn id="51" idx="2"/>
+            <a:endCxn id="100" idx="0"/>
+          </p:cNvCxnSpPr>
+          <p:nvPr/>
+        </p:nvCxnSpPr>
+        <p:spPr>
+          <a:xfrm flipH="1">
+            <a:off x="6546536" y="3334986"/>
+            <a:ext cx="784460" cy="695841"/>
+          </a:xfrm>
+          <a:prstGeom prst="straightConnector1">
+            <a:avLst/>
+          </a:prstGeom>
+          <a:ln w="12700">
+            <a:solidFill>
+              <a:srgbClr val="2F518F"/>
+            </a:solidFill>
+            <a:tailEnd type="triangle"/>
+          </a:ln>
+          <a:effectLst>
+            <a:outerShdw blurRad="50800" dist="38100" dir="2700000" algn="tl" rotWithShape="0">
+              <a:prstClr val="black">
+                <a:alpha val="40000"/>
+              </a:prstClr>
+            </a:outerShdw>
+          </a:effectLst>
+        </p:spPr>
+        <p:style>
+          <a:lnRef idx="1">
+            <a:schemeClr val="accent1"/>
+          </a:lnRef>
+          <a:fillRef idx="0">
+            <a:schemeClr val="accent1"/>
+          </a:fillRef>
+          <a:effectRef idx="0">
+            <a:schemeClr val="accent1"/>
+          </a:effectRef>
+          <a:fontRef idx="minor">
+            <a:schemeClr val="tx1"/>
+          </a:fontRef>
+        </p:style>
+      </p:cxnSp>
+      <p:cxnSp>
+        <p:nvCxnSpPr>
+          <p:cNvPr id="126" name="Straight Arrow Connector 125">
+            <a:extLst>
+              <a:ext uri="{FF2B5EF4-FFF2-40B4-BE49-F238E27FC236}">
+                <a16:creationId xmlns:a16="http://schemas.microsoft.com/office/drawing/2014/main" id="{B7EB7B76-8F34-B048-98DA-E1AB72DB0B14}"/>
+              </a:ext>
+            </a:extLst>
+          </p:cNvPr>
+          <p:cNvCxnSpPr>
+            <a:cxnSpLocks/>
+            <a:stCxn id="100" idx="2"/>
+            <a:endCxn id="101" idx="0"/>
+          </p:cNvCxnSpPr>
+          <p:nvPr/>
+        </p:nvCxnSpPr>
+        <p:spPr>
+          <a:xfrm>
+            <a:off x="6546536" y="4448156"/>
+            <a:ext cx="1193565" cy="345046"/>
+          </a:xfrm>
+          <a:prstGeom prst="straightConnector1">
+            <a:avLst/>
+          </a:prstGeom>
+          <a:ln w="12700">
+            <a:solidFill>
+              <a:srgbClr val="2F518F"/>
+            </a:solidFill>
+            <a:tailEnd type="triangle"/>
+          </a:ln>
+          <a:effectLst>
+            <a:outerShdw blurRad="50800" dist="38100" dir="2700000" algn="tl" rotWithShape="0">
+              <a:prstClr val="black">
+                <a:alpha val="40000"/>
+              </a:prstClr>
+            </a:outerShdw>
+          </a:effectLst>
+        </p:spPr>
+        <p:style>
+          <a:lnRef idx="1">
+            <a:schemeClr val="accent1"/>
+          </a:lnRef>
+          <a:fillRef idx="0">
+            <a:schemeClr val="accent1"/>
+          </a:fillRef>
+          <a:effectRef idx="0">
+            <a:schemeClr val="accent1"/>
+          </a:effectRef>
+          <a:fontRef idx="minor">
+            <a:schemeClr val="tx1"/>
+          </a:fontRef>
+        </p:style>
+      </p:cxnSp>
+      <p:cxnSp>
+        <p:nvCxnSpPr>
+          <p:cNvPr id="129" name="Straight Arrow Connector 128">
+            <a:extLst>
+              <a:ext uri="{FF2B5EF4-FFF2-40B4-BE49-F238E27FC236}">
+                <a16:creationId xmlns:a16="http://schemas.microsoft.com/office/drawing/2014/main" id="{BF0C8DA8-B74C-9846-93F6-42D677C9D315}"/>
+              </a:ext>
+            </a:extLst>
+          </p:cNvPr>
+          <p:cNvCxnSpPr>
+            <a:cxnSpLocks/>
+            <a:stCxn id="100" idx="2"/>
+            <a:endCxn id="103" idx="0"/>
+          </p:cNvCxnSpPr>
+          <p:nvPr/>
+        </p:nvCxnSpPr>
+        <p:spPr>
+          <a:xfrm flipH="1">
+            <a:off x="5365938" y="4448156"/>
+            <a:ext cx="1180598" cy="345046"/>
+          </a:xfrm>
+          <a:prstGeom prst="straightConnector1">
+            <a:avLst/>
+          </a:prstGeom>
+          <a:ln w="12700">
+            <a:solidFill>
+              <a:srgbClr val="2F518F"/>
+            </a:solidFill>
+            <a:tailEnd type="triangle"/>
+          </a:ln>
+          <a:effectLst>
+            <a:outerShdw blurRad="50800" dist="38100" dir="2700000" algn="tl" rotWithShape="0">
+              <a:prstClr val="black">
+                <a:alpha val="40000"/>
+              </a:prstClr>
+            </a:outerShdw>
+          </a:effectLst>
+        </p:spPr>
+        <p:style>
+          <a:lnRef idx="1">
+            <a:schemeClr val="accent1"/>
+          </a:lnRef>
+          <a:fillRef idx="0">
+            <a:schemeClr val="accent1"/>
+          </a:fillRef>
+          <a:effectRef idx="0">
+            <a:schemeClr val="accent1"/>
+          </a:effectRef>
+          <a:fontRef idx="minor">
+            <a:schemeClr val="tx1"/>
+          </a:fontRef>
+        </p:style>
+      </p:cxnSp>
+      <p:cxnSp>
+        <p:nvCxnSpPr>
+          <p:cNvPr id="132" name="Straight Arrow Connector 131">
+            <a:extLst>
+              <a:ext uri="{FF2B5EF4-FFF2-40B4-BE49-F238E27FC236}">
+                <a16:creationId xmlns:a16="http://schemas.microsoft.com/office/drawing/2014/main" id="{7AAEF852-FA08-0B4B-A70E-975834EC8ACE}"/>
+              </a:ext>
+            </a:extLst>
+          </p:cNvPr>
+          <p:cNvCxnSpPr>
+            <a:cxnSpLocks/>
+            <a:stCxn id="51" idx="2"/>
+            <a:endCxn id="98" idx="0"/>
+          </p:cNvCxnSpPr>
+          <p:nvPr/>
+        </p:nvCxnSpPr>
+        <p:spPr>
+          <a:xfrm>
+            <a:off x="7330996" y="3334986"/>
+            <a:ext cx="2427227" cy="2220591"/>
+          </a:xfrm>
+          <a:prstGeom prst="straightConnector1">
+            <a:avLst/>
+          </a:prstGeom>
+          <a:ln w="12700">
+            <a:solidFill>
+              <a:srgbClr val="2F518F"/>
+            </a:solidFill>
+            <a:tailEnd type="triangle"/>
+          </a:ln>
+          <a:effectLst>
+            <a:outerShdw blurRad="50800" dist="38100" dir="2700000" algn="tl" rotWithShape="0">
+              <a:prstClr val="black">
+                <a:alpha val="40000"/>
+              </a:prstClr>
+            </a:outerShdw>
+          </a:effectLst>
+        </p:spPr>
+        <p:style>
+          <a:lnRef idx="1">
+            <a:schemeClr val="accent1"/>
+          </a:lnRef>
+          <a:fillRef idx="0">
+            <a:schemeClr val="accent1"/>
+          </a:fillRef>
+          <a:effectRef idx="0">
+            <a:schemeClr val="accent1"/>
+          </a:effectRef>
+          <a:fontRef idx="minor">
+            <a:schemeClr val="tx1"/>
+          </a:fontRef>
+        </p:style>
+      </p:cxnSp>
+      <p:cxnSp>
+        <p:nvCxnSpPr>
+          <p:cNvPr id="135" name="Straight Arrow Connector 134">
+            <a:extLst>
+              <a:ext uri="{FF2B5EF4-FFF2-40B4-BE49-F238E27FC236}">
+                <a16:creationId xmlns:a16="http://schemas.microsoft.com/office/drawing/2014/main" id="{7644DCFA-77E2-5241-9E96-B56A616952B4}"/>
+              </a:ext>
+            </a:extLst>
+          </p:cNvPr>
+          <p:cNvCxnSpPr>
+            <a:cxnSpLocks/>
+            <a:stCxn id="101" idx="2"/>
+            <a:endCxn id="98" idx="0"/>
+          </p:cNvCxnSpPr>
+          <p:nvPr/>
+        </p:nvCxnSpPr>
+        <p:spPr>
+          <a:xfrm>
+            <a:off x="7740101" y="5210531"/>
+            <a:ext cx="2018122" cy="345046"/>
+          </a:xfrm>
+          <a:prstGeom prst="straightConnector1">
+            <a:avLst/>
+          </a:prstGeom>
+          <a:ln w="12700">
+            <a:solidFill>
+              <a:srgbClr val="2F518F"/>
+            </a:solidFill>
+            <a:tailEnd type="triangle"/>
+          </a:ln>
+          <a:effectLst>
+            <a:outerShdw blurRad="50800" dist="38100" dir="2700000" algn="tl" rotWithShape="0">
+              <a:prstClr val="black">
+                <a:alpha val="40000"/>
+              </a:prstClr>
+            </a:outerShdw>
+          </a:effectLst>
+        </p:spPr>
+        <p:style>
+          <a:lnRef idx="1">
+            <a:schemeClr val="accent1"/>
+          </a:lnRef>
+          <a:fillRef idx="0">
+            <a:schemeClr val="accent1"/>
+          </a:fillRef>
+          <a:effectRef idx="0">
+            <a:schemeClr val="accent1"/>
+          </a:effectRef>
+          <a:fontRef idx="minor">
+            <a:schemeClr val="tx1"/>
+          </a:fontRef>
+        </p:style>
+      </p:cxnSp>
+      <p:cxnSp>
+        <p:nvCxnSpPr>
+          <p:cNvPr id="139" name="Straight Arrow Connector 138">
+            <a:extLst>
+              <a:ext uri="{FF2B5EF4-FFF2-40B4-BE49-F238E27FC236}">
+                <a16:creationId xmlns:a16="http://schemas.microsoft.com/office/drawing/2014/main" id="{7B02393C-B8E8-C040-83F7-932932DC3697}"/>
+              </a:ext>
+            </a:extLst>
+          </p:cNvPr>
+          <p:cNvCxnSpPr>
+            <a:cxnSpLocks/>
+            <a:stCxn id="101" idx="2"/>
+            <a:endCxn id="106" idx="0"/>
+          </p:cNvCxnSpPr>
+          <p:nvPr/>
+        </p:nvCxnSpPr>
+        <p:spPr>
+          <a:xfrm flipH="1">
+            <a:off x="6647775" y="5210531"/>
+            <a:ext cx="1092326" cy="351304"/>
+          </a:xfrm>
+          <a:prstGeom prst="straightConnector1">
+            <a:avLst/>
+          </a:prstGeom>
+          <a:ln w="12700">
+            <a:solidFill>
+              <a:srgbClr val="2F518F"/>
+            </a:solidFill>
+            <a:tailEnd type="triangle"/>
+          </a:ln>
+          <a:effectLst>
+            <a:outerShdw blurRad="50800" dist="38100" dir="2700000" algn="tl" rotWithShape="0">
+              <a:prstClr val="black">
+                <a:alpha val="40000"/>
+              </a:prstClr>
+            </a:outerShdw>
+          </a:effectLst>
+        </p:spPr>
+        <p:style>
+          <a:lnRef idx="1">
+            <a:schemeClr val="accent1"/>
+          </a:lnRef>
+          <a:fillRef idx="0">
+            <a:schemeClr val="accent1"/>
+          </a:fillRef>
+          <a:effectRef idx="0">
+            <a:schemeClr val="accent1"/>
+          </a:effectRef>
+          <a:fontRef idx="minor">
+            <a:schemeClr val="tx1"/>
+          </a:fontRef>
+        </p:style>
+      </p:cxnSp>
+      <p:cxnSp>
+        <p:nvCxnSpPr>
+          <p:cNvPr id="172" name="Straight Arrow Connector 171">
+            <a:extLst>
+              <a:ext uri="{FF2B5EF4-FFF2-40B4-BE49-F238E27FC236}">
+                <a16:creationId xmlns:a16="http://schemas.microsoft.com/office/drawing/2014/main" id="{884DAB95-FC5A-5445-B749-3E876042AB06}"/>
+              </a:ext>
+            </a:extLst>
+          </p:cNvPr>
+          <p:cNvCxnSpPr>
+            <a:cxnSpLocks/>
+            <a:stCxn id="47" idx="2"/>
+            <a:endCxn id="104" idx="1"/>
+          </p:cNvCxnSpPr>
+          <p:nvPr/>
+        </p:nvCxnSpPr>
+        <p:spPr>
+          <a:xfrm>
+            <a:off x="6582610" y="2391809"/>
+            <a:ext cx="3016454" cy="138793"/>
+          </a:xfrm>
+          <a:prstGeom prst="straightConnector1">
+            <a:avLst/>
+          </a:prstGeom>
+          <a:ln w="12700">
+            <a:solidFill>
+              <a:srgbClr val="2F518F"/>
+            </a:solidFill>
+            <a:tailEnd type="triangle"/>
+          </a:ln>
+          <a:effectLst>
+            <a:outerShdw blurRad="50800" dist="38100" dir="2700000" algn="tl" rotWithShape="0">
+              <a:prstClr val="black">
+                <a:alpha val="40000"/>
+              </a:prstClr>
+            </a:outerShdw>
+          </a:effectLst>
+        </p:spPr>
+        <p:style>
+          <a:lnRef idx="1">
+            <a:schemeClr val="accent1"/>
+          </a:lnRef>
+          <a:fillRef idx="0">
+            <a:schemeClr val="accent1"/>
+          </a:fillRef>
+          <a:effectRef idx="0">
+            <a:schemeClr val="accent1"/>
+          </a:effectRef>
+          <a:fontRef idx="minor">
+            <a:schemeClr val="tx1"/>
+          </a:fontRef>
+        </p:style>
+      </p:cxnSp>
+      <p:cxnSp>
+        <p:nvCxnSpPr>
+          <p:cNvPr id="188" name="Straight Arrow Connector 187">
+            <a:extLst>
+              <a:ext uri="{FF2B5EF4-FFF2-40B4-BE49-F238E27FC236}">
+                <a16:creationId xmlns:a16="http://schemas.microsoft.com/office/drawing/2014/main" id="{A9F00033-9B32-D947-9633-CDF5CE09E356}"/>
+              </a:ext>
+            </a:extLst>
+          </p:cNvPr>
+          <p:cNvCxnSpPr>
+            <a:cxnSpLocks/>
+            <a:stCxn id="47" idx="2"/>
+            <a:endCxn id="105" idx="1"/>
+          </p:cNvCxnSpPr>
+          <p:nvPr/>
+        </p:nvCxnSpPr>
+        <p:spPr>
+          <a:xfrm>
+            <a:off x="6582610" y="2391809"/>
+            <a:ext cx="3016454" cy="665398"/>
+          </a:xfrm>
+          <a:prstGeom prst="straightConnector1">
+            <a:avLst/>
+          </a:prstGeom>
+          <a:ln w="12700">
+            <a:solidFill>
+              <a:srgbClr val="2F518F"/>
+            </a:solidFill>
+            <a:tailEnd type="triangle"/>
+          </a:ln>
+          <a:effectLst>
+            <a:outerShdw blurRad="50800" dist="38100" dir="2700000" algn="tl" rotWithShape="0">
+              <a:prstClr val="black">
+                <a:alpha val="40000"/>
+              </a:prstClr>
+            </a:outerShdw>
+          </a:effectLst>
         </p:spPr>
         <p:style>
           <a:lnRef idx="1">
@@ -6188,976 +6860,7 @@
     </p:spTree>
     <p:extLst>
       <p:ext uri="{BB962C8B-B14F-4D97-AF65-F5344CB8AC3E}">
-        <p14:creationId xmlns:p14="http://schemas.microsoft.com/office/powerpoint/2010/main" val="1554924134"/>
-      </p:ext>
-    </p:extLst>
-  </p:cSld>
-  <p:clrMapOvr>
-    <a:masterClrMapping/>
-  </p:clrMapOvr>
-</p:sld>
-</file>
-
-<file path=ppt/slides/slide3.xml><?xml version="1.0" encoding="utf-8"?>
-<p:sld xmlns:a="http://schemas.openxmlformats.org/drawingml/2006/main" xmlns:r="http://schemas.openxmlformats.org/officeDocument/2006/relationships" xmlns:p="http://schemas.openxmlformats.org/presentationml/2006/main">
-  <p:cSld>
-    <p:spTree>
-      <p:nvGrpSpPr>
-        <p:cNvPr id="1" name=""/>
-        <p:cNvGrpSpPr/>
-        <p:nvPr/>
-      </p:nvGrpSpPr>
-      <p:grpSpPr>
-        <a:xfrm>
-          <a:off x="0" y="0"/>
-          <a:ext cx="0" cy="0"/>
-          <a:chOff x="0" y="0"/>
-          <a:chExt cx="0" cy="0"/>
-        </a:xfrm>
-      </p:grpSpPr>
-      <p:sp>
-        <p:nvSpPr>
-          <p:cNvPr id="2" name="Title 1">
-            <a:extLst>
-              <a:ext uri="{FF2B5EF4-FFF2-40B4-BE49-F238E27FC236}">
-                <a16:creationId xmlns:a16="http://schemas.microsoft.com/office/drawing/2014/main" id="{1BC95530-C9D7-4318-9EB6-2C19B2912500}"/>
-              </a:ext>
-            </a:extLst>
-          </p:cNvPr>
-          <p:cNvSpPr>
-            <a:spLocks noGrp="1"/>
-          </p:cNvSpPr>
-          <p:nvPr>
-            <p:ph type="title"/>
-          </p:nvPr>
-        </p:nvSpPr>
-        <p:spPr/>
-        <p:txBody>
-          <a:bodyPr/>
-          <a:lstStyle/>
-          <a:p>
-            <a:r>
-              <a:rPr lang="en-US" dirty="0"/>
-              <a:t>Annealing</a:t>
-            </a:r>
-          </a:p>
-        </p:txBody>
-      </p:sp>
-      <p:sp>
-        <p:nvSpPr>
-          <p:cNvPr id="3" name="Content Placeholder 2">
-            <a:extLst>
-              <a:ext uri="{FF2B5EF4-FFF2-40B4-BE49-F238E27FC236}">
-                <a16:creationId xmlns:a16="http://schemas.microsoft.com/office/drawing/2014/main" id="{762A6030-159C-412F-98BC-19BDE65929D0}"/>
-              </a:ext>
-            </a:extLst>
-          </p:cNvPr>
-          <p:cNvSpPr>
-            <a:spLocks noGrp="1"/>
-          </p:cNvSpPr>
-          <p:nvPr>
-            <p:ph idx="1"/>
-          </p:nvPr>
-        </p:nvSpPr>
-        <p:spPr/>
-        <p:txBody>
-          <a:bodyPr/>
-          <a:lstStyle/>
-          <a:p>
-            <a:r>
-              <a:rPr lang="en-US" dirty="0"/>
-              <a:t>[</a:t>
-            </a:r>
-            <a:r>
-              <a:rPr lang="en-US" dirty="0" err="1"/>
-              <a:t>finalPath</a:t>
-            </a:r>
-            <a:r>
-              <a:rPr lang="en-US" dirty="0"/>
-              <a:t>]= Annealing(bestPath,annealingTime,disp_num,disp_size,finalEval,binaryImage,fracParamZr,fracParamZrH,valueZrH)</a:t>
-            </a:r>
-          </a:p>
-          <a:p>
-            <a:r>
-              <a:rPr lang="en-US" dirty="0"/>
-              <a:t>Purpose: refine best pathway</a:t>
-            </a:r>
-          </a:p>
-        </p:txBody>
-      </p:sp>
-    </p:spTree>
-    <p:extLst>
-      <p:ext uri="{BB962C8B-B14F-4D97-AF65-F5344CB8AC3E}">
-        <p14:creationId xmlns:p14="http://schemas.microsoft.com/office/powerpoint/2010/main" val="446295712"/>
-      </p:ext>
-    </p:extLst>
-  </p:cSld>
-  <p:clrMapOvr>
-    <a:masterClrMapping/>
-  </p:clrMapOvr>
-</p:sld>
-</file>
-
-<file path=ppt/slides/slide4.xml><?xml version="1.0" encoding="utf-8"?>
-<p:sld xmlns:a="http://schemas.openxmlformats.org/drawingml/2006/main" xmlns:r="http://schemas.openxmlformats.org/officeDocument/2006/relationships" xmlns:p="http://schemas.openxmlformats.org/presentationml/2006/main">
-  <p:cSld>
-    <p:spTree>
-      <p:nvGrpSpPr>
-        <p:cNvPr id="1" name=""/>
-        <p:cNvGrpSpPr/>
-        <p:nvPr/>
-      </p:nvGrpSpPr>
-      <p:grpSpPr>
-        <a:xfrm>
-          <a:off x="0" y="0"/>
-          <a:ext cx="0" cy="0"/>
-          <a:chOff x="0" y="0"/>
-          <a:chExt cx="0" cy="0"/>
-        </a:xfrm>
-      </p:grpSpPr>
-      <p:sp>
-        <p:nvSpPr>
-          <p:cNvPr id="2" name="Title 1">
-            <a:extLst>
-              <a:ext uri="{FF2B5EF4-FFF2-40B4-BE49-F238E27FC236}">
-                <a16:creationId xmlns:a16="http://schemas.microsoft.com/office/drawing/2014/main" id="{ED72B952-4520-475F-AE6A-776472A408C2}"/>
-              </a:ext>
-            </a:extLst>
-          </p:cNvPr>
-          <p:cNvSpPr>
-            <a:spLocks noGrp="1"/>
-          </p:cNvSpPr>
-          <p:nvPr>
-            <p:ph type="title"/>
-          </p:nvPr>
-        </p:nvSpPr>
-        <p:spPr/>
-        <p:txBody>
-          <a:bodyPr/>
-          <a:lstStyle/>
-          <a:p>
-            <a:r>
-              <a:rPr lang="en-US" dirty="0" err="1"/>
-              <a:t>GeneticAlgorithm</a:t>
-            </a:r>
-            <a:br>
-              <a:rPr lang="en-US" dirty="0"/>
-            </a:br>
-            <a:endParaRPr lang="en-US" dirty="0"/>
-          </a:p>
-        </p:txBody>
-      </p:sp>
-      <p:sp>
-        <p:nvSpPr>
-          <p:cNvPr id="3" name="Content Placeholder 2">
-            <a:extLst>
-              <a:ext uri="{FF2B5EF4-FFF2-40B4-BE49-F238E27FC236}">
-                <a16:creationId xmlns:a16="http://schemas.microsoft.com/office/drawing/2014/main" id="{1090C2C3-74F2-46E2-9518-52BDE9B3DEF1}"/>
-              </a:ext>
-            </a:extLst>
-          </p:cNvPr>
-          <p:cNvSpPr>
-            <a:spLocks noGrp="1"/>
-          </p:cNvSpPr>
-          <p:nvPr>
-            <p:ph idx="1"/>
-          </p:nvPr>
-        </p:nvSpPr>
-        <p:spPr/>
-        <p:txBody>
-          <a:bodyPr/>
-          <a:lstStyle/>
-          <a:p>
-            <a:r>
-              <a:rPr lang="en-US" dirty="0"/>
-              <a:t>[nodes, </a:t>
-            </a:r>
-            <a:r>
-              <a:rPr lang="en-US" dirty="0" err="1"/>
-              <a:t>eval</a:t>
-            </a:r>
-            <a:r>
-              <a:rPr lang="en-US" dirty="0"/>
-              <a:t>, </a:t>
-            </a:r>
-            <a:r>
-              <a:rPr lang="en-US" dirty="0" err="1"/>
-              <a:t>bestPath</a:t>
-            </a:r>
-            <a:r>
-              <a:rPr lang="en-US" dirty="0"/>
-              <a:t>, </a:t>
-            </a:r>
-            <a:r>
-              <a:rPr lang="en-US" dirty="0" err="1"/>
-              <a:t>bestEval</a:t>
-            </a:r>
-            <a:r>
-              <a:rPr lang="en-US" dirty="0"/>
-              <a:t>] = </a:t>
-            </a:r>
-            <a:r>
-              <a:rPr lang="en-US" dirty="0" err="1"/>
-              <a:t>GeneticAlgorithm</a:t>
-            </a:r>
-            <a:r>
-              <a:rPr lang="en-US" dirty="0"/>
-              <a:t>(</a:t>
-            </a:r>
-            <a:r>
-              <a:rPr lang="en-US" dirty="0" err="1"/>
-              <a:t>primary_nodes</a:t>
-            </a:r>
-            <a:r>
-              <a:rPr lang="en-US" dirty="0"/>
-              <a:t>, nodes, </a:t>
-            </a:r>
-            <a:r>
-              <a:rPr lang="en-US" dirty="0" err="1"/>
-              <a:t>Mutation,CPMax</a:t>
-            </a:r>
-            <a:r>
-              <a:rPr lang="en-US" dirty="0"/>
-              <a:t>, </a:t>
-            </a:r>
-            <a:r>
-              <a:rPr lang="en-US" dirty="0" err="1"/>
-              <a:t>PerCut,binaryImage,fracParamZr,fracParamZrH,valueZrH</a:t>
-            </a:r>
-            <a:r>
-              <a:rPr lang="en-US" dirty="0"/>
-              <a:t>)</a:t>
-            </a:r>
-          </a:p>
-          <a:p>
-            <a:r>
-              <a:rPr lang="en-US" dirty="0"/>
-              <a:t>Purpose: Genetic Algorithm to find best pathway</a:t>
-            </a:r>
-          </a:p>
-          <a:p>
-            <a:endParaRPr lang="en-US" dirty="0"/>
-          </a:p>
-          <a:p>
-            <a:pPr lvl="1"/>
-            <a:r>
-              <a:rPr lang="en-US" dirty="0"/>
-              <a:t>Create new path out of two parents</a:t>
-            </a:r>
-          </a:p>
-          <a:p>
-            <a:pPr lvl="1"/>
-            <a:r>
-              <a:rPr lang="en-US" dirty="0"/>
-              <a:t>Evaluates the RHCP for each path using </a:t>
-            </a:r>
-            <a:r>
-              <a:rPr lang="en-US" dirty="0" err="1"/>
-              <a:t>EvalPaths</a:t>
-            </a:r>
-            <a:endParaRPr lang="en-US" dirty="0"/>
-          </a:p>
-          <a:p>
-            <a:pPr lvl="1"/>
-            <a:r>
-              <a:rPr lang="en-US" dirty="0"/>
-              <a:t>Smooth each  path using </a:t>
-            </a:r>
-            <a:r>
-              <a:rPr lang="en-US" dirty="0" err="1"/>
-              <a:t>SmoothPaths</a:t>
-            </a:r>
-            <a:endParaRPr lang="en-US" dirty="0"/>
-          </a:p>
-          <a:p>
-            <a:pPr lvl="1"/>
-            <a:r>
-              <a:rPr lang="en-US" dirty="0"/>
-              <a:t>Eliminates unnecessary zigzag in paths using </a:t>
-            </a:r>
-            <a:r>
-              <a:rPr lang="en-US" dirty="0" err="1"/>
-              <a:t>ZigZag</a:t>
-            </a:r>
-            <a:endParaRPr lang="en-US" dirty="0"/>
-          </a:p>
-          <a:p>
-            <a:endParaRPr lang="en-US" dirty="0"/>
-          </a:p>
-          <a:p>
-            <a:endParaRPr lang="en-US" dirty="0"/>
-          </a:p>
-        </p:txBody>
-      </p:sp>
-    </p:spTree>
-    <p:extLst>
-      <p:ext uri="{BB962C8B-B14F-4D97-AF65-F5344CB8AC3E}">
-        <p14:creationId xmlns:p14="http://schemas.microsoft.com/office/powerpoint/2010/main" val="1695559972"/>
-      </p:ext>
-    </p:extLst>
-  </p:cSld>
-  <p:clrMapOvr>
-    <a:masterClrMapping/>
-  </p:clrMapOvr>
-</p:sld>
-</file>
-
-<file path=ppt/slides/slide5.xml><?xml version="1.0" encoding="utf-8"?>
-<p:sld xmlns:a="http://schemas.openxmlformats.org/drawingml/2006/main" xmlns:r="http://schemas.openxmlformats.org/officeDocument/2006/relationships" xmlns:p="http://schemas.openxmlformats.org/presentationml/2006/main">
-  <p:cSld>
-    <p:spTree>
-      <p:nvGrpSpPr>
-        <p:cNvPr id="1" name=""/>
-        <p:cNvGrpSpPr/>
-        <p:nvPr/>
-      </p:nvGrpSpPr>
-      <p:grpSpPr>
-        <a:xfrm>
-          <a:off x="0" y="0"/>
-          <a:ext cx="0" cy="0"/>
-          <a:chOff x="0" y="0"/>
-          <a:chExt cx="0" cy="0"/>
-        </a:xfrm>
-      </p:grpSpPr>
-      <p:sp>
-        <p:nvSpPr>
-          <p:cNvPr id="2" name="Title 1">
-            <a:extLst>
-              <a:ext uri="{FF2B5EF4-FFF2-40B4-BE49-F238E27FC236}">
-                <a16:creationId xmlns:a16="http://schemas.microsoft.com/office/drawing/2014/main" id="{508BA49F-1511-42D1-A49B-B09D3AAE5139}"/>
-              </a:ext>
-            </a:extLst>
-          </p:cNvPr>
-          <p:cNvSpPr>
-            <a:spLocks noGrp="1"/>
-          </p:cNvSpPr>
-          <p:nvPr>
-            <p:ph type="title"/>
-          </p:nvPr>
-        </p:nvSpPr>
-        <p:spPr/>
-        <p:txBody>
-          <a:bodyPr/>
-          <a:lstStyle/>
-          <a:p>
-            <a:r>
-              <a:rPr lang="en-US" dirty="0" err="1"/>
-              <a:t>RandomPathsGenerator</a:t>
-            </a:r>
-            <a:br>
-              <a:rPr lang="en-US" dirty="0"/>
-            </a:br>
-            <a:endParaRPr lang="en-US" dirty="0"/>
-          </a:p>
-        </p:txBody>
-      </p:sp>
-      <p:sp>
-        <p:nvSpPr>
-          <p:cNvPr id="3" name="Content Placeholder 2">
-            <a:extLst>
-              <a:ext uri="{FF2B5EF4-FFF2-40B4-BE49-F238E27FC236}">
-                <a16:creationId xmlns:a16="http://schemas.microsoft.com/office/drawing/2014/main" id="{FAB4B26E-FAC6-41FC-A917-7160537E97E4}"/>
-              </a:ext>
-            </a:extLst>
-          </p:cNvPr>
-          <p:cNvSpPr>
-            <a:spLocks noGrp="1"/>
-          </p:cNvSpPr>
-          <p:nvPr>
-            <p:ph idx="1"/>
-          </p:nvPr>
-        </p:nvSpPr>
-        <p:spPr/>
-        <p:txBody>
-          <a:bodyPr/>
-          <a:lstStyle/>
-          <a:p>
-            <a:r>
-              <a:rPr lang="en-US" dirty="0"/>
-              <a:t>[nodes] = </a:t>
-            </a:r>
-            <a:r>
-              <a:rPr lang="en-US" dirty="0" err="1"/>
-              <a:t>RandomPathsGenerator</a:t>
-            </a:r>
-            <a:r>
-              <a:rPr lang="en-US" dirty="0"/>
-              <a:t>(binaryImage,numPaths,num_primary_nodes,primary_nodes,primary_nodes_dist)</a:t>
-            </a:r>
-          </a:p>
-          <a:p>
-            <a:r>
-              <a:rPr lang="en-US" dirty="0"/>
-              <a:t>Purpose : </a:t>
-            </a:r>
-            <a:r>
-              <a:rPr lang="en-US" dirty="0" err="1"/>
-              <a:t>RandomPathsGenerator</a:t>
-            </a:r>
-            <a:r>
-              <a:rPr lang="en-US" dirty="0"/>
-              <a:t> generates </a:t>
-            </a:r>
-            <a:r>
-              <a:rPr lang="en-US" dirty="0" err="1"/>
-              <a:t>numPaths</a:t>
-            </a:r>
-            <a:r>
-              <a:rPr lang="en-US" dirty="0"/>
-              <a:t> random paths across the image, defines the primary nodes, and defines the guide nodes as well</a:t>
-            </a:r>
-          </a:p>
-          <a:p>
-            <a:endParaRPr lang="en-US" dirty="0"/>
-          </a:p>
-        </p:txBody>
-      </p:sp>
-    </p:spTree>
-    <p:extLst>
-      <p:ext uri="{BB962C8B-B14F-4D97-AF65-F5344CB8AC3E}">
-        <p14:creationId xmlns:p14="http://schemas.microsoft.com/office/powerpoint/2010/main" val="3303993563"/>
-      </p:ext>
-    </p:extLst>
-  </p:cSld>
-  <p:clrMapOvr>
-    <a:masterClrMapping/>
-  </p:clrMapOvr>
-</p:sld>
-</file>
-
-<file path=ppt/slides/slide6.xml><?xml version="1.0" encoding="utf-8"?>
-<p:sld xmlns:a="http://schemas.openxmlformats.org/drawingml/2006/main" xmlns:r="http://schemas.openxmlformats.org/officeDocument/2006/relationships" xmlns:p="http://schemas.openxmlformats.org/presentationml/2006/main">
-  <p:cSld>
-    <p:spTree>
-      <p:nvGrpSpPr>
-        <p:cNvPr id="1" name=""/>
-        <p:cNvGrpSpPr/>
-        <p:nvPr/>
-      </p:nvGrpSpPr>
-      <p:grpSpPr>
-        <a:xfrm>
-          <a:off x="0" y="0"/>
-          <a:ext cx="0" cy="0"/>
-          <a:chOff x="0" y="0"/>
-          <a:chExt cx="0" cy="0"/>
-        </a:xfrm>
-      </p:grpSpPr>
-      <p:sp>
-        <p:nvSpPr>
-          <p:cNvPr id="2" name="Title 1">
-            <a:extLst>
-              <a:ext uri="{FF2B5EF4-FFF2-40B4-BE49-F238E27FC236}">
-                <a16:creationId xmlns:a16="http://schemas.microsoft.com/office/drawing/2014/main" id="{5FBF87C3-8A2E-4603-AFBA-CE87DA495110}"/>
-              </a:ext>
-            </a:extLst>
-          </p:cNvPr>
-          <p:cNvSpPr>
-            <a:spLocks noGrp="1"/>
-          </p:cNvSpPr>
-          <p:nvPr>
-            <p:ph type="title"/>
-          </p:nvPr>
-        </p:nvSpPr>
-        <p:spPr/>
-        <p:txBody>
-          <a:bodyPr>
-            <a:normAutofit fontScale="90000"/>
-          </a:bodyPr>
-          <a:lstStyle/>
-          <a:p>
-            <a:r>
-              <a:rPr lang="en-US" dirty="0"/>
-              <a:t>Primary Nodes</a:t>
-            </a:r>
-            <a:br>
-              <a:rPr lang="en-US" dirty="0"/>
-            </a:br>
-            <a:br>
-              <a:rPr lang="en-US" dirty="0"/>
-            </a:br>
-            <a:endParaRPr lang="en-US" dirty="0"/>
-          </a:p>
-        </p:txBody>
-      </p:sp>
-      <p:sp>
-        <p:nvSpPr>
-          <p:cNvPr id="3" name="Content Placeholder 2">
-            <a:extLst>
-              <a:ext uri="{FF2B5EF4-FFF2-40B4-BE49-F238E27FC236}">
-                <a16:creationId xmlns:a16="http://schemas.microsoft.com/office/drawing/2014/main" id="{D2512FDF-E826-4FD6-9754-04EC680FB760}"/>
-              </a:ext>
-            </a:extLst>
-          </p:cNvPr>
-          <p:cNvSpPr>
-            <a:spLocks noGrp="1"/>
-          </p:cNvSpPr>
-          <p:nvPr>
-            <p:ph idx="1"/>
-          </p:nvPr>
-        </p:nvSpPr>
-        <p:spPr/>
-        <p:txBody>
-          <a:bodyPr/>
-          <a:lstStyle/>
-          <a:p>
-            <a:r>
-              <a:rPr lang="en-US" dirty="0"/>
-              <a:t>[</a:t>
-            </a:r>
-            <a:r>
-              <a:rPr lang="en-US" dirty="0" err="1"/>
-              <a:t>num_primary_nodes,primary_nodes</a:t>
-            </a:r>
-            <a:r>
-              <a:rPr lang="en-US" dirty="0"/>
-              <a:t>] = </a:t>
-            </a:r>
-            <a:r>
-              <a:rPr lang="en-US" dirty="0" err="1"/>
-              <a:t>PrimaryNodes</a:t>
-            </a:r>
-            <a:r>
-              <a:rPr lang="en-US" dirty="0"/>
-              <a:t>(</a:t>
-            </a:r>
-            <a:r>
-              <a:rPr lang="en-US" dirty="0" err="1"/>
-              <a:t>length_binaryImage,primary_nodes_dist</a:t>
-            </a:r>
-            <a:r>
-              <a:rPr lang="en-US" dirty="0"/>
-              <a:t>)</a:t>
-            </a:r>
-          </a:p>
-          <a:p>
-            <a:r>
-              <a:rPr lang="en-US" dirty="0"/>
-              <a:t>Purpose: </a:t>
-            </a:r>
-            <a:r>
-              <a:rPr lang="en-US" dirty="0" err="1"/>
-              <a:t>PrimaryNodes</a:t>
-            </a:r>
-            <a:r>
-              <a:rPr lang="en-US" dirty="0"/>
-              <a:t> determines the position of the primary nodes</a:t>
-            </a:r>
-          </a:p>
-          <a:p>
-            <a:endParaRPr lang="en-US" dirty="0"/>
-          </a:p>
-        </p:txBody>
-      </p:sp>
-    </p:spTree>
-    <p:extLst>
-      <p:ext uri="{BB962C8B-B14F-4D97-AF65-F5344CB8AC3E}">
-        <p14:creationId xmlns:p14="http://schemas.microsoft.com/office/powerpoint/2010/main" val="3335227571"/>
-      </p:ext>
-    </p:extLst>
-  </p:cSld>
-  <p:clrMapOvr>
-    <a:masterClrMapping/>
-  </p:clrMapOvr>
-</p:sld>
-</file>
-
-<file path=ppt/slides/slide7.xml><?xml version="1.0" encoding="utf-8"?>
-<p:sld xmlns:a="http://schemas.openxmlformats.org/drawingml/2006/main" xmlns:r="http://schemas.openxmlformats.org/officeDocument/2006/relationships" xmlns:p="http://schemas.openxmlformats.org/presentationml/2006/main">
-  <p:cSld>
-    <p:spTree>
-      <p:nvGrpSpPr>
-        <p:cNvPr id="1" name=""/>
-        <p:cNvGrpSpPr/>
-        <p:nvPr/>
-      </p:nvGrpSpPr>
-      <p:grpSpPr>
-        <a:xfrm>
-          <a:off x="0" y="0"/>
-          <a:ext cx="0" cy="0"/>
-          <a:chOff x="0" y="0"/>
-          <a:chExt cx="0" cy="0"/>
-        </a:xfrm>
-      </p:grpSpPr>
-      <p:sp>
-        <p:nvSpPr>
-          <p:cNvPr id="2" name="Title 1">
-            <a:extLst>
-              <a:ext uri="{FF2B5EF4-FFF2-40B4-BE49-F238E27FC236}">
-                <a16:creationId xmlns:a16="http://schemas.microsoft.com/office/drawing/2014/main" id="{BF98BD6D-4106-496A-BF1F-E8E6E8BFCD8E}"/>
-              </a:ext>
-            </a:extLst>
-          </p:cNvPr>
-          <p:cNvSpPr>
-            <a:spLocks noGrp="1"/>
-          </p:cNvSpPr>
-          <p:nvPr>
-            <p:ph type="title"/>
-          </p:nvPr>
-        </p:nvSpPr>
-        <p:spPr/>
-        <p:txBody>
-          <a:bodyPr/>
-          <a:lstStyle/>
-          <a:p>
-            <a:r>
-              <a:rPr lang="en-US" dirty="0" err="1"/>
-              <a:t>SmoothPaths</a:t>
-            </a:r>
-            <a:endParaRPr lang="en-US" dirty="0"/>
-          </a:p>
-        </p:txBody>
-      </p:sp>
-      <p:sp>
-        <p:nvSpPr>
-          <p:cNvPr id="3" name="Content Placeholder 2">
-            <a:extLst>
-              <a:ext uri="{FF2B5EF4-FFF2-40B4-BE49-F238E27FC236}">
-                <a16:creationId xmlns:a16="http://schemas.microsoft.com/office/drawing/2014/main" id="{A968F2EC-7770-41D3-96CD-F9E35AEC91B5}"/>
-              </a:ext>
-            </a:extLst>
-          </p:cNvPr>
-          <p:cNvSpPr>
-            <a:spLocks noGrp="1"/>
-          </p:cNvSpPr>
-          <p:nvPr>
-            <p:ph idx="1"/>
-          </p:nvPr>
-        </p:nvSpPr>
-        <p:spPr/>
-        <p:txBody>
-          <a:bodyPr/>
-          <a:lstStyle/>
-          <a:p>
-            <a:r>
-              <a:rPr lang="en-US" dirty="0"/>
-              <a:t>[nodes] = </a:t>
-            </a:r>
-            <a:r>
-              <a:rPr lang="en-US" dirty="0" err="1"/>
-              <a:t>SmoothPaths</a:t>
-            </a:r>
-            <a:r>
-              <a:rPr lang="en-US" dirty="0"/>
-              <a:t>(</a:t>
-            </a:r>
-            <a:r>
-              <a:rPr lang="en-US" dirty="0" err="1"/>
-              <a:t>nodes,binaryImage</a:t>
-            </a:r>
-            <a:r>
-              <a:rPr lang="en-US" dirty="0"/>
-              <a:t>)</a:t>
-            </a:r>
-          </a:p>
-          <a:p>
-            <a:r>
-              <a:rPr lang="en-US" dirty="0"/>
-              <a:t>Purpose:  </a:t>
-            </a:r>
-            <a:r>
-              <a:rPr lang="en-US" dirty="0" err="1"/>
-              <a:t>SmoothPaths</a:t>
-            </a:r>
-            <a:r>
-              <a:rPr lang="en-US" dirty="0"/>
-              <a:t> takes the nodes of all paths described by nodes and the  binary image, and makes sure that the paths go straight within each  phase.</a:t>
-            </a:r>
-          </a:p>
-          <a:p>
-            <a:pPr marL="0" indent="0">
-              <a:buNone/>
-            </a:pPr>
-            <a:br>
-              <a:rPr lang="en-US" dirty="0"/>
-            </a:br>
-            <a:endParaRPr lang="en-US" dirty="0"/>
-          </a:p>
-          <a:p>
-            <a:endParaRPr lang="en-US" dirty="0"/>
-          </a:p>
-        </p:txBody>
-      </p:sp>
-    </p:spTree>
-    <p:extLst>
-      <p:ext uri="{BB962C8B-B14F-4D97-AF65-F5344CB8AC3E}">
-        <p14:creationId xmlns:p14="http://schemas.microsoft.com/office/powerpoint/2010/main" val="1326665742"/>
-      </p:ext>
-    </p:extLst>
-  </p:cSld>
-  <p:clrMapOvr>
-    <a:masterClrMapping/>
-  </p:clrMapOvr>
-</p:sld>
-</file>
-
-<file path=ppt/slides/slide8.xml><?xml version="1.0" encoding="utf-8"?>
-<p:sld xmlns:a="http://schemas.openxmlformats.org/drawingml/2006/main" xmlns:r="http://schemas.openxmlformats.org/officeDocument/2006/relationships" xmlns:p="http://schemas.openxmlformats.org/presentationml/2006/main">
-  <p:cSld>
-    <p:spTree>
-      <p:nvGrpSpPr>
-        <p:cNvPr id="1" name=""/>
-        <p:cNvGrpSpPr/>
-        <p:nvPr/>
-      </p:nvGrpSpPr>
-      <p:grpSpPr>
-        <a:xfrm>
-          <a:off x="0" y="0"/>
-          <a:ext cx="0" cy="0"/>
-          <a:chOff x="0" y="0"/>
-          <a:chExt cx="0" cy="0"/>
-        </a:xfrm>
-      </p:grpSpPr>
-      <p:sp>
-        <p:nvSpPr>
-          <p:cNvPr id="2" name="Title 1">
-            <a:extLst>
-              <a:ext uri="{FF2B5EF4-FFF2-40B4-BE49-F238E27FC236}">
-                <a16:creationId xmlns:a16="http://schemas.microsoft.com/office/drawing/2014/main" id="{BF98BD6D-4106-496A-BF1F-E8E6E8BFCD8E}"/>
-              </a:ext>
-            </a:extLst>
-          </p:cNvPr>
-          <p:cNvSpPr>
-            <a:spLocks noGrp="1"/>
-          </p:cNvSpPr>
-          <p:nvPr>
-            <p:ph type="title"/>
-          </p:nvPr>
-        </p:nvSpPr>
-        <p:spPr/>
-        <p:txBody>
-          <a:bodyPr/>
-          <a:lstStyle/>
-          <a:p>
-            <a:r>
-              <a:rPr lang="en-US" dirty="0" err="1"/>
-              <a:t>EvalPaths</a:t>
-            </a:r>
-            <a:endParaRPr lang="en-US" dirty="0"/>
-          </a:p>
-        </p:txBody>
-      </p:sp>
-      <p:sp>
-        <p:nvSpPr>
-          <p:cNvPr id="3" name="Content Placeholder 2">
-            <a:extLst>
-              <a:ext uri="{FF2B5EF4-FFF2-40B4-BE49-F238E27FC236}">
-                <a16:creationId xmlns:a16="http://schemas.microsoft.com/office/drawing/2014/main" id="{A968F2EC-7770-41D3-96CD-F9E35AEC91B5}"/>
-              </a:ext>
-            </a:extLst>
-          </p:cNvPr>
-          <p:cNvSpPr>
-            <a:spLocks noGrp="1"/>
-          </p:cNvSpPr>
-          <p:nvPr>
-            <p:ph idx="1"/>
-          </p:nvPr>
-        </p:nvSpPr>
-        <p:spPr/>
-        <p:txBody>
-          <a:bodyPr/>
-          <a:lstStyle/>
-          <a:p>
-            <a:r>
-              <a:rPr lang="en-US" dirty="0"/>
-              <a:t>[</a:t>
-            </a:r>
-            <a:r>
-              <a:rPr lang="en-US" dirty="0" err="1"/>
-              <a:t>eval</a:t>
-            </a:r>
-            <a:r>
-              <a:rPr lang="en-US" dirty="0"/>
-              <a:t>] = </a:t>
-            </a:r>
-            <a:r>
-              <a:rPr lang="en-US" dirty="0" err="1"/>
-              <a:t>EvalPaths</a:t>
-            </a:r>
-            <a:r>
-              <a:rPr lang="en-US" dirty="0"/>
-              <a:t>(</a:t>
-            </a:r>
-            <a:r>
-              <a:rPr lang="en-US" dirty="0" err="1"/>
-              <a:t>nodes,binaryImage,fracParamZr,fracParamZrH,valueZrH</a:t>
-            </a:r>
-            <a:r>
-              <a:rPr lang="en-US" dirty="0"/>
-              <a:t>)</a:t>
-            </a:r>
-          </a:p>
-          <a:p>
-            <a:r>
-              <a:rPr lang="en-US" dirty="0"/>
-              <a:t>Purpose:  </a:t>
-            </a:r>
-            <a:r>
-              <a:rPr lang="en-US" dirty="0" err="1"/>
-              <a:t>EvalPaths</a:t>
-            </a:r>
-            <a:r>
-              <a:rPr lang="en-US" dirty="0"/>
-              <a:t> takes all paths described in nodes, the binary image, as well as the parameters for fracture for both phases and the indicator of </a:t>
-            </a:r>
-            <a:r>
-              <a:rPr lang="en-US" dirty="0" err="1"/>
-              <a:t>ZrH</a:t>
-            </a:r>
-            <a:r>
-              <a:rPr lang="en-US" dirty="0"/>
-              <a:t>, and returns the radial hydride continuous path value for each path, as well as the normalized path lengths</a:t>
-            </a:r>
-          </a:p>
-          <a:p>
-            <a:endParaRPr lang="en-US" dirty="0"/>
-          </a:p>
-        </p:txBody>
-      </p:sp>
-    </p:spTree>
-    <p:extLst>
-      <p:ext uri="{BB962C8B-B14F-4D97-AF65-F5344CB8AC3E}">
-        <p14:creationId xmlns:p14="http://schemas.microsoft.com/office/powerpoint/2010/main" val="2653398125"/>
-      </p:ext>
-    </p:extLst>
-  </p:cSld>
-  <p:clrMapOvr>
-    <a:masterClrMapping/>
-  </p:clrMapOvr>
-</p:sld>
-</file>
-
-<file path=ppt/slides/slide9.xml><?xml version="1.0" encoding="utf-8"?>
-<p:sld xmlns:a="http://schemas.openxmlformats.org/drawingml/2006/main" xmlns:r="http://schemas.openxmlformats.org/officeDocument/2006/relationships" xmlns:p="http://schemas.openxmlformats.org/presentationml/2006/main">
-  <p:cSld>
-    <p:spTree>
-      <p:nvGrpSpPr>
-        <p:cNvPr id="1" name=""/>
-        <p:cNvGrpSpPr/>
-        <p:nvPr/>
-      </p:nvGrpSpPr>
-      <p:grpSpPr>
-        <a:xfrm>
-          <a:off x="0" y="0"/>
-          <a:ext cx="0" cy="0"/>
-          <a:chOff x="0" y="0"/>
-          <a:chExt cx="0" cy="0"/>
-        </a:xfrm>
-      </p:grpSpPr>
-      <p:sp>
-        <p:nvSpPr>
-          <p:cNvPr id="2" name="Title 1">
-            <a:extLst>
-              <a:ext uri="{FF2B5EF4-FFF2-40B4-BE49-F238E27FC236}">
-                <a16:creationId xmlns:a16="http://schemas.microsoft.com/office/drawing/2014/main" id="{BF98BD6D-4106-496A-BF1F-E8E6E8BFCD8E}"/>
-              </a:ext>
-            </a:extLst>
-          </p:cNvPr>
-          <p:cNvSpPr>
-            <a:spLocks noGrp="1"/>
-          </p:cNvSpPr>
-          <p:nvPr>
-            <p:ph type="title"/>
-          </p:nvPr>
-        </p:nvSpPr>
-        <p:spPr/>
-        <p:txBody>
-          <a:bodyPr/>
-          <a:lstStyle/>
-          <a:p>
-            <a:r>
-              <a:rPr lang="en-US" dirty="0" err="1"/>
-              <a:t>zigZag</a:t>
-            </a:r>
-            <a:endParaRPr lang="en-US" dirty="0"/>
-          </a:p>
-        </p:txBody>
-      </p:sp>
-      <p:sp>
-        <p:nvSpPr>
-          <p:cNvPr id="3" name="Content Placeholder 2">
-            <a:extLst>
-              <a:ext uri="{FF2B5EF4-FFF2-40B4-BE49-F238E27FC236}">
-                <a16:creationId xmlns:a16="http://schemas.microsoft.com/office/drawing/2014/main" id="{A968F2EC-7770-41D3-96CD-F9E35AEC91B5}"/>
-              </a:ext>
-            </a:extLst>
-          </p:cNvPr>
-          <p:cNvSpPr>
-            <a:spLocks noGrp="1"/>
-          </p:cNvSpPr>
-          <p:nvPr>
-            <p:ph idx="1"/>
-          </p:nvPr>
-        </p:nvSpPr>
-        <p:spPr/>
-        <p:txBody>
-          <a:bodyPr/>
-          <a:lstStyle/>
-          <a:p>
-            <a:r>
-              <a:rPr lang="en-US" dirty="0"/>
-              <a:t>[nodes] = </a:t>
-            </a:r>
-            <a:r>
-              <a:rPr lang="en-US" dirty="0" err="1"/>
-              <a:t>ZigZag</a:t>
-            </a:r>
-            <a:r>
-              <a:rPr lang="en-US" dirty="0"/>
-              <a:t>(</a:t>
-            </a:r>
-            <a:r>
-              <a:rPr lang="en-US" dirty="0" err="1"/>
-              <a:t>smCut,nodes,binaryImage,valueZrH</a:t>
-            </a:r>
-            <a:r>
-              <a:rPr lang="en-US" dirty="0"/>
-              <a:t>)</a:t>
-            </a:r>
-          </a:p>
-          <a:p>
-            <a:r>
-              <a:rPr lang="en-US" dirty="0"/>
-              <a:t>Purpose: </a:t>
-            </a:r>
-            <a:r>
-              <a:rPr lang="en-US" dirty="0" err="1"/>
-              <a:t>ZigZag</a:t>
-            </a:r>
-            <a:r>
-              <a:rPr lang="en-US" dirty="0"/>
-              <a:t> takes the nodes of paths described by nodes, the </a:t>
-            </a:r>
-            <a:r>
-              <a:rPr lang="en-US" dirty="0" err="1"/>
-              <a:t>binaryImage</a:t>
-            </a:r>
-            <a:r>
-              <a:rPr lang="en-US" dirty="0"/>
-              <a:t>, as well as the parameter </a:t>
-            </a:r>
-            <a:r>
-              <a:rPr lang="en-US" dirty="0" err="1"/>
-              <a:t>smCut</a:t>
-            </a:r>
-            <a:r>
-              <a:rPr lang="en-US" dirty="0"/>
-              <a:t> (smoothing cutoff) to remove the parts of the path that exit a phase for only a short length without improving the path more than </a:t>
-            </a:r>
-            <a:r>
-              <a:rPr lang="en-US" dirty="0" err="1"/>
-              <a:t>smCut</a:t>
-            </a:r>
-            <a:endParaRPr lang="en-US" dirty="0"/>
-          </a:p>
-          <a:p>
-            <a:endParaRPr lang="en-US" dirty="0"/>
-          </a:p>
-        </p:txBody>
-      </p:sp>
-    </p:spTree>
-    <p:extLst>
-      <p:ext uri="{BB962C8B-B14F-4D97-AF65-F5344CB8AC3E}">
-        <p14:creationId xmlns:p14="http://schemas.microsoft.com/office/powerpoint/2010/main" val="2371676186"/>
+        <p14:creationId xmlns:p14="http://schemas.microsoft.com/office/powerpoint/2010/main" val="4141122378"/>
       </p:ext>
     </p:extLst>
   </p:cSld>
